--- a/info/Моделирование.pptx
+++ b/info/Моделирование.pptx
@@ -7,11 +7,16 @@
   <p:sldIdLst>
     <p:sldId id="256" r:id="rId2"/>
     <p:sldId id="257" r:id="rId3"/>
-    <p:sldId id="258" r:id="rId4"/>
-    <p:sldId id="259" r:id="rId5"/>
-    <p:sldId id="260" r:id="rId6"/>
-    <p:sldId id="261" r:id="rId7"/>
-    <p:sldId id="262" r:id="rId8"/>
+    <p:sldId id="263" r:id="rId4"/>
+    <p:sldId id="266" r:id="rId5"/>
+    <p:sldId id="258" r:id="rId6"/>
+    <p:sldId id="264" r:id="rId7"/>
+    <p:sldId id="259" r:id="rId8"/>
+    <p:sldId id="260" r:id="rId9"/>
+    <p:sldId id="265" r:id="rId10"/>
+    <p:sldId id="261" r:id="rId11"/>
+    <p:sldId id="267" r:id="rId12"/>
+    <p:sldId id="262" r:id="rId13"/>
   </p:sldIdLst>
   <p:sldSz cx="12192000" cy="6858000"/>
   <p:notesSz cx="6858000" cy="9144000"/>
@@ -110,6 +115,11 @@
       </a:defRPr>
     </a:lvl9pPr>
   </p:defaultTextStyle>
+  <p:extLst>
+    <p:ext uri="{EFAFB233-063F-42B5-8137-9DF3F51BA10A}">
+      <p15:sldGuideLst xmlns:p15="http://schemas.microsoft.com/office/powerpoint/2012/main"/>
+    </p:ext>
+  </p:extLst>
 </p:presentation>
 </file>
 
@@ -260,7 +270,7 @@
           <a:p>
             <a:fld id="{B0D21DAE-CD54-4DF0-AB83-F6E3861581A8}" type="datetimeFigureOut">
               <a:rPr lang="ru-RU" smtClean="0"/>
-              <a:t>13.03.2022</a:t>
+              <a:t>27.03.2022</a:t>
             </a:fld>
             <a:endParaRPr lang="ru-RU" dirty="0"/>
           </a:p>
@@ -458,7 +468,7 @@
           <a:p>
             <a:fld id="{B0D21DAE-CD54-4DF0-AB83-F6E3861581A8}" type="datetimeFigureOut">
               <a:rPr lang="ru-RU" smtClean="0"/>
-              <a:t>13.03.2022</a:t>
+              <a:t>27.03.2022</a:t>
             </a:fld>
             <a:endParaRPr lang="ru-RU" dirty="0"/>
           </a:p>
@@ -666,7 +676,7 @@
           <a:p>
             <a:fld id="{B0D21DAE-CD54-4DF0-AB83-F6E3861581A8}" type="datetimeFigureOut">
               <a:rPr lang="ru-RU" smtClean="0"/>
-              <a:t>13.03.2022</a:t>
+              <a:t>27.03.2022</a:t>
             </a:fld>
             <a:endParaRPr lang="ru-RU" dirty="0"/>
           </a:p>
@@ -864,7 +874,7 @@
           <a:p>
             <a:fld id="{B0D21DAE-CD54-4DF0-AB83-F6E3861581A8}" type="datetimeFigureOut">
               <a:rPr lang="ru-RU" smtClean="0"/>
-              <a:t>13.03.2022</a:t>
+              <a:t>27.03.2022</a:t>
             </a:fld>
             <a:endParaRPr lang="ru-RU" dirty="0"/>
           </a:p>
@@ -1139,7 +1149,7 @@
           <a:p>
             <a:fld id="{B0D21DAE-CD54-4DF0-AB83-F6E3861581A8}" type="datetimeFigureOut">
               <a:rPr lang="ru-RU" smtClean="0"/>
-              <a:t>13.03.2022</a:t>
+              <a:t>27.03.2022</a:t>
             </a:fld>
             <a:endParaRPr lang="ru-RU" dirty="0"/>
           </a:p>
@@ -1404,7 +1414,7 @@
           <a:p>
             <a:fld id="{B0D21DAE-CD54-4DF0-AB83-F6E3861581A8}" type="datetimeFigureOut">
               <a:rPr lang="ru-RU" smtClean="0"/>
-              <a:t>13.03.2022</a:t>
+              <a:t>27.03.2022</a:t>
             </a:fld>
             <a:endParaRPr lang="ru-RU" dirty="0"/>
           </a:p>
@@ -1816,7 +1826,7 @@
           <a:p>
             <a:fld id="{B0D21DAE-CD54-4DF0-AB83-F6E3861581A8}" type="datetimeFigureOut">
               <a:rPr lang="ru-RU" smtClean="0"/>
-              <a:t>13.03.2022</a:t>
+              <a:t>27.03.2022</a:t>
             </a:fld>
             <a:endParaRPr lang="ru-RU" dirty="0"/>
           </a:p>
@@ -1957,7 +1967,7 @@
           <a:p>
             <a:fld id="{B0D21DAE-CD54-4DF0-AB83-F6E3861581A8}" type="datetimeFigureOut">
               <a:rPr lang="ru-RU" smtClean="0"/>
-              <a:t>13.03.2022</a:t>
+              <a:t>27.03.2022</a:t>
             </a:fld>
             <a:endParaRPr lang="ru-RU" dirty="0"/>
           </a:p>
@@ -2070,7 +2080,7 @@
           <a:p>
             <a:fld id="{B0D21DAE-CD54-4DF0-AB83-F6E3861581A8}" type="datetimeFigureOut">
               <a:rPr lang="ru-RU" smtClean="0"/>
-              <a:t>13.03.2022</a:t>
+              <a:t>27.03.2022</a:t>
             </a:fld>
             <a:endParaRPr lang="ru-RU" dirty="0"/>
           </a:p>
@@ -2381,7 +2391,7 @@
           <a:p>
             <a:fld id="{B0D21DAE-CD54-4DF0-AB83-F6E3861581A8}" type="datetimeFigureOut">
               <a:rPr lang="ru-RU" smtClean="0"/>
-              <a:t>13.03.2022</a:t>
+              <a:t>27.03.2022</a:t>
             </a:fld>
             <a:endParaRPr lang="ru-RU" dirty="0"/>
           </a:p>
@@ -2669,7 +2679,7 @@
           <a:p>
             <a:fld id="{B0D21DAE-CD54-4DF0-AB83-F6E3861581A8}" type="datetimeFigureOut">
               <a:rPr lang="ru-RU" smtClean="0"/>
-              <a:t>13.03.2022</a:t>
+              <a:t>27.03.2022</a:t>
             </a:fld>
             <a:endParaRPr lang="ru-RU" dirty="0"/>
           </a:p>
@@ -2919,7 +2929,7 @@
           <a:p>
             <a:fld id="{B0D21DAE-CD54-4DF0-AB83-F6E3861581A8}" type="datetimeFigureOut">
               <a:rPr lang="ru-RU" smtClean="0"/>
-              <a:t>13.03.2022</a:t>
+              <a:t>27.03.2022</a:t>
             </a:fld>
             <a:endParaRPr lang="ru-RU" dirty="0"/>
           </a:p>
@@ -3433,7 +3443,7 @@
 </p:sld>
 </file>
 
-<file path=ppt/slides/slide2.xml><?xml version="1.0" encoding="utf-8"?>
+<file path=ppt/slides/slide10.xml><?xml version="1.0" encoding="utf-8"?>
 <p:sld xmlns:a="http://schemas.openxmlformats.org/drawingml/2006/main" xmlns:r="http://schemas.openxmlformats.org/officeDocument/2006/relationships" xmlns:p="http://schemas.openxmlformats.org/presentationml/2006/main">
   <p:cSld>
     <p:spTree>
@@ -3455,142 +3465,58 @@
           <p:cNvPr id="2" name="Заголовок 1">
             <a:extLst>
               <a:ext uri="{FF2B5EF4-FFF2-40B4-BE49-F238E27FC236}">
-                <a16:creationId xmlns:a16="http://schemas.microsoft.com/office/drawing/2014/main" id="{A8F7E3C7-CF7B-46D5-A16F-316F44654123}"/>
-              </a:ext>
-            </a:extLst>
-          </p:cNvPr>
-          <p:cNvSpPr>
-            <a:spLocks noGrp="1"/>
-          </p:cNvSpPr>
-          <p:nvPr>
-            <p:ph type="title"/>
-          </p:nvPr>
-        </p:nvSpPr>
-        <p:spPr>
-          <a:xfrm>
-            <a:off x="838200" y="180156"/>
-            <a:ext cx="10515600" cy="1001762"/>
-          </a:xfrm>
-        </p:spPr>
-        <p:txBody>
-          <a:bodyPr/>
-          <a:lstStyle/>
-          <a:p>
-            <a:pPr algn="ctr"/>
+                <a16:creationId xmlns:a16="http://schemas.microsoft.com/office/drawing/2014/main" id="{77FCB7F1-1404-4554-8AAD-BE561D20B9B9}"/>
+              </a:ext>
+            </a:extLst>
+          </p:cNvPr>
+          <p:cNvSpPr>
+            <a:spLocks noGrp="1"/>
+          </p:cNvSpPr>
+          <p:nvPr>
+            <p:ph type="ctrTitle"/>
+          </p:nvPr>
+        </p:nvSpPr>
+        <p:spPr/>
+        <p:txBody>
+          <a:bodyPr/>
+          <a:lstStyle/>
+          <a:p>
             <a:r>
               <a:rPr lang="ru-RU" b="1" dirty="0"/>
-              <a:t>Паспорт проекта</a:t>
-            </a:r>
-          </a:p>
-        </p:txBody>
-      </p:sp>
-      <p:sp>
-        <p:nvSpPr>
-          <p:cNvPr id="3" name="Объект 2">
-            <a:extLst>
-              <a:ext uri="{FF2B5EF4-FFF2-40B4-BE49-F238E27FC236}">
-                <a16:creationId xmlns:a16="http://schemas.microsoft.com/office/drawing/2014/main" id="{D098E950-CA46-4065-867E-23C5A3A8145B}"/>
-              </a:ext>
-            </a:extLst>
-          </p:cNvPr>
-          <p:cNvSpPr>
-            <a:spLocks noGrp="1"/>
-          </p:cNvSpPr>
-          <p:nvPr>
-            <p:ph idx="1"/>
-          </p:nvPr>
-        </p:nvSpPr>
-        <p:spPr>
-          <a:xfrm>
-            <a:off x="838200" y="1508289"/>
-            <a:ext cx="10515600" cy="5169555"/>
-          </a:xfrm>
-        </p:spPr>
-        <p:txBody>
-          <a:bodyPr>
-            <a:normAutofit lnSpcReduction="10000"/>
-          </a:bodyPr>
-          <a:lstStyle/>
-          <a:p>
-            <a:r>
-              <a:rPr lang="ru-RU" i="1" dirty="0"/>
-              <a:t>Название</a:t>
-            </a:r>
-            <a:r>
-              <a:rPr lang="en-US" dirty="0"/>
-              <a:t>: </a:t>
-            </a:r>
-            <a:r>
-              <a:rPr lang="ru-RU" dirty="0"/>
-              <a:t>Моделирование физических процессов</a:t>
-            </a:r>
-          </a:p>
-          <a:p>
-            <a:r>
-              <a:rPr lang="ru-RU" i="1" dirty="0"/>
-              <a:t>Автор</a:t>
-            </a:r>
-            <a:r>
-              <a:rPr lang="en-US" dirty="0"/>
-              <a:t>: </a:t>
-            </a:r>
-            <a:r>
-              <a:rPr lang="ru-RU" dirty="0" err="1"/>
-              <a:t>Черенюк</a:t>
-            </a:r>
-            <a:r>
-              <a:rPr lang="ru-RU" dirty="0"/>
-              <a:t> Константин Дмитриевич</a:t>
-            </a:r>
-          </a:p>
-          <a:p>
-            <a:r>
-              <a:rPr lang="ru-RU" i="1" dirty="0"/>
-              <a:t>Руководитель</a:t>
-            </a:r>
-            <a:r>
-              <a:rPr lang="en-US" dirty="0"/>
-              <a:t>: </a:t>
-            </a:r>
-            <a:r>
-              <a:rPr lang="ru-RU" dirty="0"/>
-              <a:t>Серебрякова Татьяна Викторовна</a:t>
-            </a:r>
-          </a:p>
-          <a:p>
-            <a:r>
-              <a:rPr lang="ru-RU" i="1" dirty="0"/>
-              <a:t>Актуальность</a:t>
-            </a:r>
-            <a:r>
-              <a:rPr lang="en-US" dirty="0"/>
-              <a:t>: </a:t>
-            </a:r>
-            <a:r>
-              <a:rPr lang="ru-RU" dirty="0"/>
-              <a:t>На уроках информатики на ПК есть только одна физическая модель – пушка. Новая модель поможет ученикам учиться эффективнее. Также, программа будет помогать в решении непосредственно практической задачи.</a:t>
-            </a:r>
-          </a:p>
-          <a:p>
-            <a:r>
-              <a:rPr lang="ru-RU" i="1" dirty="0"/>
-              <a:t>Цель</a:t>
-            </a:r>
-            <a:r>
-              <a:rPr lang="en-US" dirty="0"/>
-              <a:t>: </a:t>
-            </a:r>
-            <a:r>
-              <a:rPr lang="ru-RU" dirty="0"/>
-              <a:t>Создание программы, рассчитывающей время кипения воды в зависимости от: объема воды; материала, из которого сделан котелок; массы котелка; начальной температуры воды; мощности горелки. Также, программа должна уметь показывать график зависимости температуры от времени.</a:t>
-            </a:r>
+              <a:t>Выводы</a:t>
+            </a:r>
+          </a:p>
+        </p:txBody>
+      </p:sp>
+      <p:sp>
+        <p:nvSpPr>
+          <p:cNvPr id="4" name="Подзаголовок 3">
+            <a:extLst>
+              <a:ext uri="{FF2B5EF4-FFF2-40B4-BE49-F238E27FC236}">
+                <a16:creationId xmlns:a16="http://schemas.microsoft.com/office/drawing/2014/main" id="{63D7FCBF-F788-419C-A490-B3E113E5F3F5}"/>
+              </a:ext>
+            </a:extLst>
+          </p:cNvPr>
+          <p:cNvSpPr>
+            <a:spLocks noGrp="1"/>
+          </p:cNvSpPr>
+          <p:nvPr>
+            <p:ph type="subTitle" idx="1"/>
+          </p:nvPr>
+        </p:nvSpPr>
+        <p:spPr/>
+        <p:txBody>
+          <a:bodyPr/>
+          <a:lstStyle/>
+          <a:p>
+            <a:endParaRPr lang="ru-RU"/>
           </a:p>
         </p:txBody>
       </p:sp>
     </p:spTree>
     <p:extLst>
       <p:ext uri="{BB962C8B-B14F-4D97-AF65-F5344CB8AC3E}">
-        <p14:creationId xmlns:p14="http://schemas.microsoft.com/office/powerpoint/2010/main" val="1869164467"/>
+        <p14:creationId xmlns:p14="http://schemas.microsoft.com/office/powerpoint/2010/main" val="1547816207"/>
       </p:ext>
     </p:extLst>
   </p:cSld>
@@ -3600,7 +3526,7 @@
 </p:sld>
 </file>
 
-<file path=ppt/slides/slide3.xml><?xml version="1.0" encoding="utf-8"?>
+<file path=ppt/slides/slide11.xml><?xml version="1.0" encoding="utf-8"?>
 <p:sld xmlns:a="http://schemas.openxmlformats.org/drawingml/2006/main" xmlns:r="http://schemas.openxmlformats.org/officeDocument/2006/relationships" xmlns:p="http://schemas.openxmlformats.org/presentationml/2006/main">
   <p:cSld>
     <p:spTree>
@@ -3622,58 +3548,233 @@
           <p:cNvPr id="2" name="Заголовок 1">
             <a:extLst>
               <a:ext uri="{FF2B5EF4-FFF2-40B4-BE49-F238E27FC236}">
-                <a16:creationId xmlns:a16="http://schemas.microsoft.com/office/drawing/2014/main" id="{593B06AA-55D7-4B3F-8A86-147460C4B6E1}"/>
-              </a:ext>
-            </a:extLst>
-          </p:cNvPr>
-          <p:cNvSpPr>
-            <a:spLocks noGrp="1"/>
-          </p:cNvSpPr>
-          <p:nvPr>
-            <p:ph type="ctrTitle"/>
-          </p:nvPr>
-        </p:nvSpPr>
-        <p:spPr/>
-        <p:txBody>
-          <a:bodyPr/>
-          <a:lstStyle/>
-          <a:p>
+                <a16:creationId xmlns:a16="http://schemas.microsoft.com/office/drawing/2014/main" id="{A20EE0A9-9055-48DF-8507-9EDAB8BC925F}"/>
+              </a:ext>
+            </a:extLst>
+          </p:cNvPr>
+          <p:cNvSpPr>
+            <a:spLocks noGrp="1"/>
+          </p:cNvSpPr>
+          <p:nvPr>
+            <p:ph type="title"/>
+          </p:nvPr>
+        </p:nvSpPr>
+        <p:spPr/>
+        <p:txBody>
+          <a:bodyPr/>
+          <a:lstStyle/>
+          <a:p>
+            <a:pPr algn="ctr"/>
             <a:r>
               <a:rPr lang="ru-RU" b="1" dirty="0"/>
-              <a:t>Физика</a:t>
-            </a:r>
-          </a:p>
-        </p:txBody>
-      </p:sp>
-      <p:sp>
-        <p:nvSpPr>
-          <p:cNvPr id="3" name="Подзаголовок 2">
-            <a:extLst>
-              <a:ext uri="{FF2B5EF4-FFF2-40B4-BE49-F238E27FC236}">
-                <a16:creationId xmlns:a16="http://schemas.microsoft.com/office/drawing/2014/main" id="{9479161F-DBAF-4A05-B5A4-9DB287040FDE}"/>
-              </a:ext>
-            </a:extLst>
-          </p:cNvPr>
-          <p:cNvSpPr>
-            <a:spLocks noGrp="1"/>
-          </p:cNvSpPr>
-          <p:nvPr>
-            <p:ph type="subTitle" idx="1"/>
-          </p:nvPr>
-        </p:nvSpPr>
-        <p:spPr/>
-        <p:txBody>
-          <a:bodyPr/>
-          <a:lstStyle/>
-          <a:p>
-            <a:endParaRPr lang="ru-RU"/>
+              <a:t>Список </a:t>
+            </a:r>
+            <a:r>
+              <a:rPr lang="ru-RU" b="1" dirty="0" err="1"/>
+              <a:t>литератуы</a:t>
+            </a:r>
+            <a:endParaRPr lang="ru-RU" b="1" dirty="0"/>
+          </a:p>
+        </p:txBody>
+      </p:sp>
+      <p:sp>
+        <p:nvSpPr>
+          <p:cNvPr id="3" name="Объект 2">
+            <a:extLst>
+              <a:ext uri="{FF2B5EF4-FFF2-40B4-BE49-F238E27FC236}">
+                <a16:creationId xmlns:a16="http://schemas.microsoft.com/office/drawing/2014/main" id="{6F343477-FBBF-44AB-B178-56CD537ECC61}"/>
+              </a:ext>
+            </a:extLst>
+          </p:cNvPr>
+          <p:cNvSpPr>
+            <a:spLocks noGrp="1"/>
+          </p:cNvSpPr>
+          <p:nvPr>
+            <p:ph idx="1"/>
+          </p:nvPr>
+        </p:nvSpPr>
+        <p:spPr>
+          <a:xfrm>
+            <a:off x="838200" y="2045615"/>
+            <a:ext cx="10515600" cy="4131347"/>
+          </a:xfrm>
+        </p:spPr>
+        <p:txBody>
+          <a:bodyPr/>
+          <a:lstStyle/>
+          <a:p>
+            <a:pPr lvl="0"/>
+            <a:r>
+              <a:rPr lang="en-US" u="sng" dirty="0">
+                <a:hlinkClick r:id="rId2"/>
+              </a:rPr>
+              <a:t>https</a:t>
+            </a:r>
+            <a:r>
+              <a:rPr lang="ru-RU" u="sng" dirty="0">
+                <a:hlinkClick r:id="rId2"/>
+              </a:rPr>
+              <a:t>://</a:t>
+            </a:r>
+            <a:r>
+              <a:rPr lang="en-US" u="sng" dirty="0" err="1">
+                <a:hlinkClick r:id="rId2"/>
+              </a:rPr>
+              <a:t>younglinux</a:t>
+            </a:r>
+            <a:r>
+              <a:rPr lang="ru-RU" u="sng" dirty="0">
+                <a:hlinkClick r:id="rId2"/>
+              </a:rPr>
+              <a:t>.</a:t>
+            </a:r>
+            <a:r>
+              <a:rPr lang="en-US" u="sng" dirty="0">
+                <a:hlinkClick r:id="rId2"/>
+              </a:rPr>
+              <a:t>info</a:t>
+            </a:r>
+            <a:r>
+              <a:rPr lang="ru-RU" u="sng" dirty="0">
+                <a:hlinkClick r:id="rId2"/>
+              </a:rPr>
+              <a:t>/</a:t>
+            </a:r>
+            <a:r>
+              <a:rPr lang="en-US" u="sng" dirty="0" err="1">
+                <a:hlinkClick r:id="rId2"/>
+              </a:rPr>
+              <a:t>tkinter</a:t>
+            </a:r>
+            <a:r>
+              <a:rPr lang="ru-RU" u="sng" dirty="0">
+                <a:hlinkClick r:id="rId2"/>
+              </a:rPr>
+              <a:t>/</a:t>
+            </a:r>
+            <a:r>
+              <a:rPr lang="en-US" u="sng" dirty="0">
+                <a:hlinkClick r:id="rId2"/>
+              </a:rPr>
+              <a:t>course</a:t>
+            </a:r>
+            <a:r>
+              <a:rPr lang="ru-RU" u="sng" dirty="0"/>
+              <a:t> </a:t>
+            </a:r>
+            <a:r>
+              <a:rPr lang="ru-RU" dirty="0"/>
+              <a:t>– курс по </a:t>
+            </a:r>
+            <a:r>
+              <a:rPr lang="en-US" dirty="0" err="1"/>
+              <a:t>tkinter</a:t>
+            </a:r>
+            <a:endParaRPr lang="ru-RU" dirty="0"/>
+          </a:p>
+          <a:p>
+            <a:pPr lvl="0"/>
+            <a:r>
+              <a:rPr lang="ru-RU" u="sng" dirty="0">
+                <a:hlinkClick r:id="rId3"/>
+              </a:rPr>
+              <a:t>https://www.cyberforum.ru</a:t>
+            </a:r>
+            <a:r>
+              <a:rPr lang="en-US" u="sng" dirty="0"/>
+              <a:t> </a:t>
+            </a:r>
+            <a:r>
+              <a:rPr lang="en-US" dirty="0"/>
+              <a:t>– </a:t>
+            </a:r>
+            <a:r>
+              <a:rPr lang="ru-RU" dirty="0"/>
+              <a:t>форум по программированию</a:t>
+            </a:r>
+          </a:p>
+          <a:p>
+            <a:pPr lvl="0"/>
+            <a:r>
+              <a:rPr lang="ru-RU" u="sng" dirty="0">
+                <a:hlinkClick r:id="rId4"/>
+              </a:rPr>
+              <a:t>https://anzeljg.github.io/rin2/book2/2405/docs/tkinter/index.html</a:t>
+            </a:r>
+            <a:r>
+              <a:rPr lang="ru-RU" u="sng" dirty="0"/>
+              <a:t> </a:t>
+            </a:r>
+            <a:r>
+              <a:rPr lang="ru-RU" dirty="0"/>
+              <a:t>-</a:t>
+            </a:r>
+            <a:r>
+              <a:rPr lang="ru-RU" u="sng" dirty="0"/>
+              <a:t> </a:t>
+            </a:r>
+            <a:r>
+              <a:rPr lang="ru-RU" dirty="0"/>
+              <a:t>документация </a:t>
+            </a:r>
+            <a:r>
+              <a:rPr lang="en-US" dirty="0" err="1"/>
+              <a:t>tkinter</a:t>
+            </a:r>
+            <a:endParaRPr lang="ru-RU" dirty="0"/>
+          </a:p>
+          <a:p>
+            <a:pPr lvl="0"/>
+            <a:r>
+              <a:rPr lang="ru-RU" u="sng" dirty="0">
+                <a:hlinkClick r:id="rId5"/>
+              </a:rPr>
+              <a:t>https://metanit.com</a:t>
+            </a:r>
+            <a:r>
+              <a:rPr lang="en-US" u="sng" dirty="0"/>
+              <a:t> </a:t>
+            </a:r>
+            <a:r>
+              <a:rPr lang="en-US" dirty="0"/>
+              <a:t>– </a:t>
+            </a:r>
+            <a:r>
+              <a:rPr lang="ru-RU" dirty="0"/>
+              <a:t>сайт о программировании</a:t>
+            </a:r>
+          </a:p>
+          <a:p>
+            <a:pPr lvl="0"/>
+            <a:r>
+              <a:rPr lang="ru-RU" u="sng" dirty="0">
+                <a:hlinkClick r:id="rId6"/>
+              </a:rPr>
+              <a:t>https://matplotlib.org</a:t>
+            </a:r>
+            <a:r>
+              <a:rPr lang="ru-RU" u="sng" dirty="0"/>
+              <a:t> </a:t>
+            </a:r>
+            <a:r>
+              <a:rPr lang="ru-RU" dirty="0"/>
+              <a:t>– документация </a:t>
+            </a:r>
+            <a:r>
+              <a:rPr lang="en-US" dirty="0"/>
+              <a:t>matplotlib</a:t>
+            </a:r>
+            <a:endParaRPr lang="ru-RU" dirty="0"/>
+          </a:p>
+          <a:p>
+            <a:endParaRPr lang="ru-RU" dirty="0"/>
           </a:p>
         </p:txBody>
       </p:sp>
     </p:spTree>
     <p:extLst>
       <p:ext uri="{BB962C8B-B14F-4D97-AF65-F5344CB8AC3E}">
-        <p14:creationId xmlns:p14="http://schemas.microsoft.com/office/powerpoint/2010/main" val="2570116359"/>
+        <p14:creationId xmlns:p14="http://schemas.microsoft.com/office/powerpoint/2010/main" val="495674324"/>
       </p:ext>
     </p:extLst>
   </p:cSld>
@@ -3683,596 +3784,7 @@
 </p:sld>
 </file>
 
-<file path=ppt/slides/slide4.xml><?xml version="1.0" encoding="utf-8"?>
-<p:sld xmlns:a="http://schemas.openxmlformats.org/drawingml/2006/main" xmlns:r="http://schemas.openxmlformats.org/officeDocument/2006/relationships" xmlns:p="http://schemas.openxmlformats.org/presentationml/2006/main">
-  <p:cSld>
-    <p:spTree>
-      <p:nvGrpSpPr>
-        <p:cNvPr id="1" name=""/>
-        <p:cNvGrpSpPr/>
-        <p:nvPr/>
-      </p:nvGrpSpPr>
-      <p:grpSpPr>
-        <a:xfrm>
-          <a:off x="0" y="0"/>
-          <a:ext cx="0" cy="0"/>
-          <a:chOff x="0" y="0"/>
-          <a:chExt cx="0" cy="0"/>
-        </a:xfrm>
-      </p:grpSpPr>
-      <p:sp>
-        <p:nvSpPr>
-          <p:cNvPr id="2" name="Заголовок 1">
-            <a:extLst>
-              <a:ext uri="{FF2B5EF4-FFF2-40B4-BE49-F238E27FC236}">
-                <a16:creationId xmlns:a16="http://schemas.microsoft.com/office/drawing/2014/main" id="{B570436A-8517-42DD-B801-106B3A89AF41}"/>
-              </a:ext>
-            </a:extLst>
-          </p:cNvPr>
-          <p:cNvSpPr>
-            <a:spLocks noGrp="1"/>
-          </p:cNvSpPr>
-          <p:nvPr>
-            <p:ph type="title"/>
-          </p:nvPr>
-        </p:nvSpPr>
-        <p:spPr/>
-        <p:txBody>
-          <a:bodyPr/>
-          <a:lstStyle/>
-          <a:p>
-            <a:pPr algn="ctr"/>
-            <a:r>
-              <a:rPr lang="ru-RU" b="1" dirty="0"/>
-              <a:t>Формулы</a:t>
-            </a:r>
-          </a:p>
-        </p:txBody>
-      </p:sp>
-      <p:sp>
-        <p:nvSpPr>
-          <p:cNvPr id="3" name="Текст 2">
-            <a:extLst>
-              <a:ext uri="{FF2B5EF4-FFF2-40B4-BE49-F238E27FC236}">
-                <a16:creationId xmlns:a16="http://schemas.microsoft.com/office/drawing/2014/main" id="{A3C02124-6D32-4352-9514-C0145A16C8E8}"/>
-              </a:ext>
-            </a:extLst>
-          </p:cNvPr>
-          <p:cNvSpPr>
-            <a:spLocks noGrp="1"/>
-          </p:cNvSpPr>
-          <p:nvPr>
-            <p:ph type="body" idx="1"/>
-          </p:nvPr>
-        </p:nvSpPr>
-        <p:spPr/>
-        <p:txBody>
-          <a:bodyPr>
-            <a:normAutofit/>
-          </a:bodyPr>
-          <a:lstStyle/>
-          <a:p>
-            <a:pPr algn="ctr"/>
-            <a:r>
-              <a:rPr lang="ru-RU" sz="3600" b="0" dirty="0"/>
-              <a:t>Количество теплоты</a:t>
-            </a:r>
-          </a:p>
-        </p:txBody>
-      </p:sp>
-      <p:sp>
-        <p:nvSpPr>
-          <p:cNvPr id="4" name="Объект 3">
-            <a:extLst>
-              <a:ext uri="{FF2B5EF4-FFF2-40B4-BE49-F238E27FC236}">
-                <a16:creationId xmlns:a16="http://schemas.microsoft.com/office/drawing/2014/main" id="{1538EE1F-8C5E-4ABA-98E9-FC11B948641A}"/>
-              </a:ext>
-            </a:extLst>
-          </p:cNvPr>
-          <p:cNvSpPr>
-            <a:spLocks noGrp="1"/>
-          </p:cNvSpPr>
-          <p:nvPr>
-            <p:ph sz="half" idx="2"/>
-          </p:nvPr>
-        </p:nvSpPr>
-        <p:spPr>
-          <a:xfrm>
-            <a:off x="839788" y="2677211"/>
-            <a:ext cx="5157787" cy="3512451"/>
-          </a:xfrm>
-        </p:spPr>
-        <p:txBody>
-          <a:bodyPr>
-            <a:normAutofit/>
-          </a:bodyPr>
-          <a:lstStyle/>
-          <a:p>
-            <a:pPr marL="0" indent="0" algn="ctr">
-              <a:buNone/>
-            </a:pPr>
-            <a:r>
-              <a:rPr lang="en-US" b="1" dirty="0"/>
-              <a:t>Q = cm</a:t>
-            </a:r>
-            <a:r>
-              <a:rPr lang="el-GR" b="1" dirty="0"/>
-              <a:t>Δ</a:t>
-            </a:r>
-            <a:r>
-              <a:rPr lang="en-US" b="1" dirty="0"/>
-              <a:t>t</a:t>
-            </a:r>
-          </a:p>
-          <a:p>
-            <a:pPr marL="0" indent="0">
-              <a:buNone/>
-            </a:pPr>
-            <a:r>
-              <a:rPr lang="en-US" dirty="0"/>
-              <a:t>Q – </a:t>
-            </a:r>
-            <a:r>
-              <a:rPr lang="ru-RU" dirty="0"/>
-              <a:t>количество теплоты</a:t>
-            </a:r>
-            <a:r>
-              <a:rPr lang="en-US" dirty="0"/>
-              <a:t>,</a:t>
-            </a:r>
-            <a:r>
-              <a:rPr lang="ru-RU" dirty="0"/>
-              <a:t> Дж</a:t>
-            </a:r>
-          </a:p>
-          <a:p>
-            <a:pPr marL="0" indent="0">
-              <a:buNone/>
-            </a:pPr>
-            <a:r>
-              <a:rPr lang="en-US" dirty="0"/>
-              <a:t>c – </a:t>
-            </a:r>
-            <a:r>
-              <a:rPr lang="ru-RU" dirty="0"/>
-              <a:t>удельная теплоемкость вещества</a:t>
-            </a:r>
-            <a:r>
-              <a:rPr lang="en-US" dirty="0"/>
-              <a:t>, </a:t>
-            </a:r>
-            <a:r>
-              <a:rPr lang="ru-RU" dirty="0"/>
-              <a:t>Дж / кг * </a:t>
-            </a:r>
-            <a:r>
-              <a:rPr lang="en-US" dirty="0"/>
-              <a:t>°C</a:t>
-            </a:r>
-            <a:endParaRPr lang="ru-RU" dirty="0"/>
-          </a:p>
-          <a:p>
-            <a:pPr marL="0" indent="0">
-              <a:buNone/>
-            </a:pPr>
-            <a:r>
-              <a:rPr lang="en-US" dirty="0"/>
-              <a:t>m – </a:t>
-            </a:r>
-            <a:r>
-              <a:rPr lang="ru-RU" dirty="0"/>
-              <a:t>масса вещества</a:t>
-            </a:r>
-            <a:r>
-              <a:rPr lang="en-US" dirty="0"/>
-              <a:t>, </a:t>
-            </a:r>
-            <a:r>
-              <a:rPr lang="ru-RU" dirty="0"/>
-              <a:t>кг</a:t>
-            </a:r>
-          </a:p>
-          <a:p>
-            <a:pPr marL="0" indent="0">
-              <a:buNone/>
-            </a:pPr>
-            <a:r>
-              <a:rPr lang="el-GR" dirty="0"/>
-              <a:t>Δ</a:t>
-            </a:r>
-            <a:r>
-              <a:rPr lang="en-US" dirty="0"/>
-              <a:t>t</a:t>
-            </a:r>
-            <a:r>
-              <a:rPr lang="ru-RU" dirty="0"/>
-              <a:t> – изменение температуры</a:t>
-            </a:r>
-            <a:r>
-              <a:rPr lang="en-US" dirty="0"/>
-              <a:t>, °C</a:t>
-            </a:r>
-            <a:endParaRPr lang="ru-RU" dirty="0"/>
-          </a:p>
-          <a:p>
-            <a:pPr marL="0" indent="0">
-              <a:buNone/>
-            </a:pPr>
-            <a:endParaRPr lang="en-US" dirty="0"/>
-          </a:p>
-          <a:p>
-            <a:pPr marL="0" indent="0">
-              <a:buNone/>
-            </a:pPr>
-            <a:endParaRPr lang="en-US" dirty="0"/>
-          </a:p>
-          <a:p>
-            <a:pPr marL="0" indent="0">
-              <a:buNone/>
-            </a:pPr>
-            <a:endParaRPr lang="ru-RU" dirty="0"/>
-          </a:p>
-        </p:txBody>
-      </p:sp>
-      <p:sp>
-        <p:nvSpPr>
-          <p:cNvPr id="5" name="Текст 4">
-            <a:extLst>
-              <a:ext uri="{FF2B5EF4-FFF2-40B4-BE49-F238E27FC236}">
-                <a16:creationId xmlns:a16="http://schemas.microsoft.com/office/drawing/2014/main" id="{4D72D778-75C4-4A4C-B5FD-F63EF50C99DB}"/>
-              </a:ext>
-            </a:extLst>
-          </p:cNvPr>
-          <p:cNvSpPr>
-            <a:spLocks noGrp="1"/>
-          </p:cNvSpPr>
-          <p:nvPr>
-            <p:ph type="body" sz="quarter" idx="3"/>
-          </p:nvPr>
-        </p:nvSpPr>
-        <p:spPr/>
-        <p:txBody>
-          <a:bodyPr>
-            <a:normAutofit/>
-          </a:bodyPr>
-          <a:lstStyle/>
-          <a:p>
-            <a:pPr algn="ctr"/>
-            <a:r>
-              <a:rPr lang="ru-RU" sz="3600" b="0" dirty="0"/>
-              <a:t>Мощность</a:t>
-            </a:r>
-          </a:p>
-        </p:txBody>
-      </p:sp>
-      <p:sp>
-        <p:nvSpPr>
-          <p:cNvPr id="6" name="Объект 5">
-            <a:extLst>
-              <a:ext uri="{FF2B5EF4-FFF2-40B4-BE49-F238E27FC236}">
-                <a16:creationId xmlns:a16="http://schemas.microsoft.com/office/drawing/2014/main" id="{4F86ADCB-8DFD-41FD-932B-1CD0757CA067}"/>
-              </a:ext>
-            </a:extLst>
-          </p:cNvPr>
-          <p:cNvSpPr>
-            <a:spLocks noGrp="1"/>
-          </p:cNvSpPr>
-          <p:nvPr>
-            <p:ph sz="quarter" idx="4"/>
-          </p:nvPr>
-        </p:nvSpPr>
-        <p:spPr>
-          <a:xfrm>
-            <a:off x="6172200" y="2677211"/>
-            <a:ext cx="5183188" cy="3512452"/>
-          </a:xfrm>
-        </p:spPr>
-        <p:txBody>
-          <a:bodyPr>
-            <a:normAutofit/>
-          </a:bodyPr>
-          <a:lstStyle/>
-          <a:p>
-            <a:pPr marL="0" indent="0" algn="ctr">
-              <a:buNone/>
-            </a:pPr>
-            <a:r>
-              <a:rPr lang="en-US" b="1" dirty="0"/>
-              <a:t>P = A / t</a:t>
-            </a:r>
-          </a:p>
-          <a:p>
-            <a:pPr marL="0" indent="0">
-              <a:buNone/>
-            </a:pPr>
-            <a:r>
-              <a:rPr lang="en-US" b="1" dirty="0"/>
-              <a:t>A = Q</a:t>
-            </a:r>
-            <a:r>
-              <a:rPr lang="en-US" dirty="0"/>
-              <a:t>, </a:t>
-            </a:r>
-            <a:r>
-              <a:rPr lang="ru-RU" dirty="0"/>
-              <a:t>следовательно</a:t>
-            </a:r>
-            <a:endParaRPr lang="en-US" dirty="0"/>
-          </a:p>
-          <a:p>
-            <a:pPr marL="0" indent="0">
-              <a:buNone/>
-            </a:pPr>
-            <a:r>
-              <a:rPr lang="en-US" b="1" dirty="0"/>
-              <a:t>t = Q / P</a:t>
-            </a:r>
-          </a:p>
-          <a:p>
-            <a:pPr marL="0" indent="0">
-              <a:buNone/>
-            </a:pPr>
-            <a:r>
-              <a:rPr lang="en-US" dirty="0"/>
-              <a:t>P </a:t>
-            </a:r>
-            <a:r>
-              <a:rPr lang="ru-RU" dirty="0"/>
-              <a:t>– мощность</a:t>
-            </a:r>
-            <a:r>
-              <a:rPr lang="en-US" dirty="0"/>
-              <a:t>, </a:t>
-            </a:r>
-            <a:r>
-              <a:rPr lang="ru-RU" dirty="0"/>
-              <a:t>Вт</a:t>
-            </a:r>
-          </a:p>
-          <a:p>
-            <a:pPr marL="0" indent="0">
-              <a:buNone/>
-            </a:pPr>
-            <a:r>
-              <a:rPr lang="en-US" dirty="0"/>
-              <a:t>A – </a:t>
-            </a:r>
-            <a:r>
-              <a:rPr lang="ru-RU" dirty="0"/>
-              <a:t>работа</a:t>
-            </a:r>
-            <a:r>
-              <a:rPr lang="en-US" dirty="0"/>
-              <a:t>, </a:t>
-            </a:r>
-            <a:r>
-              <a:rPr lang="ru-RU" dirty="0"/>
-              <a:t>Дж</a:t>
-            </a:r>
-          </a:p>
-          <a:p>
-            <a:pPr marL="0" indent="0">
-              <a:buNone/>
-            </a:pPr>
-            <a:r>
-              <a:rPr lang="en-US" dirty="0"/>
-              <a:t>t – </a:t>
-            </a:r>
-            <a:r>
-              <a:rPr lang="ru-RU" dirty="0"/>
-              <a:t>время</a:t>
-            </a:r>
-            <a:r>
-              <a:rPr lang="en-US" dirty="0"/>
-              <a:t>, </a:t>
-            </a:r>
-            <a:r>
-              <a:rPr lang="ru-RU" dirty="0"/>
-              <a:t>с</a:t>
-            </a:r>
-          </a:p>
-          <a:p>
-            <a:pPr marL="0" indent="0">
-              <a:buNone/>
-            </a:pPr>
-            <a:endParaRPr lang="ru-RU" dirty="0"/>
-          </a:p>
-        </p:txBody>
-      </p:sp>
-    </p:spTree>
-    <p:extLst>
-      <p:ext uri="{BB962C8B-B14F-4D97-AF65-F5344CB8AC3E}">
-        <p14:creationId xmlns:p14="http://schemas.microsoft.com/office/powerpoint/2010/main" val="1485155102"/>
-      </p:ext>
-    </p:extLst>
-  </p:cSld>
-  <p:clrMapOvr>
-    <a:masterClrMapping/>
-  </p:clrMapOvr>
-</p:sld>
-</file>
-
-<file path=ppt/slides/slide5.xml><?xml version="1.0" encoding="utf-8"?>
-<p:sld xmlns:a="http://schemas.openxmlformats.org/drawingml/2006/main" xmlns:r="http://schemas.openxmlformats.org/officeDocument/2006/relationships" xmlns:p="http://schemas.openxmlformats.org/presentationml/2006/main">
-  <p:cSld>
-    <p:spTree>
-      <p:nvGrpSpPr>
-        <p:cNvPr id="1" name=""/>
-        <p:cNvGrpSpPr/>
-        <p:nvPr/>
-      </p:nvGrpSpPr>
-      <p:grpSpPr>
-        <a:xfrm>
-          <a:off x="0" y="0"/>
-          <a:ext cx="0" cy="0"/>
-          <a:chOff x="0" y="0"/>
-          <a:chExt cx="0" cy="0"/>
-        </a:xfrm>
-      </p:grpSpPr>
-      <p:sp>
-        <p:nvSpPr>
-          <p:cNvPr id="2" name="Заголовок 1">
-            <a:extLst>
-              <a:ext uri="{FF2B5EF4-FFF2-40B4-BE49-F238E27FC236}">
-                <a16:creationId xmlns:a16="http://schemas.microsoft.com/office/drawing/2014/main" id="{0E8AFAE8-38E9-419D-B3B5-F01C8FEE4714}"/>
-              </a:ext>
-            </a:extLst>
-          </p:cNvPr>
-          <p:cNvSpPr>
-            <a:spLocks noGrp="1"/>
-          </p:cNvSpPr>
-          <p:nvPr>
-            <p:ph type="ctrTitle"/>
-          </p:nvPr>
-        </p:nvSpPr>
-        <p:spPr/>
-        <p:txBody>
-          <a:bodyPr/>
-          <a:lstStyle/>
-          <a:p>
-            <a:r>
-              <a:rPr lang="ru-RU" b="1" dirty="0"/>
-              <a:t>Программирование</a:t>
-            </a:r>
-          </a:p>
-        </p:txBody>
-      </p:sp>
-      <p:sp>
-        <p:nvSpPr>
-          <p:cNvPr id="3" name="Подзаголовок 2">
-            <a:extLst>
-              <a:ext uri="{FF2B5EF4-FFF2-40B4-BE49-F238E27FC236}">
-                <a16:creationId xmlns:a16="http://schemas.microsoft.com/office/drawing/2014/main" id="{32258625-2179-48E9-9699-9B3FA99A5026}"/>
-              </a:ext>
-            </a:extLst>
-          </p:cNvPr>
-          <p:cNvSpPr>
-            <a:spLocks noGrp="1"/>
-          </p:cNvSpPr>
-          <p:nvPr>
-            <p:ph type="subTitle" idx="1"/>
-          </p:nvPr>
-        </p:nvSpPr>
-        <p:spPr/>
-        <p:txBody>
-          <a:bodyPr/>
-          <a:lstStyle/>
-          <a:p>
-            <a:endParaRPr lang="ru-RU" dirty="0"/>
-          </a:p>
-        </p:txBody>
-      </p:sp>
-    </p:spTree>
-    <p:extLst>
-      <p:ext uri="{BB962C8B-B14F-4D97-AF65-F5344CB8AC3E}">
-        <p14:creationId xmlns:p14="http://schemas.microsoft.com/office/powerpoint/2010/main" val="3823498613"/>
-      </p:ext>
-    </p:extLst>
-  </p:cSld>
-  <p:clrMapOvr>
-    <a:masterClrMapping/>
-  </p:clrMapOvr>
-</p:sld>
-</file>
-
-<file path=ppt/slides/slide6.xml><?xml version="1.0" encoding="utf-8"?>
-<p:sld xmlns:a="http://schemas.openxmlformats.org/drawingml/2006/main" xmlns:r="http://schemas.openxmlformats.org/officeDocument/2006/relationships" xmlns:p="http://schemas.openxmlformats.org/presentationml/2006/main">
-  <p:cSld>
-    <p:spTree>
-      <p:nvGrpSpPr>
-        <p:cNvPr id="1" name=""/>
-        <p:cNvGrpSpPr/>
-        <p:nvPr/>
-      </p:nvGrpSpPr>
-      <p:grpSpPr>
-        <a:xfrm>
-          <a:off x="0" y="0"/>
-          <a:ext cx="0" cy="0"/>
-          <a:chOff x="0" y="0"/>
-          <a:chExt cx="0" cy="0"/>
-        </a:xfrm>
-      </p:grpSpPr>
-      <p:sp>
-        <p:nvSpPr>
-          <p:cNvPr id="2" name="Заголовок 1">
-            <a:extLst>
-              <a:ext uri="{FF2B5EF4-FFF2-40B4-BE49-F238E27FC236}">
-                <a16:creationId xmlns:a16="http://schemas.microsoft.com/office/drawing/2014/main" id="{77FCB7F1-1404-4554-8AAD-BE561D20B9B9}"/>
-              </a:ext>
-            </a:extLst>
-          </p:cNvPr>
-          <p:cNvSpPr>
-            <a:spLocks noGrp="1"/>
-          </p:cNvSpPr>
-          <p:nvPr>
-            <p:ph type="ctrTitle"/>
-          </p:nvPr>
-        </p:nvSpPr>
-        <p:spPr>
-          <a:xfrm>
-            <a:off x="1458012" y="625525"/>
-            <a:ext cx="9144000" cy="1158924"/>
-          </a:xfrm>
-        </p:spPr>
-        <p:txBody>
-          <a:bodyPr/>
-          <a:lstStyle/>
-          <a:p>
-            <a:r>
-              <a:rPr lang="ru-RU" b="1" dirty="0"/>
-              <a:t>Выводы</a:t>
-            </a:r>
-          </a:p>
-        </p:txBody>
-      </p:sp>
-      <p:sp>
-        <p:nvSpPr>
-          <p:cNvPr id="3" name="Подзаголовок 2">
-            <a:extLst>
-              <a:ext uri="{FF2B5EF4-FFF2-40B4-BE49-F238E27FC236}">
-                <a16:creationId xmlns:a16="http://schemas.microsoft.com/office/drawing/2014/main" id="{D1848A48-7848-411F-8F11-57C21C239B13}"/>
-              </a:ext>
-            </a:extLst>
-          </p:cNvPr>
-          <p:cNvSpPr>
-            <a:spLocks noGrp="1"/>
-          </p:cNvSpPr>
-          <p:nvPr>
-            <p:ph type="subTitle" idx="1"/>
-          </p:nvPr>
-        </p:nvSpPr>
-        <p:spPr>
-          <a:xfrm>
-            <a:off x="1524000" y="1951348"/>
-            <a:ext cx="9144000" cy="3306452"/>
-          </a:xfrm>
-        </p:spPr>
-        <p:txBody>
-          <a:bodyPr/>
-          <a:lstStyle/>
-          <a:p>
-            <a:pPr algn="l"/>
-            <a:r>
-              <a:rPr lang="ru-RU" dirty="0"/>
-              <a:t>Этот проект </a:t>
-            </a:r>
-          </a:p>
-        </p:txBody>
-      </p:sp>
-    </p:spTree>
-    <p:extLst>
-      <p:ext uri="{BB962C8B-B14F-4D97-AF65-F5344CB8AC3E}">
-        <p14:creationId xmlns:p14="http://schemas.microsoft.com/office/powerpoint/2010/main" val="1547816207"/>
-      </p:ext>
-    </p:extLst>
-  </p:cSld>
-  <p:clrMapOvr>
-    <a:masterClrMapping/>
-  </p:clrMapOvr>
-</p:sld>
-</file>
-
-<file path=ppt/slides/slide7.xml><?xml version="1.0" encoding="utf-8"?>
+<file path=ppt/slides/slide12.xml><?xml version="1.0" encoding="utf-8"?>
 <p:sld xmlns:a="http://schemas.openxmlformats.org/drawingml/2006/main" xmlns:r="http://schemas.openxmlformats.org/officeDocument/2006/relationships" xmlns:p="http://schemas.openxmlformats.org/presentationml/2006/main">
   <p:cSld>
     <p:spTree>
@@ -4438,6 +3950,1156 @@
       <p:bldP spid="2" grpId="0"/>
     </p:bldLst>
   </p:timing>
+</p:sld>
+</file>
+
+<file path=ppt/slides/slide2.xml><?xml version="1.0" encoding="utf-8"?>
+<p:sld xmlns:a="http://schemas.openxmlformats.org/drawingml/2006/main" xmlns:r="http://schemas.openxmlformats.org/officeDocument/2006/relationships" xmlns:p="http://schemas.openxmlformats.org/presentationml/2006/main">
+  <p:cSld>
+    <p:spTree>
+      <p:nvGrpSpPr>
+        <p:cNvPr id="1" name=""/>
+        <p:cNvGrpSpPr/>
+        <p:nvPr/>
+      </p:nvGrpSpPr>
+      <p:grpSpPr>
+        <a:xfrm>
+          <a:off x="0" y="0"/>
+          <a:ext cx="0" cy="0"/>
+          <a:chOff x="0" y="0"/>
+          <a:chExt cx="0" cy="0"/>
+        </a:xfrm>
+      </p:grpSpPr>
+      <p:sp>
+        <p:nvSpPr>
+          <p:cNvPr id="2" name="Заголовок 1">
+            <a:extLst>
+              <a:ext uri="{FF2B5EF4-FFF2-40B4-BE49-F238E27FC236}">
+                <a16:creationId xmlns:a16="http://schemas.microsoft.com/office/drawing/2014/main" id="{A8F7E3C7-CF7B-46D5-A16F-316F44654123}"/>
+              </a:ext>
+            </a:extLst>
+          </p:cNvPr>
+          <p:cNvSpPr>
+            <a:spLocks noGrp="1"/>
+          </p:cNvSpPr>
+          <p:nvPr>
+            <p:ph type="title"/>
+          </p:nvPr>
+        </p:nvSpPr>
+        <p:spPr>
+          <a:xfrm>
+            <a:off x="838200" y="576263"/>
+            <a:ext cx="10515600" cy="2852737"/>
+          </a:xfrm>
+        </p:spPr>
+        <p:txBody>
+          <a:bodyPr/>
+          <a:lstStyle/>
+          <a:p>
+            <a:pPr algn="ctr"/>
+            <a:r>
+              <a:rPr lang="ru-RU" b="1" dirty="0"/>
+              <a:t>Введение</a:t>
+            </a:r>
+          </a:p>
+        </p:txBody>
+      </p:sp>
+      <p:sp>
+        <p:nvSpPr>
+          <p:cNvPr id="4" name="Текст 3">
+            <a:extLst>
+              <a:ext uri="{FF2B5EF4-FFF2-40B4-BE49-F238E27FC236}">
+                <a16:creationId xmlns:a16="http://schemas.microsoft.com/office/drawing/2014/main" id="{33D4436D-1BEA-4AF8-84ED-0852F76469E3}"/>
+              </a:ext>
+            </a:extLst>
+          </p:cNvPr>
+          <p:cNvSpPr>
+            <a:spLocks noGrp="1"/>
+          </p:cNvSpPr>
+          <p:nvPr>
+            <p:ph type="body" idx="1"/>
+          </p:nvPr>
+        </p:nvSpPr>
+        <p:spPr/>
+        <p:txBody>
+          <a:bodyPr/>
+          <a:lstStyle/>
+          <a:p>
+            <a:endParaRPr lang="ru-RU"/>
+          </a:p>
+        </p:txBody>
+      </p:sp>
+    </p:spTree>
+    <p:extLst>
+      <p:ext uri="{BB962C8B-B14F-4D97-AF65-F5344CB8AC3E}">
+        <p14:creationId xmlns:p14="http://schemas.microsoft.com/office/powerpoint/2010/main" val="1869164467"/>
+      </p:ext>
+    </p:extLst>
+  </p:cSld>
+  <p:clrMapOvr>
+    <a:masterClrMapping/>
+  </p:clrMapOvr>
+</p:sld>
+</file>
+
+<file path=ppt/slides/slide3.xml><?xml version="1.0" encoding="utf-8"?>
+<p:sld xmlns:a="http://schemas.openxmlformats.org/drawingml/2006/main" xmlns:r="http://schemas.openxmlformats.org/officeDocument/2006/relationships" xmlns:p="http://schemas.openxmlformats.org/presentationml/2006/main">
+  <p:cSld>
+    <p:spTree>
+      <p:nvGrpSpPr>
+        <p:cNvPr id="1" name=""/>
+        <p:cNvGrpSpPr/>
+        <p:nvPr/>
+      </p:nvGrpSpPr>
+      <p:grpSpPr>
+        <a:xfrm>
+          <a:off x="0" y="0"/>
+          <a:ext cx="0" cy="0"/>
+          <a:chOff x="0" y="0"/>
+          <a:chExt cx="0" cy="0"/>
+        </a:xfrm>
+      </p:grpSpPr>
+      <p:sp>
+        <p:nvSpPr>
+          <p:cNvPr id="2" name="Заголовок 1">
+            <a:extLst>
+              <a:ext uri="{FF2B5EF4-FFF2-40B4-BE49-F238E27FC236}">
+                <a16:creationId xmlns:a16="http://schemas.microsoft.com/office/drawing/2014/main" id="{AC3BC741-79A4-43CA-BADB-155B30DA9685}"/>
+              </a:ext>
+            </a:extLst>
+          </p:cNvPr>
+          <p:cNvSpPr>
+            <a:spLocks noGrp="1"/>
+          </p:cNvSpPr>
+          <p:nvPr>
+            <p:ph type="title"/>
+          </p:nvPr>
+        </p:nvSpPr>
+        <p:spPr>
+          <a:xfrm>
+            <a:off x="838200" y="174397"/>
+            <a:ext cx="10515600" cy="942679"/>
+          </a:xfrm>
+        </p:spPr>
+        <p:txBody>
+          <a:bodyPr/>
+          <a:lstStyle/>
+          <a:p>
+            <a:pPr algn="ctr"/>
+            <a:r>
+              <a:rPr lang="ru-RU" dirty="0"/>
+              <a:t>Актуальность</a:t>
+            </a:r>
+          </a:p>
+        </p:txBody>
+      </p:sp>
+      <p:sp>
+        <p:nvSpPr>
+          <p:cNvPr id="3" name="Объект 2">
+            <a:extLst>
+              <a:ext uri="{FF2B5EF4-FFF2-40B4-BE49-F238E27FC236}">
+                <a16:creationId xmlns:a16="http://schemas.microsoft.com/office/drawing/2014/main" id="{6FE30572-E9EE-451D-9069-A61CF04BE2C7}"/>
+              </a:ext>
+            </a:extLst>
+          </p:cNvPr>
+          <p:cNvSpPr>
+            <a:spLocks noGrp="1"/>
+          </p:cNvSpPr>
+          <p:nvPr>
+            <p:ph idx="1"/>
+          </p:nvPr>
+        </p:nvSpPr>
+        <p:spPr>
+          <a:xfrm>
+            <a:off x="838200" y="1442300"/>
+            <a:ext cx="10515600" cy="5241303"/>
+          </a:xfrm>
+        </p:spPr>
+        <p:txBody>
+          <a:bodyPr>
+            <a:normAutofit fontScale="92500" lnSpcReduction="10000"/>
+          </a:bodyPr>
+          <a:lstStyle/>
+          <a:p>
+            <a:pPr marL="0" indent="0">
+              <a:buNone/>
+            </a:pPr>
+            <a:r>
+              <a:rPr lang="ru-RU" dirty="0"/>
+              <a:t>Программа будет помогать в решении непосредственно практических задач, но не только этим она будет актуальна. </a:t>
+            </a:r>
+          </a:p>
+          <a:p>
+            <a:pPr marL="0" indent="0">
+              <a:buNone/>
+            </a:pPr>
+            <a:endParaRPr lang="ru-RU" dirty="0"/>
+          </a:p>
+          <a:p>
+            <a:pPr marL="0" indent="0">
+              <a:buNone/>
+            </a:pPr>
+            <a:r>
+              <a:rPr lang="ru-RU" dirty="0"/>
+              <a:t>На уроках информатики я заметил, что на компьютерах есть только одна физическая модель – пушка. Смысл данной программы состоит в том, что пользователь должен ввести угол наклона дула пушки, скорость, с которой вылетит ядро и попытаться тем самым сбить цели. Именно тогда во мне зародилась мысль, что объединение физики и программирования может дать хороший результат. Но больше моделей на компьютерах не было. Мой учитель информатики, Серебрякова Татьяна Викторовна, подсказала мне, что моя программа сможет помочь не только в решении практических задач, но и в обучении учеников на уроках информатики. Благодаря этой модели, они лучше поймут смысл использования программирования в повседневной жизни. </a:t>
+            </a:r>
+          </a:p>
+          <a:p>
+            <a:pPr marL="0" indent="0">
+              <a:buNone/>
+            </a:pPr>
+            <a:endParaRPr lang="ru-RU" dirty="0"/>
+          </a:p>
+          <a:p>
+            <a:pPr marL="0" indent="0">
+              <a:buNone/>
+            </a:pPr>
+            <a:endParaRPr lang="ru-RU" dirty="0"/>
+          </a:p>
+          <a:p>
+            <a:endParaRPr lang="ru-RU" dirty="0"/>
+          </a:p>
+        </p:txBody>
+      </p:sp>
+    </p:spTree>
+    <p:extLst>
+      <p:ext uri="{BB962C8B-B14F-4D97-AF65-F5344CB8AC3E}">
+        <p14:creationId xmlns:p14="http://schemas.microsoft.com/office/powerpoint/2010/main" val="308592064"/>
+      </p:ext>
+    </p:extLst>
+  </p:cSld>
+  <p:clrMapOvr>
+    <a:masterClrMapping/>
+  </p:clrMapOvr>
+</p:sld>
+</file>
+
+<file path=ppt/slides/slide4.xml><?xml version="1.0" encoding="utf-8"?>
+<p:sld xmlns:a="http://schemas.openxmlformats.org/drawingml/2006/main" xmlns:r="http://schemas.openxmlformats.org/officeDocument/2006/relationships" xmlns:p="http://schemas.openxmlformats.org/presentationml/2006/main">
+  <p:cSld>
+    <p:spTree>
+      <p:nvGrpSpPr>
+        <p:cNvPr id="1" name=""/>
+        <p:cNvGrpSpPr/>
+        <p:nvPr/>
+      </p:nvGrpSpPr>
+      <p:grpSpPr>
+        <a:xfrm>
+          <a:off x="0" y="0"/>
+          <a:ext cx="0" cy="0"/>
+          <a:chOff x="0" y="0"/>
+          <a:chExt cx="0" cy="0"/>
+        </a:xfrm>
+      </p:grpSpPr>
+      <p:sp>
+        <p:nvSpPr>
+          <p:cNvPr id="2" name="Заголовок 1">
+            <a:extLst>
+              <a:ext uri="{FF2B5EF4-FFF2-40B4-BE49-F238E27FC236}">
+                <a16:creationId xmlns:a16="http://schemas.microsoft.com/office/drawing/2014/main" id="{D1467895-E1D3-4462-B129-11EEFE96C3A9}"/>
+              </a:ext>
+            </a:extLst>
+          </p:cNvPr>
+          <p:cNvSpPr>
+            <a:spLocks noGrp="1"/>
+          </p:cNvSpPr>
+          <p:nvPr>
+            <p:ph type="title"/>
+          </p:nvPr>
+        </p:nvSpPr>
+        <p:spPr/>
+        <p:txBody>
+          <a:bodyPr/>
+          <a:lstStyle/>
+          <a:p>
+            <a:pPr algn="ctr"/>
+            <a:r>
+              <a:rPr lang="ru-RU" dirty="0"/>
+              <a:t>Цель</a:t>
+            </a:r>
+          </a:p>
+        </p:txBody>
+      </p:sp>
+      <p:sp>
+        <p:nvSpPr>
+          <p:cNvPr id="3" name="Объект 2">
+            <a:extLst>
+              <a:ext uri="{FF2B5EF4-FFF2-40B4-BE49-F238E27FC236}">
+                <a16:creationId xmlns:a16="http://schemas.microsoft.com/office/drawing/2014/main" id="{FEC86AA0-A59D-4288-A265-FAE117733647}"/>
+              </a:ext>
+            </a:extLst>
+          </p:cNvPr>
+          <p:cNvSpPr>
+            <a:spLocks noGrp="1"/>
+          </p:cNvSpPr>
+          <p:nvPr>
+            <p:ph idx="1"/>
+          </p:nvPr>
+        </p:nvSpPr>
+        <p:spPr/>
+        <p:txBody>
+          <a:bodyPr/>
+          <a:lstStyle/>
+          <a:p>
+            <a:pPr marL="0" indent="0">
+              <a:buNone/>
+            </a:pPr>
+            <a:r>
+              <a:rPr lang="ru-RU" dirty="0"/>
+              <a:t>Создание программы, рассчитывающей время кипения воды в зависимости от: объема воды</a:t>
+            </a:r>
+            <a:r>
+              <a:rPr lang="en-US" dirty="0"/>
+              <a:t>,</a:t>
+            </a:r>
+            <a:r>
+              <a:rPr lang="ru-RU" dirty="0"/>
+              <a:t> материала, из которого сделан котелок</a:t>
+            </a:r>
+            <a:r>
+              <a:rPr lang="en-US" dirty="0"/>
+              <a:t>,</a:t>
+            </a:r>
+            <a:r>
+              <a:rPr lang="ru-RU" dirty="0"/>
+              <a:t> массы котелка</a:t>
+            </a:r>
+            <a:r>
+              <a:rPr lang="en-US" dirty="0"/>
+              <a:t>,</a:t>
+            </a:r>
+            <a:r>
+              <a:rPr lang="ru-RU" dirty="0"/>
+              <a:t> начальной температуры воды</a:t>
+            </a:r>
+            <a:r>
+              <a:rPr lang="en-US" dirty="0"/>
+              <a:t>,</a:t>
+            </a:r>
+            <a:r>
+              <a:rPr lang="ru-RU" dirty="0"/>
+              <a:t> мощности горелки. </a:t>
+            </a:r>
+          </a:p>
+          <a:p>
+            <a:pPr marL="0" indent="0">
+              <a:buNone/>
+            </a:pPr>
+            <a:r>
+              <a:rPr lang="ru-RU" dirty="0"/>
+              <a:t>Также, программа должна уметь показывать график зависимости температуры от времени. </a:t>
+            </a:r>
+          </a:p>
+          <a:p>
+            <a:pPr marL="0" indent="0">
+              <a:buNone/>
+            </a:pPr>
+            <a:r>
+              <a:rPr lang="ru-RU" dirty="0"/>
+              <a:t>У программы должен быть графический интерфейс, понятный и удобный для </a:t>
+            </a:r>
+            <a:r>
+              <a:rPr lang="ru-RU" dirty="0" err="1"/>
+              <a:t>пользователся</a:t>
+            </a:r>
+            <a:r>
+              <a:rPr lang="ru-RU" dirty="0"/>
+              <a:t>.</a:t>
+            </a:r>
+          </a:p>
+          <a:p>
+            <a:endParaRPr lang="ru-RU" dirty="0"/>
+          </a:p>
+        </p:txBody>
+      </p:sp>
+    </p:spTree>
+    <p:extLst>
+      <p:ext uri="{BB962C8B-B14F-4D97-AF65-F5344CB8AC3E}">
+        <p14:creationId xmlns:p14="http://schemas.microsoft.com/office/powerpoint/2010/main" val="677637828"/>
+      </p:ext>
+    </p:extLst>
+  </p:cSld>
+  <p:clrMapOvr>
+    <a:masterClrMapping/>
+  </p:clrMapOvr>
+</p:sld>
+</file>
+
+<file path=ppt/slides/slide5.xml><?xml version="1.0" encoding="utf-8"?>
+<p:sld xmlns:a="http://schemas.openxmlformats.org/drawingml/2006/main" xmlns:r="http://schemas.openxmlformats.org/officeDocument/2006/relationships" xmlns:p="http://schemas.openxmlformats.org/presentationml/2006/main">
+  <p:cSld>
+    <p:spTree>
+      <p:nvGrpSpPr>
+        <p:cNvPr id="1" name=""/>
+        <p:cNvGrpSpPr/>
+        <p:nvPr/>
+      </p:nvGrpSpPr>
+      <p:grpSpPr>
+        <a:xfrm>
+          <a:off x="0" y="0"/>
+          <a:ext cx="0" cy="0"/>
+          <a:chOff x="0" y="0"/>
+          <a:chExt cx="0" cy="0"/>
+        </a:xfrm>
+      </p:grpSpPr>
+      <p:sp>
+        <p:nvSpPr>
+          <p:cNvPr id="2" name="Заголовок 1">
+            <a:extLst>
+              <a:ext uri="{FF2B5EF4-FFF2-40B4-BE49-F238E27FC236}">
+                <a16:creationId xmlns:a16="http://schemas.microsoft.com/office/drawing/2014/main" id="{593B06AA-55D7-4B3F-8A86-147460C4B6E1}"/>
+              </a:ext>
+            </a:extLst>
+          </p:cNvPr>
+          <p:cNvSpPr>
+            <a:spLocks noGrp="1"/>
+          </p:cNvSpPr>
+          <p:nvPr>
+            <p:ph type="ctrTitle"/>
+          </p:nvPr>
+        </p:nvSpPr>
+        <p:spPr/>
+        <p:txBody>
+          <a:bodyPr/>
+          <a:lstStyle/>
+          <a:p>
+            <a:r>
+              <a:rPr lang="ru-RU" b="1" dirty="0"/>
+              <a:t>Физика</a:t>
+            </a:r>
+          </a:p>
+        </p:txBody>
+      </p:sp>
+      <p:sp>
+        <p:nvSpPr>
+          <p:cNvPr id="3" name="Подзаголовок 2">
+            <a:extLst>
+              <a:ext uri="{FF2B5EF4-FFF2-40B4-BE49-F238E27FC236}">
+                <a16:creationId xmlns:a16="http://schemas.microsoft.com/office/drawing/2014/main" id="{9479161F-DBAF-4A05-B5A4-9DB287040FDE}"/>
+              </a:ext>
+            </a:extLst>
+          </p:cNvPr>
+          <p:cNvSpPr>
+            <a:spLocks noGrp="1"/>
+          </p:cNvSpPr>
+          <p:nvPr>
+            <p:ph type="subTitle" idx="1"/>
+          </p:nvPr>
+        </p:nvSpPr>
+        <p:spPr/>
+        <p:txBody>
+          <a:bodyPr/>
+          <a:lstStyle/>
+          <a:p>
+            <a:endParaRPr lang="ru-RU"/>
+          </a:p>
+        </p:txBody>
+      </p:sp>
+    </p:spTree>
+    <p:extLst>
+      <p:ext uri="{BB962C8B-B14F-4D97-AF65-F5344CB8AC3E}">
+        <p14:creationId xmlns:p14="http://schemas.microsoft.com/office/powerpoint/2010/main" val="2570116359"/>
+      </p:ext>
+    </p:extLst>
+  </p:cSld>
+  <p:clrMapOvr>
+    <a:masterClrMapping/>
+  </p:clrMapOvr>
+</p:sld>
+</file>
+
+<file path=ppt/slides/slide6.xml><?xml version="1.0" encoding="utf-8"?>
+<p:sld xmlns:a="http://schemas.openxmlformats.org/drawingml/2006/main" xmlns:r="http://schemas.openxmlformats.org/officeDocument/2006/relationships" xmlns:p="http://schemas.openxmlformats.org/presentationml/2006/main">
+  <p:cSld>
+    <p:spTree>
+      <p:nvGrpSpPr>
+        <p:cNvPr id="1" name=""/>
+        <p:cNvGrpSpPr/>
+        <p:nvPr/>
+      </p:nvGrpSpPr>
+      <p:grpSpPr>
+        <a:xfrm>
+          <a:off x="0" y="0"/>
+          <a:ext cx="0" cy="0"/>
+          <a:chOff x="0" y="0"/>
+          <a:chExt cx="0" cy="0"/>
+        </a:xfrm>
+      </p:grpSpPr>
+      <p:sp>
+        <p:nvSpPr>
+          <p:cNvPr id="2" name="Заголовок 1">
+            <a:extLst>
+              <a:ext uri="{FF2B5EF4-FFF2-40B4-BE49-F238E27FC236}">
+                <a16:creationId xmlns:a16="http://schemas.microsoft.com/office/drawing/2014/main" id="{BBEBA17C-7ED6-4737-AADF-30CDEB41D718}"/>
+              </a:ext>
+            </a:extLst>
+          </p:cNvPr>
+          <p:cNvSpPr>
+            <a:spLocks noGrp="1"/>
+          </p:cNvSpPr>
+          <p:nvPr>
+            <p:ph type="ctrTitle"/>
+          </p:nvPr>
+        </p:nvSpPr>
+        <p:spPr/>
+        <p:txBody>
+          <a:bodyPr/>
+          <a:lstStyle/>
+          <a:p>
+            <a:r>
+              <a:rPr lang="ru-RU" dirty="0"/>
+              <a:t>Почему именно физика?</a:t>
+            </a:r>
+          </a:p>
+        </p:txBody>
+      </p:sp>
+      <p:sp>
+        <p:nvSpPr>
+          <p:cNvPr id="3" name="Подзаголовок 2">
+            <a:extLst>
+              <a:ext uri="{FF2B5EF4-FFF2-40B4-BE49-F238E27FC236}">
+                <a16:creationId xmlns:a16="http://schemas.microsoft.com/office/drawing/2014/main" id="{B95074A2-2CEE-47D1-9EFA-084769B7EB25}"/>
+              </a:ext>
+            </a:extLst>
+          </p:cNvPr>
+          <p:cNvSpPr>
+            <a:spLocks noGrp="1"/>
+          </p:cNvSpPr>
+          <p:nvPr>
+            <p:ph type="subTitle" idx="1"/>
+          </p:nvPr>
+        </p:nvSpPr>
+        <p:spPr/>
+        <p:txBody>
+          <a:bodyPr/>
+          <a:lstStyle/>
+          <a:p>
+            <a:endParaRPr lang="ru-RU" dirty="0"/>
+          </a:p>
+        </p:txBody>
+      </p:sp>
+    </p:spTree>
+    <p:extLst>
+      <p:ext uri="{BB962C8B-B14F-4D97-AF65-F5344CB8AC3E}">
+        <p14:creationId xmlns:p14="http://schemas.microsoft.com/office/powerpoint/2010/main" val="1330530769"/>
+      </p:ext>
+    </p:extLst>
+  </p:cSld>
+  <p:clrMapOvr>
+    <a:masterClrMapping/>
+  </p:clrMapOvr>
+</p:sld>
+</file>
+
+<file path=ppt/slides/slide7.xml><?xml version="1.0" encoding="utf-8"?>
+<p:sld xmlns:a="http://schemas.openxmlformats.org/drawingml/2006/main" xmlns:r="http://schemas.openxmlformats.org/officeDocument/2006/relationships" xmlns:p="http://schemas.openxmlformats.org/presentationml/2006/main">
+  <p:cSld>
+    <p:spTree>
+      <p:nvGrpSpPr>
+        <p:cNvPr id="1" name=""/>
+        <p:cNvGrpSpPr/>
+        <p:nvPr/>
+      </p:nvGrpSpPr>
+      <p:grpSpPr>
+        <a:xfrm>
+          <a:off x="0" y="0"/>
+          <a:ext cx="0" cy="0"/>
+          <a:chOff x="0" y="0"/>
+          <a:chExt cx="0" cy="0"/>
+        </a:xfrm>
+      </p:grpSpPr>
+      <p:sp>
+        <p:nvSpPr>
+          <p:cNvPr id="2" name="Заголовок 1">
+            <a:extLst>
+              <a:ext uri="{FF2B5EF4-FFF2-40B4-BE49-F238E27FC236}">
+                <a16:creationId xmlns:a16="http://schemas.microsoft.com/office/drawing/2014/main" id="{B570436A-8517-42DD-B801-106B3A89AF41}"/>
+              </a:ext>
+            </a:extLst>
+          </p:cNvPr>
+          <p:cNvSpPr>
+            <a:spLocks noGrp="1"/>
+          </p:cNvSpPr>
+          <p:nvPr>
+            <p:ph type="title"/>
+          </p:nvPr>
+        </p:nvSpPr>
+        <p:spPr/>
+        <p:txBody>
+          <a:bodyPr/>
+          <a:lstStyle/>
+          <a:p>
+            <a:pPr algn="ctr"/>
+            <a:r>
+              <a:rPr lang="ru-RU" b="1" dirty="0"/>
+              <a:t>Формулы</a:t>
+            </a:r>
+          </a:p>
+        </p:txBody>
+      </p:sp>
+      <p:sp>
+        <p:nvSpPr>
+          <p:cNvPr id="3" name="Текст 2">
+            <a:extLst>
+              <a:ext uri="{FF2B5EF4-FFF2-40B4-BE49-F238E27FC236}">
+                <a16:creationId xmlns:a16="http://schemas.microsoft.com/office/drawing/2014/main" id="{A3C02124-6D32-4352-9514-C0145A16C8E8}"/>
+              </a:ext>
+            </a:extLst>
+          </p:cNvPr>
+          <p:cNvSpPr>
+            <a:spLocks noGrp="1"/>
+          </p:cNvSpPr>
+          <p:nvPr>
+            <p:ph type="body" idx="1"/>
+          </p:nvPr>
+        </p:nvSpPr>
+        <p:spPr/>
+        <p:txBody>
+          <a:bodyPr>
+            <a:normAutofit/>
+          </a:bodyPr>
+          <a:lstStyle/>
+          <a:p>
+            <a:pPr algn="ctr"/>
+            <a:r>
+              <a:rPr lang="ru-RU" sz="3600" b="0" dirty="0"/>
+              <a:t>Количество теплоты</a:t>
+            </a:r>
+          </a:p>
+        </p:txBody>
+      </p:sp>
+      <p:sp>
+        <p:nvSpPr>
+          <p:cNvPr id="4" name="Объект 3">
+            <a:extLst>
+              <a:ext uri="{FF2B5EF4-FFF2-40B4-BE49-F238E27FC236}">
+                <a16:creationId xmlns:a16="http://schemas.microsoft.com/office/drawing/2014/main" id="{1538EE1F-8C5E-4ABA-98E9-FC11B948641A}"/>
+              </a:ext>
+            </a:extLst>
+          </p:cNvPr>
+          <p:cNvSpPr>
+            <a:spLocks noGrp="1"/>
+          </p:cNvSpPr>
+          <p:nvPr>
+            <p:ph sz="half" idx="2"/>
+          </p:nvPr>
+        </p:nvSpPr>
+        <p:spPr>
+          <a:xfrm>
+            <a:off x="839788" y="2677211"/>
+            <a:ext cx="5157787" cy="3512451"/>
+          </a:xfrm>
+        </p:spPr>
+        <p:txBody>
+          <a:bodyPr>
+            <a:normAutofit/>
+          </a:bodyPr>
+          <a:lstStyle/>
+          <a:p>
+            <a:pPr marL="0" indent="0" algn="ctr">
+              <a:buNone/>
+            </a:pPr>
+            <a:r>
+              <a:rPr lang="en-US" b="1" dirty="0"/>
+              <a:t>Q = cm</a:t>
+            </a:r>
+            <a:r>
+              <a:rPr lang="el-GR" b="1" dirty="0"/>
+              <a:t>Δ</a:t>
+            </a:r>
+            <a:r>
+              <a:rPr lang="en-US" b="1" dirty="0"/>
+              <a:t>t</a:t>
+            </a:r>
+          </a:p>
+          <a:p>
+            <a:pPr marL="0" indent="0">
+              <a:buNone/>
+            </a:pPr>
+            <a:r>
+              <a:rPr lang="en-US" dirty="0"/>
+              <a:t>Q – </a:t>
+            </a:r>
+            <a:r>
+              <a:rPr lang="ru-RU" dirty="0"/>
+              <a:t>количество теплоты</a:t>
+            </a:r>
+            <a:r>
+              <a:rPr lang="en-US" dirty="0"/>
+              <a:t>,</a:t>
+            </a:r>
+            <a:r>
+              <a:rPr lang="ru-RU" dirty="0"/>
+              <a:t> Дж</a:t>
+            </a:r>
+          </a:p>
+          <a:p>
+            <a:pPr marL="0" indent="0">
+              <a:buNone/>
+            </a:pPr>
+            <a:r>
+              <a:rPr lang="en-US" dirty="0"/>
+              <a:t>c – </a:t>
+            </a:r>
+            <a:r>
+              <a:rPr lang="ru-RU" dirty="0"/>
+              <a:t>удельная теплоемкость вещества</a:t>
+            </a:r>
+            <a:r>
+              <a:rPr lang="en-US" dirty="0"/>
+              <a:t>, </a:t>
+            </a:r>
+            <a:r>
+              <a:rPr lang="ru-RU" dirty="0"/>
+              <a:t>Дж / кг * </a:t>
+            </a:r>
+            <a:r>
+              <a:rPr lang="en-US" dirty="0"/>
+              <a:t>°C</a:t>
+            </a:r>
+            <a:endParaRPr lang="ru-RU" dirty="0"/>
+          </a:p>
+          <a:p>
+            <a:pPr marL="0" indent="0">
+              <a:buNone/>
+            </a:pPr>
+            <a:r>
+              <a:rPr lang="en-US" dirty="0"/>
+              <a:t>m – </a:t>
+            </a:r>
+            <a:r>
+              <a:rPr lang="ru-RU" dirty="0"/>
+              <a:t>масса вещества</a:t>
+            </a:r>
+            <a:r>
+              <a:rPr lang="en-US" dirty="0"/>
+              <a:t>, </a:t>
+            </a:r>
+            <a:r>
+              <a:rPr lang="ru-RU" dirty="0"/>
+              <a:t>кг</a:t>
+            </a:r>
+          </a:p>
+          <a:p>
+            <a:pPr marL="0" indent="0">
+              <a:buNone/>
+            </a:pPr>
+            <a:r>
+              <a:rPr lang="el-GR" dirty="0"/>
+              <a:t>Δ</a:t>
+            </a:r>
+            <a:r>
+              <a:rPr lang="en-US" dirty="0"/>
+              <a:t>t</a:t>
+            </a:r>
+            <a:r>
+              <a:rPr lang="ru-RU" dirty="0"/>
+              <a:t> – изменение температуры</a:t>
+            </a:r>
+            <a:r>
+              <a:rPr lang="en-US" dirty="0"/>
+              <a:t>, °C</a:t>
+            </a:r>
+            <a:endParaRPr lang="ru-RU" dirty="0"/>
+          </a:p>
+          <a:p>
+            <a:pPr marL="0" indent="0">
+              <a:buNone/>
+            </a:pPr>
+            <a:endParaRPr lang="en-US" dirty="0"/>
+          </a:p>
+          <a:p>
+            <a:pPr marL="0" indent="0">
+              <a:buNone/>
+            </a:pPr>
+            <a:endParaRPr lang="en-US" dirty="0"/>
+          </a:p>
+          <a:p>
+            <a:pPr marL="0" indent="0">
+              <a:buNone/>
+            </a:pPr>
+            <a:endParaRPr lang="ru-RU" dirty="0"/>
+          </a:p>
+        </p:txBody>
+      </p:sp>
+      <p:sp>
+        <p:nvSpPr>
+          <p:cNvPr id="5" name="Текст 4">
+            <a:extLst>
+              <a:ext uri="{FF2B5EF4-FFF2-40B4-BE49-F238E27FC236}">
+                <a16:creationId xmlns:a16="http://schemas.microsoft.com/office/drawing/2014/main" id="{4D72D778-75C4-4A4C-B5FD-F63EF50C99DB}"/>
+              </a:ext>
+            </a:extLst>
+          </p:cNvPr>
+          <p:cNvSpPr>
+            <a:spLocks noGrp="1"/>
+          </p:cNvSpPr>
+          <p:nvPr>
+            <p:ph type="body" sz="quarter" idx="3"/>
+          </p:nvPr>
+        </p:nvSpPr>
+        <p:spPr/>
+        <p:txBody>
+          <a:bodyPr>
+            <a:normAutofit/>
+          </a:bodyPr>
+          <a:lstStyle/>
+          <a:p>
+            <a:pPr algn="ctr"/>
+            <a:r>
+              <a:rPr lang="ru-RU" sz="3600" b="0" dirty="0"/>
+              <a:t>Мощность</a:t>
+            </a:r>
+          </a:p>
+        </p:txBody>
+      </p:sp>
+      <p:sp>
+        <p:nvSpPr>
+          <p:cNvPr id="6" name="Объект 5">
+            <a:extLst>
+              <a:ext uri="{FF2B5EF4-FFF2-40B4-BE49-F238E27FC236}">
+                <a16:creationId xmlns:a16="http://schemas.microsoft.com/office/drawing/2014/main" id="{4F86ADCB-8DFD-41FD-932B-1CD0757CA067}"/>
+              </a:ext>
+            </a:extLst>
+          </p:cNvPr>
+          <p:cNvSpPr>
+            <a:spLocks noGrp="1"/>
+          </p:cNvSpPr>
+          <p:nvPr>
+            <p:ph sz="quarter" idx="4"/>
+          </p:nvPr>
+        </p:nvSpPr>
+        <p:spPr>
+          <a:xfrm>
+            <a:off x="6172200" y="2677211"/>
+            <a:ext cx="5183188" cy="3512452"/>
+          </a:xfrm>
+        </p:spPr>
+        <p:txBody>
+          <a:bodyPr>
+            <a:normAutofit/>
+          </a:bodyPr>
+          <a:lstStyle/>
+          <a:p>
+            <a:pPr marL="0" indent="0" algn="ctr">
+              <a:buNone/>
+            </a:pPr>
+            <a:r>
+              <a:rPr lang="en-US" b="1" dirty="0"/>
+              <a:t>P = A / t</a:t>
+            </a:r>
+          </a:p>
+          <a:p>
+            <a:pPr marL="0" indent="0">
+              <a:buNone/>
+            </a:pPr>
+            <a:r>
+              <a:rPr lang="en-US" b="1" dirty="0"/>
+              <a:t>A = Q</a:t>
+            </a:r>
+            <a:r>
+              <a:rPr lang="en-US" dirty="0"/>
+              <a:t>, </a:t>
+            </a:r>
+            <a:r>
+              <a:rPr lang="ru-RU" dirty="0"/>
+              <a:t>следовательно</a:t>
+            </a:r>
+            <a:endParaRPr lang="en-US" dirty="0"/>
+          </a:p>
+          <a:p>
+            <a:pPr marL="0" indent="0">
+              <a:buNone/>
+            </a:pPr>
+            <a:r>
+              <a:rPr lang="en-US" b="1" dirty="0"/>
+              <a:t>t = Q / P</a:t>
+            </a:r>
+          </a:p>
+          <a:p>
+            <a:pPr marL="0" indent="0">
+              <a:buNone/>
+            </a:pPr>
+            <a:r>
+              <a:rPr lang="en-US" dirty="0"/>
+              <a:t>P </a:t>
+            </a:r>
+            <a:r>
+              <a:rPr lang="ru-RU" dirty="0"/>
+              <a:t>– мощность</a:t>
+            </a:r>
+            <a:r>
+              <a:rPr lang="en-US" dirty="0"/>
+              <a:t>, </a:t>
+            </a:r>
+            <a:r>
+              <a:rPr lang="ru-RU" dirty="0"/>
+              <a:t>Вт</a:t>
+            </a:r>
+          </a:p>
+          <a:p>
+            <a:pPr marL="0" indent="0">
+              <a:buNone/>
+            </a:pPr>
+            <a:r>
+              <a:rPr lang="en-US" dirty="0"/>
+              <a:t>A – </a:t>
+            </a:r>
+            <a:r>
+              <a:rPr lang="ru-RU" dirty="0"/>
+              <a:t>работа</a:t>
+            </a:r>
+            <a:r>
+              <a:rPr lang="en-US" dirty="0"/>
+              <a:t>, </a:t>
+            </a:r>
+            <a:r>
+              <a:rPr lang="ru-RU" dirty="0"/>
+              <a:t>Дж</a:t>
+            </a:r>
+          </a:p>
+          <a:p>
+            <a:pPr marL="0" indent="0">
+              <a:buNone/>
+            </a:pPr>
+            <a:r>
+              <a:rPr lang="en-US" dirty="0"/>
+              <a:t>t – </a:t>
+            </a:r>
+            <a:r>
+              <a:rPr lang="ru-RU" dirty="0"/>
+              <a:t>время</a:t>
+            </a:r>
+            <a:r>
+              <a:rPr lang="en-US" dirty="0"/>
+              <a:t>, </a:t>
+            </a:r>
+            <a:r>
+              <a:rPr lang="ru-RU" dirty="0"/>
+              <a:t>с</a:t>
+            </a:r>
+          </a:p>
+          <a:p>
+            <a:pPr marL="0" indent="0">
+              <a:buNone/>
+            </a:pPr>
+            <a:endParaRPr lang="ru-RU" dirty="0"/>
+          </a:p>
+        </p:txBody>
+      </p:sp>
+    </p:spTree>
+    <p:extLst>
+      <p:ext uri="{BB962C8B-B14F-4D97-AF65-F5344CB8AC3E}">
+        <p14:creationId xmlns:p14="http://schemas.microsoft.com/office/powerpoint/2010/main" val="1485155102"/>
+      </p:ext>
+    </p:extLst>
+  </p:cSld>
+  <p:clrMapOvr>
+    <a:masterClrMapping/>
+  </p:clrMapOvr>
+</p:sld>
+</file>
+
+<file path=ppt/slides/slide8.xml><?xml version="1.0" encoding="utf-8"?>
+<p:sld xmlns:a="http://schemas.openxmlformats.org/drawingml/2006/main" xmlns:r="http://schemas.openxmlformats.org/officeDocument/2006/relationships" xmlns:p="http://schemas.openxmlformats.org/presentationml/2006/main">
+  <p:cSld>
+    <p:spTree>
+      <p:nvGrpSpPr>
+        <p:cNvPr id="1" name=""/>
+        <p:cNvGrpSpPr/>
+        <p:nvPr/>
+      </p:nvGrpSpPr>
+      <p:grpSpPr>
+        <a:xfrm>
+          <a:off x="0" y="0"/>
+          <a:ext cx="0" cy="0"/>
+          <a:chOff x="0" y="0"/>
+          <a:chExt cx="0" cy="0"/>
+        </a:xfrm>
+      </p:grpSpPr>
+      <p:sp>
+        <p:nvSpPr>
+          <p:cNvPr id="2" name="Заголовок 1">
+            <a:extLst>
+              <a:ext uri="{FF2B5EF4-FFF2-40B4-BE49-F238E27FC236}">
+                <a16:creationId xmlns:a16="http://schemas.microsoft.com/office/drawing/2014/main" id="{0E8AFAE8-38E9-419D-B3B5-F01C8FEE4714}"/>
+              </a:ext>
+            </a:extLst>
+          </p:cNvPr>
+          <p:cNvSpPr>
+            <a:spLocks noGrp="1"/>
+          </p:cNvSpPr>
+          <p:nvPr>
+            <p:ph type="ctrTitle"/>
+          </p:nvPr>
+        </p:nvSpPr>
+        <p:spPr/>
+        <p:txBody>
+          <a:bodyPr/>
+          <a:lstStyle/>
+          <a:p>
+            <a:r>
+              <a:rPr lang="ru-RU" b="1" dirty="0"/>
+              <a:t>Программирование</a:t>
+            </a:r>
+          </a:p>
+        </p:txBody>
+      </p:sp>
+      <p:sp>
+        <p:nvSpPr>
+          <p:cNvPr id="3" name="Подзаголовок 2">
+            <a:extLst>
+              <a:ext uri="{FF2B5EF4-FFF2-40B4-BE49-F238E27FC236}">
+                <a16:creationId xmlns:a16="http://schemas.microsoft.com/office/drawing/2014/main" id="{32258625-2179-48E9-9699-9B3FA99A5026}"/>
+              </a:ext>
+            </a:extLst>
+          </p:cNvPr>
+          <p:cNvSpPr>
+            <a:spLocks noGrp="1"/>
+          </p:cNvSpPr>
+          <p:nvPr>
+            <p:ph type="subTitle" idx="1"/>
+          </p:nvPr>
+        </p:nvSpPr>
+        <p:spPr/>
+        <p:txBody>
+          <a:bodyPr/>
+          <a:lstStyle/>
+          <a:p>
+            <a:endParaRPr lang="ru-RU" dirty="0"/>
+          </a:p>
+        </p:txBody>
+      </p:sp>
+    </p:spTree>
+    <p:extLst>
+      <p:ext uri="{BB962C8B-B14F-4D97-AF65-F5344CB8AC3E}">
+        <p14:creationId xmlns:p14="http://schemas.microsoft.com/office/powerpoint/2010/main" val="3823498613"/>
+      </p:ext>
+    </p:extLst>
+  </p:cSld>
+  <p:clrMapOvr>
+    <a:masterClrMapping/>
+  </p:clrMapOvr>
+</p:sld>
+</file>
+
+<file path=ppt/slides/slide9.xml><?xml version="1.0" encoding="utf-8"?>
+<p:sld xmlns:a="http://schemas.openxmlformats.org/drawingml/2006/main" xmlns:r="http://schemas.openxmlformats.org/officeDocument/2006/relationships" xmlns:p="http://schemas.openxmlformats.org/presentationml/2006/main">
+  <p:cSld>
+    <p:spTree>
+      <p:nvGrpSpPr>
+        <p:cNvPr id="1" name=""/>
+        <p:cNvGrpSpPr/>
+        <p:nvPr/>
+      </p:nvGrpSpPr>
+      <p:grpSpPr>
+        <a:xfrm>
+          <a:off x="0" y="0"/>
+          <a:ext cx="0" cy="0"/>
+          <a:chOff x="0" y="0"/>
+          <a:chExt cx="0" cy="0"/>
+        </a:xfrm>
+      </p:grpSpPr>
+      <p:sp>
+        <p:nvSpPr>
+          <p:cNvPr id="2" name="Заголовок 1">
+            <a:extLst>
+              <a:ext uri="{FF2B5EF4-FFF2-40B4-BE49-F238E27FC236}">
+                <a16:creationId xmlns:a16="http://schemas.microsoft.com/office/drawing/2014/main" id="{DB981F1D-8E65-47A2-93B9-F01A5CB980B9}"/>
+              </a:ext>
+            </a:extLst>
+          </p:cNvPr>
+          <p:cNvSpPr>
+            <a:spLocks noGrp="1"/>
+          </p:cNvSpPr>
+          <p:nvPr>
+            <p:ph type="title"/>
+          </p:nvPr>
+        </p:nvSpPr>
+        <p:spPr/>
+        <p:txBody>
+          <a:bodyPr/>
+          <a:lstStyle/>
+          <a:p>
+            <a:pPr algn="ctr"/>
+            <a:r>
+              <a:rPr lang="ru-RU" dirty="0"/>
+              <a:t>Задачи</a:t>
+            </a:r>
+          </a:p>
+        </p:txBody>
+      </p:sp>
+      <p:sp>
+        <p:nvSpPr>
+          <p:cNvPr id="3" name="Объект 2">
+            <a:extLst>
+              <a:ext uri="{FF2B5EF4-FFF2-40B4-BE49-F238E27FC236}">
+                <a16:creationId xmlns:a16="http://schemas.microsoft.com/office/drawing/2014/main" id="{9A79900C-76AC-49AA-9F8C-EEA95606499B}"/>
+              </a:ext>
+            </a:extLst>
+          </p:cNvPr>
+          <p:cNvSpPr>
+            <a:spLocks noGrp="1"/>
+          </p:cNvSpPr>
+          <p:nvPr>
+            <p:ph idx="1"/>
+          </p:nvPr>
+        </p:nvSpPr>
+        <p:spPr/>
+        <p:txBody>
+          <a:bodyPr/>
+          <a:lstStyle/>
+          <a:p>
+            <a:r>
+              <a:rPr lang="ru-RU" dirty="0"/>
+              <a:t>Как на время кипения воды влияет материал, из которого изготовлен котелок, в каком котелке будет быстрее всего закипать вода?</a:t>
+            </a:r>
+          </a:p>
+          <a:p>
+            <a:r>
+              <a:rPr lang="ru-RU" dirty="0"/>
+              <a:t>Насколько сильно влияет масса котелка?</a:t>
+            </a:r>
+          </a:p>
+          <a:p>
+            <a:r>
+              <a:rPr lang="ru-RU" dirty="0"/>
+              <a:t>Влияние начальной температуры воды?</a:t>
+            </a:r>
+          </a:p>
+          <a:p>
+            <a:r>
+              <a:rPr lang="ru-RU" dirty="0"/>
+              <a:t>Важность значения мощности горелки?</a:t>
+            </a:r>
+          </a:p>
+          <a:p>
+            <a:r>
+              <a:rPr lang="ru-RU" dirty="0"/>
+              <a:t>Значение объема воды?</a:t>
+            </a:r>
+          </a:p>
+          <a:p>
+            <a:r>
+              <a:rPr lang="ru-RU" dirty="0"/>
+              <a:t>Как выглядит график зависимости температуры воды от времени?</a:t>
+            </a:r>
+          </a:p>
+          <a:p>
+            <a:endParaRPr lang="ru-RU" dirty="0"/>
+          </a:p>
+        </p:txBody>
+      </p:sp>
+    </p:spTree>
+    <p:extLst>
+      <p:ext uri="{BB962C8B-B14F-4D97-AF65-F5344CB8AC3E}">
+        <p14:creationId xmlns:p14="http://schemas.microsoft.com/office/powerpoint/2010/main" val="3344583443"/>
+      </p:ext>
+    </p:extLst>
+  </p:cSld>
+  <p:clrMapOvr>
+    <a:masterClrMapping/>
+  </p:clrMapOvr>
 </p:sld>
 </file>
 

--- a/info/Моделирование.pptx
+++ b/info/Моделирование.pptx
@@ -9,14 +9,15 @@
     <p:sldId id="257" r:id="rId3"/>
     <p:sldId id="263" r:id="rId4"/>
     <p:sldId id="266" r:id="rId5"/>
-    <p:sldId id="258" r:id="rId6"/>
-    <p:sldId id="264" r:id="rId7"/>
-    <p:sldId id="259" r:id="rId8"/>
-    <p:sldId id="260" r:id="rId9"/>
-    <p:sldId id="265" r:id="rId10"/>
-    <p:sldId id="261" r:id="rId11"/>
-    <p:sldId id="267" r:id="rId12"/>
-    <p:sldId id="262" r:id="rId13"/>
+    <p:sldId id="268" r:id="rId6"/>
+    <p:sldId id="258" r:id="rId7"/>
+    <p:sldId id="264" r:id="rId8"/>
+    <p:sldId id="259" r:id="rId9"/>
+    <p:sldId id="260" r:id="rId10"/>
+    <p:sldId id="265" r:id="rId11"/>
+    <p:sldId id="261" r:id="rId12"/>
+    <p:sldId id="267" r:id="rId13"/>
+    <p:sldId id="262" r:id="rId14"/>
   </p:sldIdLst>
   <p:sldSz cx="12192000" cy="6858000"/>
   <p:notesSz cx="6858000" cy="9144000"/>
@@ -270,7 +271,7 @@
           <a:p>
             <a:fld id="{B0D21DAE-CD54-4DF0-AB83-F6E3861581A8}" type="datetimeFigureOut">
               <a:rPr lang="ru-RU" smtClean="0"/>
-              <a:t>27.03.2022</a:t>
+              <a:t>06.04.2022</a:t>
             </a:fld>
             <a:endParaRPr lang="ru-RU" dirty="0"/>
           </a:p>
@@ -468,7 +469,7 @@
           <a:p>
             <a:fld id="{B0D21DAE-CD54-4DF0-AB83-F6E3861581A8}" type="datetimeFigureOut">
               <a:rPr lang="ru-RU" smtClean="0"/>
-              <a:t>27.03.2022</a:t>
+              <a:t>06.04.2022</a:t>
             </a:fld>
             <a:endParaRPr lang="ru-RU" dirty="0"/>
           </a:p>
@@ -676,7 +677,7 @@
           <a:p>
             <a:fld id="{B0D21DAE-CD54-4DF0-AB83-F6E3861581A8}" type="datetimeFigureOut">
               <a:rPr lang="ru-RU" smtClean="0"/>
-              <a:t>27.03.2022</a:t>
+              <a:t>06.04.2022</a:t>
             </a:fld>
             <a:endParaRPr lang="ru-RU" dirty="0"/>
           </a:p>
@@ -874,7 +875,7 @@
           <a:p>
             <a:fld id="{B0D21DAE-CD54-4DF0-AB83-F6E3861581A8}" type="datetimeFigureOut">
               <a:rPr lang="ru-RU" smtClean="0"/>
-              <a:t>27.03.2022</a:t>
+              <a:t>06.04.2022</a:t>
             </a:fld>
             <a:endParaRPr lang="ru-RU" dirty="0"/>
           </a:p>
@@ -1149,7 +1150,7 @@
           <a:p>
             <a:fld id="{B0D21DAE-CD54-4DF0-AB83-F6E3861581A8}" type="datetimeFigureOut">
               <a:rPr lang="ru-RU" smtClean="0"/>
-              <a:t>27.03.2022</a:t>
+              <a:t>06.04.2022</a:t>
             </a:fld>
             <a:endParaRPr lang="ru-RU" dirty="0"/>
           </a:p>
@@ -1414,7 +1415,7 @@
           <a:p>
             <a:fld id="{B0D21DAE-CD54-4DF0-AB83-F6E3861581A8}" type="datetimeFigureOut">
               <a:rPr lang="ru-RU" smtClean="0"/>
-              <a:t>27.03.2022</a:t>
+              <a:t>06.04.2022</a:t>
             </a:fld>
             <a:endParaRPr lang="ru-RU" dirty="0"/>
           </a:p>
@@ -1826,7 +1827,7 @@
           <a:p>
             <a:fld id="{B0D21DAE-CD54-4DF0-AB83-F6E3861581A8}" type="datetimeFigureOut">
               <a:rPr lang="ru-RU" smtClean="0"/>
-              <a:t>27.03.2022</a:t>
+              <a:t>06.04.2022</a:t>
             </a:fld>
             <a:endParaRPr lang="ru-RU" dirty="0"/>
           </a:p>
@@ -1967,7 +1968,7 @@
           <a:p>
             <a:fld id="{B0D21DAE-CD54-4DF0-AB83-F6E3861581A8}" type="datetimeFigureOut">
               <a:rPr lang="ru-RU" smtClean="0"/>
-              <a:t>27.03.2022</a:t>
+              <a:t>06.04.2022</a:t>
             </a:fld>
             <a:endParaRPr lang="ru-RU" dirty="0"/>
           </a:p>
@@ -2080,7 +2081,7 @@
           <a:p>
             <a:fld id="{B0D21DAE-CD54-4DF0-AB83-F6E3861581A8}" type="datetimeFigureOut">
               <a:rPr lang="ru-RU" smtClean="0"/>
-              <a:t>27.03.2022</a:t>
+              <a:t>06.04.2022</a:t>
             </a:fld>
             <a:endParaRPr lang="ru-RU" dirty="0"/>
           </a:p>
@@ -2391,7 +2392,7 @@
           <a:p>
             <a:fld id="{B0D21DAE-CD54-4DF0-AB83-F6E3861581A8}" type="datetimeFigureOut">
               <a:rPr lang="ru-RU" smtClean="0"/>
-              <a:t>27.03.2022</a:t>
+              <a:t>06.04.2022</a:t>
             </a:fld>
             <a:endParaRPr lang="ru-RU" dirty="0"/>
           </a:p>
@@ -2679,7 +2680,7 @@
           <a:p>
             <a:fld id="{B0D21DAE-CD54-4DF0-AB83-F6E3861581A8}" type="datetimeFigureOut">
               <a:rPr lang="ru-RU" smtClean="0"/>
-              <a:t>27.03.2022</a:t>
+              <a:t>06.04.2022</a:t>
             </a:fld>
             <a:endParaRPr lang="ru-RU" dirty="0"/>
           </a:p>
@@ -2929,7 +2930,7 @@
           <a:p>
             <a:fld id="{B0D21DAE-CD54-4DF0-AB83-F6E3861581A8}" type="datetimeFigureOut">
               <a:rPr lang="ru-RU" smtClean="0"/>
-              <a:t>27.03.2022</a:t>
+              <a:t>06.04.2022</a:t>
             </a:fld>
             <a:endParaRPr lang="ru-RU" dirty="0"/>
           </a:p>
@@ -3465,58 +3466,95 @@
           <p:cNvPr id="2" name="Заголовок 1">
             <a:extLst>
               <a:ext uri="{FF2B5EF4-FFF2-40B4-BE49-F238E27FC236}">
-                <a16:creationId xmlns:a16="http://schemas.microsoft.com/office/drawing/2014/main" id="{77FCB7F1-1404-4554-8AAD-BE561D20B9B9}"/>
-              </a:ext>
-            </a:extLst>
-          </p:cNvPr>
-          <p:cNvSpPr>
-            <a:spLocks noGrp="1"/>
-          </p:cNvSpPr>
-          <p:nvPr>
-            <p:ph type="ctrTitle"/>
-          </p:nvPr>
-        </p:nvSpPr>
-        <p:spPr/>
-        <p:txBody>
-          <a:bodyPr/>
-          <a:lstStyle/>
-          <a:p>
-            <a:r>
-              <a:rPr lang="ru-RU" b="1" dirty="0"/>
-              <a:t>Выводы</a:t>
-            </a:r>
-          </a:p>
-        </p:txBody>
-      </p:sp>
-      <p:sp>
-        <p:nvSpPr>
-          <p:cNvPr id="4" name="Подзаголовок 3">
-            <a:extLst>
-              <a:ext uri="{FF2B5EF4-FFF2-40B4-BE49-F238E27FC236}">
-                <a16:creationId xmlns:a16="http://schemas.microsoft.com/office/drawing/2014/main" id="{63D7FCBF-F788-419C-A490-B3E113E5F3F5}"/>
-              </a:ext>
-            </a:extLst>
-          </p:cNvPr>
-          <p:cNvSpPr>
-            <a:spLocks noGrp="1"/>
-          </p:cNvSpPr>
-          <p:nvPr>
-            <p:ph type="subTitle" idx="1"/>
-          </p:nvPr>
-        </p:nvSpPr>
-        <p:spPr/>
-        <p:txBody>
-          <a:bodyPr/>
-          <a:lstStyle/>
-          <a:p>
-            <a:endParaRPr lang="ru-RU"/>
+                <a16:creationId xmlns:a16="http://schemas.microsoft.com/office/drawing/2014/main" id="{DB981F1D-8E65-47A2-93B9-F01A5CB980B9}"/>
+              </a:ext>
+            </a:extLst>
+          </p:cNvPr>
+          <p:cNvSpPr>
+            <a:spLocks noGrp="1"/>
+          </p:cNvSpPr>
+          <p:nvPr>
+            <p:ph type="title"/>
+          </p:nvPr>
+        </p:nvSpPr>
+        <p:spPr/>
+        <p:txBody>
+          <a:bodyPr/>
+          <a:lstStyle/>
+          <a:p>
+            <a:pPr algn="ctr"/>
+            <a:r>
+              <a:rPr lang="ru-RU" dirty="0"/>
+              <a:t>Задачи</a:t>
+            </a:r>
+          </a:p>
+        </p:txBody>
+      </p:sp>
+      <p:sp>
+        <p:nvSpPr>
+          <p:cNvPr id="3" name="Объект 2">
+            <a:extLst>
+              <a:ext uri="{FF2B5EF4-FFF2-40B4-BE49-F238E27FC236}">
+                <a16:creationId xmlns:a16="http://schemas.microsoft.com/office/drawing/2014/main" id="{9A79900C-76AC-49AA-9F8C-EEA95606499B}"/>
+              </a:ext>
+            </a:extLst>
+          </p:cNvPr>
+          <p:cNvSpPr>
+            <a:spLocks noGrp="1"/>
+          </p:cNvSpPr>
+          <p:nvPr>
+            <p:ph idx="1"/>
+          </p:nvPr>
+        </p:nvSpPr>
+        <p:spPr/>
+        <p:txBody>
+          <a:bodyPr/>
+          <a:lstStyle/>
+          <a:p>
+            <a:r>
+              <a:rPr lang="ru-RU" dirty="0"/>
+              <a:t>Как на время кипения воды влияет материал, из которого изготовлен котелок, в каком котелке будет быстрее всего закипать вода?</a:t>
+            </a:r>
+          </a:p>
+          <a:p>
+            <a:r>
+              <a:rPr lang="ru-RU" dirty="0"/>
+              <a:t>Насколько сильно влияет масса котелка?</a:t>
+            </a:r>
+          </a:p>
+          <a:p>
+            <a:r>
+              <a:rPr lang="ru-RU" dirty="0"/>
+              <a:t>Влияние начальной температуры воды?</a:t>
+            </a:r>
+          </a:p>
+          <a:p>
+            <a:r>
+              <a:rPr lang="ru-RU" dirty="0"/>
+              <a:t>Важность значения мощности горелки?</a:t>
+            </a:r>
+          </a:p>
+          <a:p>
+            <a:r>
+              <a:rPr lang="ru-RU" dirty="0"/>
+              <a:t>Значение объема воды?</a:t>
+            </a:r>
+          </a:p>
+          <a:p>
+            <a:r>
+              <a:rPr lang="ru-RU" dirty="0"/>
+              <a:t>Как выглядит график зависимости температуры воды от времени?</a:t>
+            </a:r>
+          </a:p>
+          <a:p>
+            <a:endParaRPr lang="ru-RU" dirty="0"/>
           </a:p>
         </p:txBody>
       </p:sp>
     </p:spTree>
     <p:extLst>
       <p:ext uri="{BB962C8B-B14F-4D97-AF65-F5344CB8AC3E}">
-        <p14:creationId xmlns:p14="http://schemas.microsoft.com/office/powerpoint/2010/main" val="1547816207"/>
+        <p14:creationId xmlns:p14="http://schemas.microsoft.com/office/powerpoint/2010/main" val="3344583443"/>
       </p:ext>
     </p:extLst>
   </p:cSld>
@@ -3548,6 +3586,89 @@
           <p:cNvPr id="2" name="Заголовок 1">
             <a:extLst>
               <a:ext uri="{FF2B5EF4-FFF2-40B4-BE49-F238E27FC236}">
+                <a16:creationId xmlns:a16="http://schemas.microsoft.com/office/drawing/2014/main" id="{77FCB7F1-1404-4554-8AAD-BE561D20B9B9}"/>
+              </a:ext>
+            </a:extLst>
+          </p:cNvPr>
+          <p:cNvSpPr>
+            <a:spLocks noGrp="1"/>
+          </p:cNvSpPr>
+          <p:nvPr>
+            <p:ph type="ctrTitle"/>
+          </p:nvPr>
+        </p:nvSpPr>
+        <p:spPr/>
+        <p:txBody>
+          <a:bodyPr/>
+          <a:lstStyle/>
+          <a:p>
+            <a:r>
+              <a:rPr lang="ru-RU" b="1" dirty="0"/>
+              <a:t>Выводы</a:t>
+            </a:r>
+          </a:p>
+        </p:txBody>
+      </p:sp>
+      <p:sp>
+        <p:nvSpPr>
+          <p:cNvPr id="4" name="Подзаголовок 3">
+            <a:extLst>
+              <a:ext uri="{FF2B5EF4-FFF2-40B4-BE49-F238E27FC236}">
+                <a16:creationId xmlns:a16="http://schemas.microsoft.com/office/drawing/2014/main" id="{63D7FCBF-F788-419C-A490-B3E113E5F3F5}"/>
+              </a:ext>
+            </a:extLst>
+          </p:cNvPr>
+          <p:cNvSpPr>
+            <a:spLocks noGrp="1"/>
+          </p:cNvSpPr>
+          <p:nvPr>
+            <p:ph type="subTitle" idx="1"/>
+          </p:nvPr>
+        </p:nvSpPr>
+        <p:spPr/>
+        <p:txBody>
+          <a:bodyPr/>
+          <a:lstStyle/>
+          <a:p>
+            <a:endParaRPr lang="ru-RU"/>
+          </a:p>
+        </p:txBody>
+      </p:sp>
+    </p:spTree>
+    <p:extLst>
+      <p:ext uri="{BB962C8B-B14F-4D97-AF65-F5344CB8AC3E}">
+        <p14:creationId xmlns:p14="http://schemas.microsoft.com/office/powerpoint/2010/main" val="1547816207"/>
+      </p:ext>
+    </p:extLst>
+  </p:cSld>
+  <p:clrMapOvr>
+    <a:masterClrMapping/>
+  </p:clrMapOvr>
+</p:sld>
+</file>
+
+<file path=ppt/slides/slide12.xml><?xml version="1.0" encoding="utf-8"?>
+<p:sld xmlns:a="http://schemas.openxmlformats.org/drawingml/2006/main" xmlns:r="http://schemas.openxmlformats.org/officeDocument/2006/relationships" xmlns:p="http://schemas.openxmlformats.org/presentationml/2006/main">
+  <p:cSld>
+    <p:spTree>
+      <p:nvGrpSpPr>
+        <p:cNvPr id="1" name=""/>
+        <p:cNvGrpSpPr/>
+        <p:nvPr/>
+      </p:nvGrpSpPr>
+      <p:grpSpPr>
+        <a:xfrm>
+          <a:off x="0" y="0"/>
+          <a:ext cx="0" cy="0"/>
+          <a:chOff x="0" y="0"/>
+          <a:chExt cx="0" cy="0"/>
+        </a:xfrm>
+      </p:grpSpPr>
+      <p:sp>
+        <p:nvSpPr>
+          <p:cNvPr id="2" name="Заголовок 1">
+            <a:extLst>
+              <a:ext uri="{FF2B5EF4-FFF2-40B4-BE49-F238E27FC236}">
                 <a16:creationId xmlns:a16="http://schemas.microsoft.com/office/drawing/2014/main" id="{A20EE0A9-9055-48DF-8507-9EDAB8BC925F}"/>
               </a:ext>
             </a:extLst>
@@ -3784,7 +3905,7 @@
 </p:sld>
 </file>
 
-<file path=ppt/slides/slide12.xml><?xml version="1.0" encoding="utf-8"?>
+<file path=ppt/slides/slide13.xml><?xml version="1.0" encoding="utf-8"?>
 <p:sld xmlns:a="http://schemas.openxmlformats.org/drawingml/2006/main" xmlns:r="http://schemas.openxmlformats.org/officeDocument/2006/relationships" xmlns:p="http://schemas.openxmlformats.org/presentationml/2006/main">
   <p:cSld>
     <p:spTree>
@@ -4117,7 +4238,7 @@
         </p:spPr>
         <p:txBody>
           <a:bodyPr>
-            <a:normAutofit fontScale="92500" lnSpcReduction="10000"/>
+            <a:normAutofit/>
           </a:bodyPr>
           <a:lstStyle/>
           <a:p>
@@ -4126,22 +4247,7 @@
             </a:pPr>
             <a:r>
               <a:rPr lang="ru-RU" dirty="0"/>
-              <a:t>Программа будет помогать в решении непосредственно практических задач, но не только этим она будет актуальна. </a:t>
-            </a:r>
-          </a:p>
-          <a:p>
-            <a:pPr marL="0" indent="0">
-              <a:buNone/>
-            </a:pPr>
-            <a:endParaRPr lang="ru-RU" dirty="0"/>
-          </a:p>
-          <a:p>
-            <a:pPr marL="0" indent="0">
-              <a:buNone/>
-            </a:pPr>
-            <a:r>
-              <a:rPr lang="ru-RU" dirty="0"/>
-              <a:t>На уроках информатики я заметил, что на компьютерах есть только одна физическая модель – пушка. Смысл данной программы состоит в том, что пользователь должен ввести угол наклона дула пушки, скорость, с которой вылетит ядро и попытаться тем самым сбить цели. Именно тогда во мне зародилась мысль, что объединение физики и программирования может дать хороший результат. Но больше моделей на компьютерах не было. Мой учитель информатики, Серебрякова Татьяна Викторовна, подсказала мне, что моя программа сможет помочь не только в решении практических задач, но и в обучении учеников на уроках информатики. Благодаря этой модели, они лучше поймут смысл использования программирования в повседневной жизни. </a:t>
+              <a:t>На уроках информатики я заметил, что на компьютерах есть только одна физическая модель – пушка. Смысл данной программы состоит в том, что пользователь должен ввести угол наклона дула пушки, скорость, с которой вылетит ядро и попытаться тем самым сбить цели. Именно тогда во мне зародилась мысль, что объединение физики и программирования может дать хороший результат. Но больше моделей на компьютерах не было. Мой учитель информатики, Серебрякова Татьяна Викторовна, подсказала мне, что моя программа сможет помочь в обучении учеников на уроках информатики. Благодаря этой модели, они лучше поймут смысл использования программирования в повседневной жизни. </a:t>
             </a:r>
           </a:p>
           <a:p>
@@ -4241,74 +4347,31 @@
           <a:bodyPr/>
           <a:lstStyle/>
           <a:p>
-            <a:pPr marL="0" indent="0">
+            <a:pPr marL="0" indent="0" algn="ctr">
               <a:buNone/>
             </a:pPr>
+            <a:endParaRPr lang="ru-RU" dirty="0"/>
+          </a:p>
+          <a:p>
+            <a:pPr marL="0" indent="0" algn="ctr">
+              <a:buNone/>
+            </a:pPr>
+            <a:endParaRPr lang="ru-RU" dirty="0"/>
+          </a:p>
+          <a:p>
+            <a:pPr marL="0" indent="0" algn="ctr">
+              <a:buNone/>
+            </a:pPr>
+            <a:endParaRPr lang="ru-RU" dirty="0"/>
+          </a:p>
+          <a:p>
+            <a:pPr marL="0" indent="0" algn="ctr">
+              <a:buNone/>
+            </a:pPr>
             <a:r>
               <a:rPr lang="ru-RU" dirty="0"/>
-              <a:t>Создание программы, рассчитывающей время кипения воды в зависимости от: объема воды</a:t>
-            </a:r>
-            <a:r>
-              <a:rPr lang="en-US" dirty="0"/>
-              <a:t>,</a:t>
-            </a:r>
-            <a:r>
-              <a:rPr lang="ru-RU" dirty="0"/>
-              <a:t> материала, из которого сделан котелок</a:t>
-            </a:r>
-            <a:r>
-              <a:rPr lang="en-US" dirty="0"/>
-              <a:t>,</a:t>
-            </a:r>
-            <a:r>
-              <a:rPr lang="ru-RU" dirty="0"/>
-              <a:t> массы котелка</a:t>
-            </a:r>
-            <a:r>
-              <a:rPr lang="en-US" dirty="0"/>
-              <a:t>,</a:t>
-            </a:r>
-            <a:r>
-              <a:rPr lang="ru-RU" dirty="0"/>
-              <a:t> начальной температуры воды</a:t>
-            </a:r>
-            <a:r>
-              <a:rPr lang="en-US" dirty="0"/>
-              <a:t>,</a:t>
-            </a:r>
-            <a:r>
-              <a:rPr lang="ru-RU" dirty="0"/>
-              <a:t> мощности горелки. </a:t>
-            </a:r>
-          </a:p>
-          <a:p>
-            <a:pPr marL="0" indent="0">
-              <a:buNone/>
-            </a:pPr>
-            <a:r>
-              <a:rPr lang="ru-RU" dirty="0"/>
-              <a:t>Также, программа должна уметь показывать график зависимости температуры от времени. </a:t>
-            </a:r>
-          </a:p>
-          <a:p>
-            <a:pPr marL="0" indent="0">
-              <a:buNone/>
-            </a:pPr>
-            <a:r>
-              <a:rPr lang="ru-RU" dirty="0"/>
-              <a:t>У программы должен быть графический интерфейс, понятный и удобный для </a:t>
-            </a:r>
-            <a:r>
-              <a:rPr lang="ru-RU" dirty="0" err="1"/>
-              <a:t>пользователся</a:t>
-            </a:r>
-            <a:r>
-              <a:rPr lang="ru-RU" dirty="0"/>
-              <a:t>.</a:t>
-            </a:r>
-          </a:p>
-          <a:p>
-            <a:endParaRPr lang="ru-RU" dirty="0"/>
+              <a:t>Создание физической модели на языке программирования</a:t>
+            </a:r>
           </a:p>
         </p:txBody>
       </p:sp>
@@ -4347,58 +4410,117 @@
           <p:cNvPr id="2" name="Заголовок 1">
             <a:extLst>
               <a:ext uri="{FF2B5EF4-FFF2-40B4-BE49-F238E27FC236}">
-                <a16:creationId xmlns:a16="http://schemas.microsoft.com/office/drawing/2014/main" id="{593B06AA-55D7-4B3F-8A86-147460C4B6E1}"/>
-              </a:ext>
-            </a:extLst>
-          </p:cNvPr>
-          <p:cNvSpPr>
-            <a:spLocks noGrp="1"/>
-          </p:cNvSpPr>
-          <p:nvPr>
-            <p:ph type="ctrTitle"/>
-          </p:nvPr>
-        </p:nvSpPr>
-        <p:spPr/>
-        <p:txBody>
-          <a:bodyPr/>
-          <a:lstStyle/>
-          <a:p>
-            <a:r>
-              <a:rPr lang="ru-RU" b="1" dirty="0"/>
-              <a:t>Физика</a:t>
-            </a:r>
-          </a:p>
-        </p:txBody>
-      </p:sp>
-      <p:sp>
-        <p:nvSpPr>
-          <p:cNvPr id="3" name="Подзаголовок 2">
-            <a:extLst>
-              <a:ext uri="{FF2B5EF4-FFF2-40B4-BE49-F238E27FC236}">
-                <a16:creationId xmlns:a16="http://schemas.microsoft.com/office/drawing/2014/main" id="{9479161F-DBAF-4A05-B5A4-9DB287040FDE}"/>
-              </a:ext>
-            </a:extLst>
-          </p:cNvPr>
-          <p:cNvSpPr>
-            <a:spLocks noGrp="1"/>
-          </p:cNvSpPr>
-          <p:nvPr>
-            <p:ph type="subTitle" idx="1"/>
-          </p:nvPr>
-        </p:nvSpPr>
-        <p:spPr/>
-        <p:txBody>
-          <a:bodyPr/>
-          <a:lstStyle/>
-          <a:p>
-            <a:endParaRPr lang="ru-RU"/>
+                <a16:creationId xmlns:a16="http://schemas.microsoft.com/office/drawing/2014/main" id="{F78F8DAD-74E7-485E-98FF-07185262B4B3}"/>
+              </a:ext>
+            </a:extLst>
+          </p:cNvPr>
+          <p:cNvSpPr>
+            <a:spLocks noGrp="1"/>
+          </p:cNvSpPr>
+          <p:nvPr>
+            <p:ph type="title"/>
+          </p:nvPr>
+        </p:nvSpPr>
+        <p:spPr/>
+        <p:txBody>
+          <a:bodyPr/>
+          <a:lstStyle/>
+          <a:p>
+            <a:pPr algn="ctr"/>
+            <a:r>
+              <a:rPr lang="ru-RU" dirty="0"/>
+              <a:t>Задачи</a:t>
+            </a:r>
+          </a:p>
+        </p:txBody>
+      </p:sp>
+      <p:sp>
+        <p:nvSpPr>
+          <p:cNvPr id="3" name="Объект 2">
+            <a:extLst>
+              <a:ext uri="{FF2B5EF4-FFF2-40B4-BE49-F238E27FC236}">
+                <a16:creationId xmlns:a16="http://schemas.microsoft.com/office/drawing/2014/main" id="{37CA28C8-54B5-4F67-B25A-7E8CED0F4524}"/>
+              </a:ext>
+            </a:extLst>
+          </p:cNvPr>
+          <p:cNvSpPr>
+            <a:spLocks noGrp="1"/>
+          </p:cNvSpPr>
+          <p:nvPr>
+            <p:ph idx="1"/>
+          </p:nvPr>
+        </p:nvSpPr>
+        <p:spPr/>
+        <p:txBody>
+          <a:bodyPr/>
+          <a:lstStyle/>
+          <a:p>
+            <a:pPr marL="514350" indent="-514350">
+              <a:buFont typeface="+mj-lt"/>
+              <a:buAutoNum type="arabicParenR"/>
+            </a:pPr>
+            <a:r>
+              <a:rPr lang="ru-RU" dirty="0"/>
+              <a:t>Выбрать физическую модель</a:t>
+            </a:r>
+          </a:p>
+          <a:p>
+            <a:pPr marL="514350" indent="-514350">
+              <a:buFont typeface="+mj-lt"/>
+              <a:buAutoNum type="arabicParenR"/>
+            </a:pPr>
+            <a:endParaRPr lang="ru-RU" dirty="0"/>
+          </a:p>
+          <a:p>
+            <a:pPr marL="514350" indent="-514350">
+              <a:buFont typeface="+mj-lt"/>
+              <a:buAutoNum type="arabicParenR"/>
+            </a:pPr>
+            <a:r>
+              <a:rPr lang="ru-RU" dirty="0"/>
+              <a:t>Выбрать язык программирования</a:t>
+            </a:r>
+          </a:p>
+          <a:p>
+            <a:pPr marL="514350" indent="-514350">
+              <a:buFont typeface="+mj-lt"/>
+              <a:buAutoNum type="arabicParenR"/>
+            </a:pPr>
+            <a:endParaRPr lang="ru-RU" dirty="0"/>
+          </a:p>
+          <a:p>
+            <a:pPr marL="514350" indent="-514350">
+              <a:buFont typeface="+mj-lt"/>
+              <a:buAutoNum type="arabicParenR"/>
+            </a:pPr>
+            <a:r>
+              <a:rPr lang="ru-RU" dirty="0"/>
+              <a:t>Написать программу, которая описывает выбранную модель</a:t>
+            </a:r>
+          </a:p>
+          <a:p>
+            <a:pPr marL="514350" indent="-514350">
+              <a:buFont typeface="+mj-lt"/>
+              <a:buAutoNum type="arabicParenR"/>
+            </a:pPr>
+            <a:endParaRPr lang="ru-RU" dirty="0"/>
+          </a:p>
+          <a:p>
+            <a:pPr marL="514350" indent="-514350">
+              <a:buFont typeface="+mj-lt"/>
+              <a:buAutoNum type="arabicParenR"/>
+            </a:pPr>
+            <a:r>
+              <a:rPr lang="ru-RU" dirty="0"/>
+              <a:t>Написать графический интерфейс, понятный и удобный для пользователя</a:t>
+            </a:r>
           </a:p>
         </p:txBody>
       </p:sp>
     </p:spTree>
     <p:extLst>
       <p:ext uri="{BB962C8B-B14F-4D97-AF65-F5344CB8AC3E}">
-        <p14:creationId xmlns:p14="http://schemas.microsoft.com/office/powerpoint/2010/main" val="2570116359"/>
+        <p14:creationId xmlns:p14="http://schemas.microsoft.com/office/powerpoint/2010/main" val="1342642381"/>
       </p:ext>
     </p:extLst>
   </p:cSld>
@@ -4430,7 +4552,7 @@
           <p:cNvPr id="2" name="Заголовок 1">
             <a:extLst>
               <a:ext uri="{FF2B5EF4-FFF2-40B4-BE49-F238E27FC236}">
-                <a16:creationId xmlns:a16="http://schemas.microsoft.com/office/drawing/2014/main" id="{BBEBA17C-7ED6-4737-AADF-30CDEB41D718}"/>
+                <a16:creationId xmlns:a16="http://schemas.microsoft.com/office/drawing/2014/main" id="{593B06AA-55D7-4B3F-8A86-147460C4B6E1}"/>
               </a:ext>
             </a:extLst>
           </p:cNvPr>
@@ -4447,8 +4569,8 @@
           <a:lstStyle/>
           <a:p>
             <a:r>
-              <a:rPr lang="ru-RU" dirty="0"/>
-              <a:t>Почему именно физика?</a:t>
+              <a:rPr lang="ru-RU" b="1" dirty="0"/>
+              <a:t>Физика</a:t>
             </a:r>
           </a:p>
         </p:txBody>
@@ -4458,7 +4580,7 @@
           <p:cNvPr id="3" name="Подзаголовок 2">
             <a:extLst>
               <a:ext uri="{FF2B5EF4-FFF2-40B4-BE49-F238E27FC236}">
-                <a16:creationId xmlns:a16="http://schemas.microsoft.com/office/drawing/2014/main" id="{B95074A2-2CEE-47D1-9EFA-084769B7EB25}"/>
+                <a16:creationId xmlns:a16="http://schemas.microsoft.com/office/drawing/2014/main" id="{9479161F-DBAF-4A05-B5A4-9DB287040FDE}"/>
               </a:ext>
             </a:extLst>
           </p:cNvPr>
@@ -4474,14 +4596,14 @@
           <a:bodyPr/>
           <a:lstStyle/>
           <a:p>
-            <a:endParaRPr lang="ru-RU" dirty="0"/>
+            <a:endParaRPr lang="ru-RU"/>
           </a:p>
         </p:txBody>
       </p:sp>
     </p:spTree>
     <p:extLst>
       <p:ext uri="{BB962C8B-B14F-4D97-AF65-F5344CB8AC3E}">
-        <p14:creationId xmlns:p14="http://schemas.microsoft.com/office/powerpoint/2010/main" val="1330530769"/>
+        <p14:creationId xmlns:p14="http://schemas.microsoft.com/office/powerpoint/2010/main" val="2570116359"/>
       </p:ext>
     </p:extLst>
   </p:cSld>
@@ -4513,376 +4635,50 @@
           <p:cNvPr id="2" name="Заголовок 1">
             <a:extLst>
               <a:ext uri="{FF2B5EF4-FFF2-40B4-BE49-F238E27FC236}">
-                <a16:creationId xmlns:a16="http://schemas.microsoft.com/office/drawing/2014/main" id="{B570436A-8517-42DD-B801-106B3A89AF41}"/>
-              </a:ext>
-            </a:extLst>
-          </p:cNvPr>
-          <p:cNvSpPr>
-            <a:spLocks noGrp="1"/>
-          </p:cNvSpPr>
-          <p:nvPr>
-            <p:ph type="title"/>
-          </p:nvPr>
-        </p:nvSpPr>
-        <p:spPr/>
-        <p:txBody>
-          <a:bodyPr/>
-          <a:lstStyle/>
-          <a:p>
-            <a:pPr algn="ctr"/>
-            <a:r>
-              <a:rPr lang="ru-RU" b="1" dirty="0"/>
-              <a:t>Формулы</a:t>
-            </a:r>
-          </a:p>
-        </p:txBody>
-      </p:sp>
-      <p:sp>
-        <p:nvSpPr>
-          <p:cNvPr id="3" name="Текст 2">
-            <a:extLst>
-              <a:ext uri="{FF2B5EF4-FFF2-40B4-BE49-F238E27FC236}">
-                <a16:creationId xmlns:a16="http://schemas.microsoft.com/office/drawing/2014/main" id="{A3C02124-6D32-4352-9514-C0145A16C8E8}"/>
-              </a:ext>
-            </a:extLst>
-          </p:cNvPr>
-          <p:cNvSpPr>
-            <a:spLocks noGrp="1"/>
-          </p:cNvSpPr>
-          <p:nvPr>
-            <p:ph type="body" idx="1"/>
-          </p:nvPr>
-        </p:nvSpPr>
-        <p:spPr/>
-        <p:txBody>
-          <a:bodyPr>
-            <a:normAutofit/>
-          </a:bodyPr>
-          <a:lstStyle/>
-          <a:p>
-            <a:pPr algn="ctr"/>
-            <a:r>
-              <a:rPr lang="ru-RU" sz="3600" b="0" dirty="0"/>
-              <a:t>Количество теплоты</a:t>
-            </a:r>
-          </a:p>
-        </p:txBody>
-      </p:sp>
-      <p:sp>
-        <p:nvSpPr>
-          <p:cNvPr id="4" name="Объект 3">
-            <a:extLst>
-              <a:ext uri="{FF2B5EF4-FFF2-40B4-BE49-F238E27FC236}">
-                <a16:creationId xmlns:a16="http://schemas.microsoft.com/office/drawing/2014/main" id="{1538EE1F-8C5E-4ABA-98E9-FC11B948641A}"/>
-              </a:ext>
-            </a:extLst>
-          </p:cNvPr>
-          <p:cNvSpPr>
-            <a:spLocks noGrp="1"/>
-          </p:cNvSpPr>
-          <p:nvPr>
-            <p:ph sz="half" idx="2"/>
-          </p:nvPr>
-        </p:nvSpPr>
-        <p:spPr>
-          <a:xfrm>
-            <a:off x="839788" y="2677211"/>
-            <a:ext cx="5157787" cy="3512451"/>
-          </a:xfrm>
-        </p:spPr>
-        <p:txBody>
-          <a:bodyPr>
-            <a:normAutofit/>
-          </a:bodyPr>
-          <a:lstStyle/>
-          <a:p>
-            <a:pPr marL="0" indent="0" algn="ctr">
-              <a:buNone/>
-            </a:pPr>
-            <a:r>
-              <a:rPr lang="en-US" b="1" dirty="0"/>
-              <a:t>Q = cm</a:t>
-            </a:r>
-            <a:r>
-              <a:rPr lang="el-GR" b="1" dirty="0"/>
-              <a:t>Δ</a:t>
-            </a:r>
-            <a:r>
-              <a:rPr lang="en-US" b="1" dirty="0"/>
-              <a:t>t</a:t>
-            </a:r>
-          </a:p>
-          <a:p>
-            <a:pPr marL="0" indent="0">
-              <a:buNone/>
-            </a:pPr>
-            <a:r>
-              <a:rPr lang="en-US" dirty="0"/>
-              <a:t>Q – </a:t>
-            </a:r>
+                <a16:creationId xmlns:a16="http://schemas.microsoft.com/office/drawing/2014/main" id="{BBEBA17C-7ED6-4737-AADF-30CDEB41D718}"/>
+              </a:ext>
+            </a:extLst>
+          </p:cNvPr>
+          <p:cNvSpPr>
+            <a:spLocks noGrp="1"/>
+          </p:cNvSpPr>
+          <p:nvPr>
+            <p:ph type="ctrTitle"/>
+          </p:nvPr>
+        </p:nvSpPr>
+        <p:spPr/>
+        <p:txBody>
+          <a:bodyPr/>
+          <a:lstStyle/>
+          <a:p>
             <a:r>
               <a:rPr lang="ru-RU" dirty="0"/>
-              <a:t>количество теплоты</a:t>
-            </a:r>
-            <a:r>
-              <a:rPr lang="en-US" dirty="0"/>
-              <a:t>,</a:t>
-            </a:r>
-            <a:r>
-              <a:rPr lang="ru-RU" dirty="0"/>
-              <a:t> Дж</a:t>
-            </a:r>
-          </a:p>
-          <a:p>
-            <a:pPr marL="0" indent="0">
-              <a:buNone/>
-            </a:pPr>
-            <a:r>
-              <a:rPr lang="en-US" dirty="0"/>
-              <a:t>c – </a:t>
-            </a:r>
-            <a:r>
-              <a:rPr lang="ru-RU" dirty="0"/>
-              <a:t>удельная теплоемкость вещества</a:t>
-            </a:r>
-            <a:r>
-              <a:rPr lang="en-US" dirty="0"/>
-              <a:t>, </a:t>
-            </a:r>
-            <a:r>
-              <a:rPr lang="ru-RU" dirty="0"/>
-              <a:t>Дж / кг * </a:t>
-            </a:r>
-            <a:r>
-              <a:rPr lang="en-US" dirty="0"/>
-              <a:t>°C</a:t>
-            </a:r>
-            <a:endParaRPr lang="ru-RU" dirty="0"/>
-          </a:p>
-          <a:p>
-            <a:pPr marL="0" indent="0">
-              <a:buNone/>
-            </a:pPr>
-            <a:r>
-              <a:rPr lang="en-US" dirty="0"/>
-              <a:t>m – </a:t>
-            </a:r>
-            <a:r>
-              <a:rPr lang="ru-RU" dirty="0"/>
-              <a:t>масса вещества</a:t>
-            </a:r>
-            <a:r>
-              <a:rPr lang="en-US" dirty="0"/>
-              <a:t>, </a:t>
-            </a:r>
-            <a:r>
-              <a:rPr lang="ru-RU" dirty="0"/>
-              <a:t>кг</a:t>
-            </a:r>
-          </a:p>
-          <a:p>
-            <a:pPr marL="0" indent="0">
-              <a:buNone/>
-            </a:pPr>
-            <a:r>
-              <a:rPr lang="el-GR" dirty="0"/>
-              <a:t>Δ</a:t>
-            </a:r>
-            <a:r>
-              <a:rPr lang="en-US" dirty="0"/>
-              <a:t>t</a:t>
-            </a:r>
-            <a:r>
-              <a:rPr lang="ru-RU" dirty="0"/>
-              <a:t> – изменение температуры</a:t>
-            </a:r>
-            <a:r>
-              <a:rPr lang="en-US" dirty="0"/>
-              <a:t>, °C</a:t>
-            </a:r>
-            <a:endParaRPr lang="ru-RU" dirty="0"/>
-          </a:p>
-          <a:p>
-            <a:pPr marL="0" indent="0">
-              <a:buNone/>
-            </a:pPr>
-            <a:endParaRPr lang="en-US" dirty="0"/>
-          </a:p>
-          <a:p>
-            <a:pPr marL="0" indent="0">
-              <a:buNone/>
-            </a:pPr>
-            <a:endParaRPr lang="en-US" dirty="0"/>
-          </a:p>
-          <a:p>
-            <a:pPr marL="0" indent="0">
-              <a:buNone/>
-            </a:pPr>
-            <a:endParaRPr lang="ru-RU" dirty="0"/>
-          </a:p>
-        </p:txBody>
-      </p:sp>
-      <p:sp>
-        <p:nvSpPr>
-          <p:cNvPr id="5" name="Текст 4">
-            <a:extLst>
-              <a:ext uri="{FF2B5EF4-FFF2-40B4-BE49-F238E27FC236}">
-                <a16:creationId xmlns:a16="http://schemas.microsoft.com/office/drawing/2014/main" id="{4D72D778-75C4-4A4C-B5FD-F63EF50C99DB}"/>
-              </a:ext>
-            </a:extLst>
-          </p:cNvPr>
-          <p:cNvSpPr>
-            <a:spLocks noGrp="1"/>
-          </p:cNvSpPr>
-          <p:nvPr>
-            <p:ph type="body" sz="quarter" idx="3"/>
-          </p:nvPr>
-        </p:nvSpPr>
-        <p:spPr/>
-        <p:txBody>
-          <a:bodyPr>
-            <a:normAutofit/>
-          </a:bodyPr>
-          <a:lstStyle/>
-          <a:p>
-            <a:pPr algn="ctr"/>
-            <a:r>
-              <a:rPr lang="ru-RU" sz="3600" b="0" dirty="0"/>
-              <a:t>Мощность</a:t>
-            </a:r>
-          </a:p>
-        </p:txBody>
-      </p:sp>
-      <p:sp>
-        <p:nvSpPr>
-          <p:cNvPr id="6" name="Объект 5">
-            <a:extLst>
-              <a:ext uri="{FF2B5EF4-FFF2-40B4-BE49-F238E27FC236}">
-                <a16:creationId xmlns:a16="http://schemas.microsoft.com/office/drawing/2014/main" id="{4F86ADCB-8DFD-41FD-932B-1CD0757CA067}"/>
-              </a:ext>
-            </a:extLst>
-          </p:cNvPr>
-          <p:cNvSpPr>
-            <a:spLocks noGrp="1"/>
-          </p:cNvSpPr>
-          <p:nvPr>
-            <p:ph sz="quarter" idx="4"/>
-          </p:nvPr>
-        </p:nvSpPr>
-        <p:spPr>
-          <a:xfrm>
-            <a:off x="6172200" y="2677211"/>
-            <a:ext cx="5183188" cy="3512452"/>
-          </a:xfrm>
-        </p:spPr>
-        <p:txBody>
-          <a:bodyPr>
-            <a:normAutofit/>
-          </a:bodyPr>
-          <a:lstStyle/>
-          <a:p>
-            <a:pPr marL="0" indent="0" algn="ctr">
-              <a:buNone/>
-            </a:pPr>
-            <a:r>
-              <a:rPr lang="en-US" b="1" dirty="0"/>
-              <a:t>P = A / t</a:t>
-            </a:r>
-          </a:p>
-          <a:p>
-            <a:pPr marL="0" indent="0">
-              <a:buNone/>
-            </a:pPr>
-            <a:r>
-              <a:rPr lang="en-US" b="1" dirty="0"/>
-              <a:t>A = Q</a:t>
-            </a:r>
-            <a:r>
-              <a:rPr lang="en-US" dirty="0"/>
-              <a:t>, </a:t>
-            </a:r>
-            <a:r>
-              <a:rPr lang="ru-RU" dirty="0"/>
-              <a:t>следовательно</a:t>
-            </a:r>
-            <a:endParaRPr lang="en-US" dirty="0"/>
-          </a:p>
-          <a:p>
-            <a:pPr marL="0" indent="0">
-              <a:buNone/>
-            </a:pPr>
-            <a:r>
-              <a:rPr lang="en-US" b="1" dirty="0"/>
-              <a:t>t = Q / P</a:t>
-            </a:r>
-          </a:p>
-          <a:p>
-            <a:pPr marL="0" indent="0">
-              <a:buNone/>
-            </a:pPr>
-            <a:r>
-              <a:rPr lang="en-US" dirty="0"/>
-              <a:t>P </a:t>
-            </a:r>
-            <a:r>
-              <a:rPr lang="ru-RU" dirty="0"/>
-              <a:t>– мощность</a:t>
-            </a:r>
-            <a:r>
-              <a:rPr lang="en-US" dirty="0"/>
-              <a:t>, </a:t>
-            </a:r>
-            <a:r>
-              <a:rPr lang="ru-RU" dirty="0"/>
-              <a:t>Вт</a:t>
-            </a:r>
-          </a:p>
-          <a:p>
-            <a:pPr marL="0" indent="0">
-              <a:buNone/>
-            </a:pPr>
-            <a:r>
-              <a:rPr lang="en-US" dirty="0"/>
-              <a:t>A – </a:t>
-            </a:r>
-            <a:r>
-              <a:rPr lang="ru-RU" dirty="0"/>
-              <a:t>работа</a:t>
-            </a:r>
-            <a:r>
-              <a:rPr lang="en-US" dirty="0"/>
-              <a:t>, </a:t>
-            </a:r>
-            <a:r>
-              <a:rPr lang="ru-RU" dirty="0"/>
-              <a:t>Дж</a:t>
-            </a:r>
-          </a:p>
-          <a:p>
-            <a:pPr marL="0" indent="0">
-              <a:buNone/>
-            </a:pPr>
-            <a:r>
-              <a:rPr lang="en-US" dirty="0"/>
-              <a:t>t – </a:t>
-            </a:r>
-            <a:r>
-              <a:rPr lang="ru-RU" dirty="0"/>
-              <a:t>время</a:t>
-            </a:r>
-            <a:r>
-              <a:rPr lang="en-US" dirty="0"/>
-              <a:t>, </a:t>
-            </a:r>
-            <a:r>
-              <a:rPr lang="ru-RU" dirty="0"/>
-              <a:t>с</a:t>
-            </a:r>
-          </a:p>
-          <a:p>
-            <a:pPr marL="0" indent="0">
-              <a:buNone/>
-            </a:pPr>
+              <a:t>Почему именно физика?</a:t>
+            </a:r>
+          </a:p>
+        </p:txBody>
+      </p:sp>
+      <p:sp>
+        <p:nvSpPr>
+          <p:cNvPr id="3" name="Подзаголовок 2">
+            <a:extLst>
+              <a:ext uri="{FF2B5EF4-FFF2-40B4-BE49-F238E27FC236}">
+                <a16:creationId xmlns:a16="http://schemas.microsoft.com/office/drawing/2014/main" id="{B95074A2-2CEE-47D1-9EFA-084769B7EB25}"/>
+              </a:ext>
+            </a:extLst>
+          </p:cNvPr>
+          <p:cNvSpPr>
+            <a:spLocks noGrp="1"/>
+          </p:cNvSpPr>
+          <p:nvPr>
+            <p:ph type="subTitle" idx="1"/>
+          </p:nvPr>
+        </p:nvSpPr>
+        <p:spPr/>
+        <p:txBody>
+          <a:bodyPr/>
+          <a:lstStyle/>
+          <a:p>
             <a:endParaRPr lang="ru-RU" dirty="0"/>
           </a:p>
         </p:txBody>
@@ -4890,7 +4686,7 @@
     </p:spTree>
     <p:extLst>
       <p:ext uri="{BB962C8B-B14F-4D97-AF65-F5344CB8AC3E}">
-        <p14:creationId xmlns:p14="http://schemas.microsoft.com/office/powerpoint/2010/main" val="1485155102"/>
+        <p14:creationId xmlns:p14="http://schemas.microsoft.com/office/powerpoint/2010/main" val="1330530769"/>
       </p:ext>
     </p:extLst>
   </p:cSld>
@@ -4922,50 +4718,376 @@
           <p:cNvPr id="2" name="Заголовок 1">
             <a:extLst>
               <a:ext uri="{FF2B5EF4-FFF2-40B4-BE49-F238E27FC236}">
-                <a16:creationId xmlns:a16="http://schemas.microsoft.com/office/drawing/2014/main" id="{0E8AFAE8-38E9-419D-B3B5-F01C8FEE4714}"/>
-              </a:ext>
-            </a:extLst>
-          </p:cNvPr>
-          <p:cNvSpPr>
-            <a:spLocks noGrp="1"/>
-          </p:cNvSpPr>
-          <p:nvPr>
-            <p:ph type="ctrTitle"/>
-          </p:nvPr>
-        </p:nvSpPr>
-        <p:spPr/>
-        <p:txBody>
-          <a:bodyPr/>
-          <a:lstStyle/>
-          <a:p>
+                <a16:creationId xmlns:a16="http://schemas.microsoft.com/office/drawing/2014/main" id="{B570436A-8517-42DD-B801-106B3A89AF41}"/>
+              </a:ext>
+            </a:extLst>
+          </p:cNvPr>
+          <p:cNvSpPr>
+            <a:spLocks noGrp="1"/>
+          </p:cNvSpPr>
+          <p:nvPr>
+            <p:ph type="title"/>
+          </p:nvPr>
+        </p:nvSpPr>
+        <p:spPr/>
+        <p:txBody>
+          <a:bodyPr/>
+          <a:lstStyle/>
+          <a:p>
+            <a:pPr algn="ctr"/>
             <a:r>
               <a:rPr lang="ru-RU" b="1" dirty="0"/>
-              <a:t>Программирование</a:t>
-            </a:r>
-          </a:p>
-        </p:txBody>
-      </p:sp>
-      <p:sp>
-        <p:nvSpPr>
-          <p:cNvPr id="3" name="Подзаголовок 2">
-            <a:extLst>
-              <a:ext uri="{FF2B5EF4-FFF2-40B4-BE49-F238E27FC236}">
-                <a16:creationId xmlns:a16="http://schemas.microsoft.com/office/drawing/2014/main" id="{32258625-2179-48E9-9699-9B3FA99A5026}"/>
-              </a:ext>
-            </a:extLst>
-          </p:cNvPr>
-          <p:cNvSpPr>
-            <a:spLocks noGrp="1"/>
-          </p:cNvSpPr>
-          <p:nvPr>
-            <p:ph type="subTitle" idx="1"/>
-          </p:nvPr>
-        </p:nvSpPr>
-        <p:spPr/>
-        <p:txBody>
-          <a:bodyPr/>
-          <a:lstStyle/>
-          <a:p>
+              <a:t>Формулы</a:t>
+            </a:r>
+          </a:p>
+        </p:txBody>
+      </p:sp>
+      <p:sp>
+        <p:nvSpPr>
+          <p:cNvPr id="3" name="Текст 2">
+            <a:extLst>
+              <a:ext uri="{FF2B5EF4-FFF2-40B4-BE49-F238E27FC236}">
+                <a16:creationId xmlns:a16="http://schemas.microsoft.com/office/drawing/2014/main" id="{A3C02124-6D32-4352-9514-C0145A16C8E8}"/>
+              </a:ext>
+            </a:extLst>
+          </p:cNvPr>
+          <p:cNvSpPr>
+            <a:spLocks noGrp="1"/>
+          </p:cNvSpPr>
+          <p:nvPr>
+            <p:ph type="body" idx="1"/>
+          </p:nvPr>
+        </p:nvSpPr>
+        <p:spPr/>
+        <p:txBody>
+          <a:bodyPr>
+            <a:normAutofit/>
+          </a:bodyPr>
+          <a:lstStyle/>
+          <a:p>
+            <a:pPr algn="ctr"/>
+            <a:r>
+              <a:rPr lang="ru-RU" sz="3600" b="0" dirty="0"/>
+              <a:t>Количество теплоты</a:t>
+            </a:r>
+          </a:p>
+        </p:txBody>
+      </p:sp>
+      <p:sp>
+        <p:nvSpPr>
+          <p:cNvPr id="4" name="Объект 3">
+            <a:extLst>
+              <a:ext uri="{FF2B5EF4-FFF2-40B4-BE49-F238E27FC236}">
+                <a16:creationId xmlns:a16="http://schemas.microsoft.com/office/drawing/2014/main" id="{1538EE1F-8C5E-4ABA-98E9-FC11B948641A}"/>
+              </a:ext>
+            </a:extLst>
+          </p:cNvPr>
+          <p:cNvSpPr>
+            <a:spLocks noGrp="1"/>
+          </p:cNvSpPr>
+          <p:nvPr>
+            <p:ph sz="half" idx="2"/>
+          </p:nvPr>
+        </p:nvSpPr>
+        <p:spPr>
+          <a:xfrm>
+            <a:off x="839788" y="2677211"/>
+            <a:ext cx="5157787" cy="3512451"/>
+          </a:xfrm>
+        </p:spPr>
+        <p:txBody>
+          <a:bodyPr>
+            <a:normAutofit/>
+          </a:bodyPr>
+          <a:lstStyle/>
+          <a:p>
+            <a:pPr marL="0" indent="0" algn="ctr">
+              <a:buNone/>
+            </a:pPr>
+            <a:r>
+              <a:rPr lang="en-US" b="1" dirty="0"/>
+              <a:t>Q = cm</a:t>
+            </a:r>
+            <a:r>
+              <a:rPr lang="el-GR" b="1" dirty="0"/>
+              <a:t>Δ</a:t>
+            </a:r>
+            <a:r>
+              <a:rPr lang="en-US" b="1" dirty="0"/>
+              <a:t>t</a:t>
+            </a:r>
+          </a:p>
+          <a:p>
+            <a:pPr marL="0" indent="0">
+              <a:buNone/>
+            </a:pPr>
+            <a:r>
+              <a:rPr lang="en-US" dirty="0"/>
+              <a:t>Q – </a:t>
+            </a:r>
+            <a:r>
+              <a:rPr lang="ru-RU" dirty="0"/>
+              <a:t>количество теплоты</a:t>
+            </a:r>
+            <a:r>
+              <a:rPr lang="en-US" dirty="0"/>
+              <a:t>,</a:t>
+            </a:r>
+            <a:r>
+              <a:rPr lang="ru-RU" dirty="0"/>
+              <a:t> Дж</a:t>
+            </a:r>
+          </a:p>
+          <a:p>
+            <a:pPr marL="0" indent="0">
+              <a:buNone/>
+            </a:pPr>
+            <a:r>
+              <a:rPr lang="en-US" dirty="0"/>
+              <a:t>c – </a:t>
+            </a:r>
+            <a:r>
+              <a:rPr lang="ru-RU" dirty="0"/>
+              <a:t>удельная теплоемкость вещества</a:t>
+            </a:r>
+            <a:r>
+              <a:rPr lang="en-US" dirty="0"/>
+              <a:t>, </a:t>
+            </a:r>
+            <a:r>
+              <a:rPr lang="ru-RU" dirty="0"/>
+              <a:t>Дж / кг * </a:t>
+            </a:r>
+            <a:r>
+              <a:rPr lang="en-US" dirty="0"/>
+              <a:t>°C</a:t>
+            </a:r>
+            <a:endParaRPr lang="ru-RU" dirty="0"/>
+          </a:p>
+          <a:p>
+            <a:pPr marL="0" indent="0">
+              <a:buNone/>
+            </a:pPr>
+            <a:r>
+              <a:rPr lang="en-US" dirty="0"/>
+              <a:t>m – </a:t>
+            </a:r>
+            <a:r>
+              <a:rPr lang="ru-RU" dirty="0"/>
+              <a:t>масса вещества</a:t>
+            </a:r>
+            <a:r>
+              <a:rPr lang="en-US" dirty="0"/>
+              <a:t>, </a:t>
+            </a:r>
+            <a:r>
+              <a:rPr lang="ru-RU" dirty="0"/>
+              <a:t>кг</a:t>
+            </a:r>
+          </a:p>
+          <a:p>
+            <a:pPr marL="0" indent="0">
+              <a:buNone/>
+            </a:pPr>
+            <a:r>
+              <a:rPr lang="el-GR" dirty="0"/>
+              <a:t>Δ</a:t>
+            </a:r>
+            <a:r>
+              <a:rPr lang="en-US" dirty="0"/>
+              <a:t>t</a:t>
+            </a:r>
+            <a:r>
+              <a:rPr lang="ru-RU" dirty="0"/>
+              <a:t> – изменение температуры</a:t>
+            </a:r>
+            <a:r>
+              <a:rPr lang="en-US" dirty="0"/>
+              <a:t>, °C</a:t>
+            </a:r>
+            <a:endParaRPr lang="ru-RU" dirty="0"/>
+          </a:p>
+          <a:p>
+            <a:pPr marL="0" indent="0">
+              <a:buNone/>
+            </a:pPr>
+            <a:endParaRPr lang="en-US" dirty="0"/>
+          </a:p>
+          <a:p>
+            <a:pPr marL="0" indent="0">
+              <a:buNone/>
+            </a:pPr>
+            <a:endParaRPr lang="en-US" dirty="0"/>
+          </a:p>
+          <a:p>
+            <a:pPr marL="0" indent="0">
+              <a:buNone/>
+            </a:pPr>
+            <a:endParaRPr lang="ru-RU" dirty="0"/>
+          </a:p>
+        </p:txBody>
+      </p:sp>
+      <p:sp>
+        <p:nvSpPr>
+          <p:cNvPr id="5" name="Текст 4">
+            <a:extLst>
+              <a:ext uri="{FF2B5EF4-FFF2-40B4-BE49-F238E27FC236}">
+                <a16:creationId xmlns:a16="http://schemas.microsoft.com/office/drawing/2014/main" id="{4D72D778-75C4-4A4C-B5FD-F63EF50C99DB}"/>
+              </a:ext>
+            </a:extLst>
+          </p:cNvPr>
+          <p:cNvSpPr>
+            <a:spLocks noGrp="1"/>
+          </p:cNvSpPr>
+          <p:nvPr>
+            <p:ph type="body" sz="quarter" idx="3"/>
+          </p:nvPr>
+        </p:nvSpPr>
+        <p:spPr/>
+        <p:txBody>
+          <a:bodyPr>
+            <a:normAutofit/>
+          </a:bodyPr>
+          <a:lstStyle/>
+          <a:p>
+            <a:pPr algn="ctr"/>
+            <a:r>
+              <a:rPr lang="ru-RU" sz="3600" b="0" dirty="0"/>
+              <a:t>Мощность</a:t>
+            </a:r>
+          </a:p>
+        </p:txBody>
+      </p:sp>
+      <p:sp>
+        <p:nvSpPr>
+          <p:cNvPr id="6" name="Объект 5">
+            <a:extLst>
+              <a:ext uri="{FF2B5EF4-FFF2-40B4-BE49-F238E27FC236}">
+                <a16:creationId xmlns:a16="http://schemas.microsoft.com/office/drawing/2014/main" id="{4F86ADCB-8DFD-41FD-932B-1CD0757CA067}"/>
+              </a:ext>
+            </a:extLst>
+          </p:cNvPr>
+          <p:cNvSpPr>
+            <a:spLocks noGrp="1"/>
+          </p:cNvSpPr>
+          <p:nvPr>
+            <p:ph sz="quarter" idx="4"/>
+          </p:nvPr>
+        </p:nvSpPr>
+        <p:spPr>
+          <a:xfrm>
+            <a:off x="6172200" y="2677211"/>
+            <a:ext cx="5183188" cy="3512452"/>
+          </a:xfrm>
+        </p:spPr>
+        <p:txBody>
+          <a:bodyPr>
+            <a:normAutofit/>
+          </a:bodyPr>
+          <a:lstStyle/>
+          <a:p>
+            <a:pPr marL="0" indent="0" algn="ctr">
+              <a:buNone/>
+            </a:pPr>
+            <a:r>
+              <a:rPr lang="en-US" b="1" dirty="0"/>
+              <a:t>P = A / t</a:t>
+            </a:r>
+          </a:p>
+          <a:p>
+            <a:pPr marL="0" indent="0">
+              <a:buNone/>
+            </a:pPr>
+            <a:r>
+              <a:rPr lang="en-US" b="1" dirty="0"/>
+              <a:t>A = Q</a:t>
+            </a:r>
+            <a:r>
+              <a:rPr lang="en-US" dirty="0"/>
+              <a:t>, </a:t>
+            </a:r>
+            <a:r>
+              <a:rPr lang="ru-RU" dirty="0"/>
+              <a:t>следовательно</a:t>
+            </a:r>
+            <a:endParaRPr lang="en-US" dirty="0"/>
+          </a:p>
+          <a:p>
+            <a:pPr marL="0" indent="0">
+              <a:buNone/>
+            </a:pPr>
+            <a:r>
+              <a:rPr lang="en-US" b="1" dirty="0"/>
+              <a:t>t = Q / P</a:t>
+            </a:r>
+          </a:p>
+          <a:p>
+            <a:pPr marL="0" indent="0">
+              <a:buNone/>
+            </a:pPr>
+            <a:r>
+              <a:rPr lang="en-US" dirty="0"/>
+              <a:t>P </a:t>
+            </a:r>
+            <a:r>
+              <a:rPr lang="ru-RU" dirty="0"/>
+              <a:t>– мощность</a:t>
+            </a:r>
+            <a:r>
+              <a:rPr lang="en-US" dirty="0"/>
+              <a:t>, </a:t>
+            </a:r>
+            <a:r>
+              <a:rPr lang="ru-RU" dirty="0"/>
+              <a:t>Вт</a:t>
+            </a:r>
+          </a:p>
+          <a:p>
+            <a:pPr marL="0" indent="0">
+              <a:buNone/>
+            </a:pPr>
+            <a:r>
+              <a:rPr lang="en-US" dirty="0"/>
+              <a:t>A – </a:t>
+            </a:r>
+            <a:r>
+              <a:rPr lang="ru-RU" dirty="0"/>
+              <a:t>работа</a:t>
+            </a:r>
+            <a:r>
+              <a:rPr lang="en-US" dirty="0"/>
+              <a:t>, </a:t>
+            </a:r>
+            <a:r>
+              <a:rPr lang="ru-RU" dirty="0"/>
+              <a:t>Дж</a:t>
+            </a:r>
+          </a:p>
+          <a:p>
+            <a:pPr marL="0" indent="0">
+              <a:buNone/>
+            </a:pPr>
+            <a:r>
+              <a:rPr lang="en-US" dirty="0"/>
+              <a:t>t – </a:t>
+            </a:r>
+            <a:r>
+              <a:rPr lang="ru-RU" dirty="0"/>
+              <a:t>время</a:t>
+            </a:r>
+            <a:r>
+              <a:rPr lang="en-US" dirty="0"/>
+              <a:t>, </a:t>
+            </a:r>
+            <a:r>
+              <a:rPr lang="ru-RU" dirty="0"/>
+              <a:t>с</a:t>
+            </a:r>
+          </a:p>
+          <a:p>
+            <a:pPr marL="0" indent="0">
+              <a:buNone/>
+            </a:pPr>
             <a:endParaRPr lang="ru-RU" dirty="0"/>
           </a:p>
         </p:txBody>
@@ -4973,7 +5095,7 @@
     </p:spTree>
     <p:extLst>
       <p:ext uri="{BB962C8B-B14F-4D97-AF65-F5344CB8AC3E}">
-        <p14:creationId xmlns:p14="http://schemas.microsoft.com/office/powerpoint/2010/main" val="3823498613"/>
+        <p14:creationId xmlns:p14="http://schemas.microsoft.com/office/powerpoint/2010/main" val="1485155102"/>
       </p:ext>
     </p:extLst>
   </p:cSld>
@@ -5005,86 +5127,49 @@
           <p:cNvPr id="2" name="Заголовок 1">
             <a:extLst>
               <a:ext uri="{FF2B5EF4-FFF2-40B4-BE49-F238E27FC236}">
-                <a16:creationId xmlns:a16="http://schemas.microsoft.com/office/drawing/2014/main" id="{DB981F1D-8E65-47A2-93B9-F01A5CB980B9}"/>
-              </a:ext>
-            </a:extLst>
-          </p:cNvPr>
-          <p:cNvSpPr>
-            <a:spLocks noGrp="1"/>
-          </p:cNvSpPr>
-          <p:nvPr>
-            <p:ph type="title"/>
-          </p:nvPr>
-        </p:nvSpPr>
-        <p:spPr/>
-        <p:txBody>
-          <a:bodyPr/>
-          <a:lstStyle/>
-          <a:p>
-            <a:pPr algn="ctr"/>
-            <a:r>
-              <a:rPr lang="ru-RU" dirty="0"/>
-              <a:t>Задачи</a:t>
-            </a:r>
-          </a:p>
-        </p:txBody>
-      </p:sp>
-      <p:sp>
-        <p:nvSpPr>
-          <p:cNvPr id="3" name="Объект 2">
-            <a:extLst>
-              <a:ext uri="{FF2B5EF4-FFF2-40B4-BE49-F238E27FC236}">
-                <a16:creationId xmlns:a16="http://schemas.microsoft.com/office/drawing/2014/main" id="{9A79900C-76AC-49AA-9F8C-EEA95606499B}"/>
-              </a:ext>
-            </a:extLst>
-          </p:cNvPr>
-          <p:cNvSpPr>
-            <a:spLocks noGrp="1"/>
-          </p:cNvSpPr>
-          <p:nvPr>
-            <p:ph idx="1"/>
-          </p:nvPr>
-        </p:nvSpPr>
-        <p:spPr/>
-        <p:txBody>
-          <a:bodyPr/>
-          <a:lstStyle/>
-          <a:p>
-            <a:r>
-              <a:rPr lang="ru-RU" dirty="0"/>
-              <a:t>Как на время кипения воды влияет материал, из которого изготовлен котелок, в каком котелке будет быстрее всего закипать вода?</a:t>
-            </a:r>
-          </a:p>
-          <a:p>
-            <a:r>
-              <a:rPr lang="ru-RU" dirty="0"/>
-              <a:t>Насколько сильно влияет масса котелка?</a:t>
-            </a:r>
-          </a:p>
-          <a:p>
-            <a:r>
-              <a:rPr lang="ru-RU" dirty="0"/>
-              <a:t>Влияние начальной температуры воды?</a:t>
-            </a:r>
-          </a:p>
-          <a:p>
-            <a:r>
-              <a:rPr lang="ru-RU" dirty="0"/>
-              <a:t>Важность значения мощности горелки?</a:t>
-            </a:r>
-          </a:p>
-          <a:p>
-            <a:r>
-              <a:rPr lang="ru-RU" dirty="0"/>
-              <a:t>Значение объема воды?</a:t>
-            </a:r>
-          </a:p>
-          <a:p>
-            <a:r>
-              <a:rPr lang="ru-RU" dirty="0"/>
-              <a:t>Как выглядит график зависимости температуры воды от времени?</a:t>
-            </a:r>
-          </a:p>
+                <a16:creationId xmlns:a16="http://schemas.microsoft.com/office/drawing/2014/main" id="{0E8AFAE8-38E9-419D-B3B5-F01C8FEE4714}"/>
+              </a:ext>
+            </a:extLst>
+          </p:cNvPr>
+          <p:cNvSpPr>
+            <a:spLocks noGrp="1"/>
+          </p:cNvSpPr>
+          <p:nvPr>
+            <p:ph type="ctrTitle"/>
+          </p:nvPr>
+        </p:nvSpPr>
+        <p:spPr/>
+        <p:txBody>
+          <a:bodyPr/>
+          <a:lstStyle/>
+          <a:p>
+            <a:r>
+              <a:rPr lang="ru-RU" b="1" dirty="0"/>
+              <a:t>Программирование</a:t>
+            </a:r>
+          </a:p>
+        </p:txBody>
+      </p:sp>
+      <p:sp>
+        <p:nvSpPr>
+          <p:cNvPr id="3" name="Подзаголовок 2">
+            <a:extLst>
+              <a:ext uri="{FF2B5EF4-FFF2-40B4-BE49-F238E27FC236}">
+                <a16:creationId xmlns:a16="http://schemas.microsoft.com/office/drawing/2014/main" id="{32258625-2179-48E9-9699-9B3FA99A5026}"/>
+              </a:ext>
+            </a:extLst>
+          </p:cNvPr>
+          <p:cNvSpPr>
+            <a:spLocks noGrp="1"/>
+          </p:cNvSpPr>
+          <p:nvPr>
+            <p:ph type="subTitle" idx="1"/>
+          </p:nvPr>
+        </p:nvSpPr>
+        <p:spPr/>
+        <p:txBody>
+          <a:bodyPr/>
+          <a:lstStyle/>
           <a:p>
             <a:endParaRPr lang="ru-RU" dirty="0"/>
           </a:p>
@@ -5093,7 +5178,7 @@
     </p:spTree>
     <p:extLst>
       <p:ext uri="{BB962C8B-B14F-4D97-AF65-F5344CB8AC3E}">
-        <p14:creationId xmlns:p14="http://schemas.microsoft.com/office/powerpoint/2010/main" val="3344583443"/>
+        <p14:creationId xmlns:p14="http://schemas.microsoft.com/office/powerpoint/2010/main" val="3823498613"/>
       </p:ext>
     </p:extLst>
   </p:cSld>

--- a/info/Моделирование.pptx
+++ b/info/Моделирование.pptx
@@ -6,18 +6,19 @@
   </p:sldMasterIdLst>
   <p:sldIdLst>
     <p:sldId id="256" r:id="rId2"/>
-    <p:sldId id="257" r:id="rId3"/>
-    <p:sldId id="263" r:id="rId4"/>
-    <p:sldId id="266" r:id="rId5"/>
-    <p:sldId id="268" r:id="rId6"/>
-    <p:sldId id="258" r:id="rId7"/>
-    <p:sldId id="264" r:id="rId8"/>
+    <p:sldId id="263" r:id="rId3"/>
+    <p:sldId id="266" r:id="rId4"/>
+    <p:sldId id="268" r:id="rId5"/>
+    <p:sldId id="258" r:id="rId6"/>
+    <p:sldId id="264" r:id="rId7"/>
+    <p:sldId id="269" r:id="rId8"/>
     <p:sldId id="259" r:id="rId9"/>
     <p:sldId id="260" r:id="rId10"/>
-    <p:sldId id="265" r:id="rId11"/>
-    <p:sldId id="261" r:id="rId12"/>
-    <p:sldId id="267" r:id="rId13"/>
-    <p:sldId id="262" r:id="rId14"/>
+    <p:sldId id="270" r:id="rId11"/>
+    <p:sldId id="265" r:id="rId12"/>
+    <p:sldId id="261" r:id="rId13"/>
+    <p:sldId id="267" r:id="rId14"/>
+    <p:sldId id="262" r:id="rId15"/>
   </p:sldIdLst>
   <p:sldSz cx="12192000" cy="6858000"/>
   <p:notesSz cx="6858000" cy="9144000"/>
@@ -271,7 +272,7 @@
           <a:p>
             <a:fld id="{B0D21DAE-CD54-4DF0-AB83-F6E3861581A8}" type="datetimeFigureOut">
               <a:rPr lang="ru-RU" smtClean="0"/>
-              <a:t>06.04.2022</a:t>
+              <a:t>07.04.2022</a:t>
             </a:fld>
             <a:endParaRPr lang="ru-RU" dirty="0"/>
           </a:p>
@@ -469,7 +470,7 @@
           <a:p>
             <a:fld id="{B0D21DAE-CD54-4DF0-AB83-F6E3861581A8}" type="datetimeFigureOut">
               <a:rPr lang="ru-RU" smtClean="0"/>
-              <a:t>06.04.2022</a:t>
+              <a:t>07.04.2022</a:t>
             </a:fld>
             <a:endParaRPr lang="ru-RU" dirty="0"/>
           </a:p>
@@ -677,7 +678,7 @@
           <a:p>
             <a:fld id="{B0D21DAE-CD54-4DF0-AB83-F6E3861581A8}" type="datetimeFigureOut">
               <a:rPr lang="ru-RU" smtClean="0"/>
-              <a:t>06.04.2022</a:t>
+              <a:t>07.04.2022</a:t>
             </a:fld>
             <a:endParaRPr lang="ru-RU" dirty="0"/>
           </a:p>
@@ -875,7 +876,7 @@
           <a:p>
             <a:fld id="{B0D21DAE-CD54-4DF0-AB83-F6E3861581A8}" type="datetimeFigureOut">
               <a:rPr lang="ru-RU" smtClean="0"/>
-              <a:t>06.04.2022</a:t>
+              <a:t>07.04.2022</a:t>
             </a:fld>
             <a:endParaRPr lang="ru-RU" dirty="0"/>
           </a:p>
@@ -1150,7 +1151,7 @@
           <a:p>
             <a:fld id="{B0D21DAE-CD54-4DF0-AB83-F6E3861581A8}" type="datetimeFigureOut">
               <a:rPr lang="ru-RU" smtClean="0"/>
-              <a:t>06.04.2022</a:t>
+              <a:t>07.04.2022</a:t>
             </a:fld>
             <a:endParaRPr lang="ru-RU" dirty="0"/>
           </a:p>
@@ -1415,7 +1416,7 @@
           <a:p>
             <a:fld id="{B0D21DAE-CD54-4DF0-AB83-F6E3861581A8}" type="datetimeFigureOut">
               <a:rPr lang="ru-RU" smtClean="0"/>
-              <a:t>06.04.2022</a:t>
+              <a:t>07.04.2022</a:t>
             </a:fld>
             <a:endParaRPr lang="ru-RU" dirty="0"/>
           </a:p>
@@ -1827,7 +1828,7 @@
           <a:p>
             <a:fld id="{B0D21DAE-CD54-4DF0-AB83-F6E3861581A8}" type="datetimeFigureOut">
               <a:rPr lang="ru-RU" smtClean="0"/>
-              <a:t>06.04.2022</a:t>
+              <a:t>07.04.2022</a:t>
             </a:fld>
             <a:endParaRPr lang="ru-RU" dirty="0"/>
           </a:p>
@@ -1968,7 +1969,7 @@
           <a:p>
             <a:fld id="{B0D21DAE-CD54-4DF0-AB83-F6E3861581A8}" type="datetimeFigureOut">
               <a:rPr lang="ru-RU" smtClean="0"/>
-              <a:t>06.04.2022</a:t>
+              <a:t>07.04.2022</a:t>
             </a:fld>
             <a:endParaRPr lang="ru-RU" dirty="0"/>
           </a:p>
@@ -2081,7 +2082,7 @@
           <a:p>
             <a:fld id="{B0D21DAE-CD54-4DF0-AB83-F6E3861581A8}" type="datetimeFigureOut">
               <a:rPr lang="ru-RU" smtClean="0"/>
-              <a:t>06.04.2022</a:t>
+              <a:t>07.04.2022</a:t>
             </a:fld>
             <a:endParaRPr lang="ru-RU" dirty="0"/>
           </a:p>
@@ -2392,7 +2393,7 @@
           <a:p>
             <a:fld id="{B0D21DAE-CD54-4DF0-AB83-F6E3861581A8}" type="datetimeFigureOut">
               <a:rPr lang="ru-RU" smtClean="0"/>
-              <a:t>06.04.2022</a:t>
+              <a:t>07.04.2022</a:t>
             </a:fld>
             <a:endParaRPr lang="ru-RU" dirty="0"/>
           </a:p>
@@ -2680,7 +2681,7 @@
           <a:p>
             <a:fld id="{B0D21DAE-CD54-4DF0-AB83-F6E3861581A8}" type="datetimeFigureOut">
               <a:rPr lang="ru-RU" smtClean="0"/>
-              <a:t>06.04.2022</a:t>
+              <a:t>07.04.2022</a:t>
             </a:fld>
             <a:endParaRPr lang="ru-RU" dirty="0"/>
           </a:p>
@@ -2930,7 +2931,7 @@
           <a:p>
             <a:fld id="{B0D21DAE-CD54-4DF0-AB83-F6E3861581A8}" type="datetimeFigureOut">
               <a:rPr lang="ru-RU" smtClean="0"/>
-              <a:t>06.04.2022</a:t>
+              <a:t>07.04.2022</a:t>
             </a:fld>
             <a:endParaRPr lang="ru-RU" dirty="0"/>
           </a:p>
@@ -3466,86 +3467,49 @@
           <p:cNvPr id="2" name="Заголовок 1">
             <a:extLst>
               <a:ext uri="{FF2B5EF4-FFF2-40B4-BE49-F238E27FC236}">
-                <a16:creationId xmlns:a16="http://schemas.microsoft.com/office/drawing/2014/main" id="{DB981F1D-8E65-47A2-93B9-F01A5CB980B9}"/>
-              </a:ext>
-            </a:extLst>
-          </p:cNvPr>
-          <p:cNvSpPr>
-            <a:spLocks noGrp="1"/>
-          </p:cNvSpPr>
-          <p:nvPr>
-            <p:ph type="title"/>
-          </p:nvPr>
-        </p:nvSpPr>
-        <p:spPr/>
-        <p:txBody>
-          <a:bodyPr/>
-          <a:lstStyle/>
-          <a:p>
-            <a:pPr algn="ctr"/>
+                <a16:creationId xmlns:a16="http://schemas.microsoft.com/office/drawing/2014/main" id="{F057EF3A-E4D8-490F-B235-9DA7238E20FA}"/>
+              </a:ext>
+            </a:extLst>
+          </p:cNvPr>
+          <p:cNvSpPr>
+            <a:spLocks noGrp="1"/>
+          </p:cNvSpPr>
+          <p:nvPr>
+            <p:ph type="ctrTitle"/>
+          </p:nvPr>
+        </p:nvSpPr>
+        <p:spPr/>
+        <p:txBody>
+          <a:bodyPr/>
+          <a:lstStyle/>
+          <a:p>
             <a:r>
               <a:rPr lang="ru-RU" dirty="0"/>
-              <a:t>Задачи</a:t>
-            </a:r>
-          </a:p>
-        </p:txBody>
-      </p:sp>
-      <p:sp>
-        <p:nvSpPr>
-          <p:cNvPr id="3" name="Объект 2">
-            <a:extLst>
-              <a:ext uri="{FF2B5EF4-FFF2-40B4-BE49-F238E27FC236}">
-                <a16:creationId xmlns:a16="http://schemas.microsoft.com/office/drawing/2014/main" id="{9A79900C-76AC-49AA-9F8C-EEA95606499B}"/>
-              </a:ext>
-            </a:extLst>
-          </p:cNvPr>
-          <p:cNvSpPr>
-            <a:spLocks noGrp="1"/>
-          </p:cNvSpPr>
-          <p:nvPr>
-            <p:ph idx="1"/>
-          </p:nvPr>
-        </p:nvSpPr>
-        <p:spPr/>
-        <p:txBody>
-          <a:bodyPr/>
-          <a:lstStyle/>
-          <a:p>
-            <a:r>
-              <a:rPr lang="ru-RU" dirty="0"/>
-              <a:t>Как на время кипения воды влияет материал, из которого изготовлен котелок, в каком котелке будет быстрее всего закипать вода?</a:t>
-            </a:r>
-          </a:p>
-          <a:p>
-            <a:r>
-              <a:rPr lang="ru-RU" dirty="0"/>
-              <a:t>Насколько сильно влияет масса котелка?</a:t>
-            </a:r>
-          </a:p>
-          <a:p>
-            <a:r>
-              <a:rPr lang="ru-RU" dirty="0"/>
-              <a:t>Влияние начальной температуры воды?</a:t>
-            </a:r>
-          </a:p>
-          <a:p>
-            <a:r>
-              <a:rPr lang="ru-RU" dirty="0"/>
-              <a:t>Важность значения мощности горелки?</a:t>
-            </a:r>
-          </a:p>
-          <a:p>
-            <a:r>
-              <a:rPr lang="ru-RU" dirty="0"/>
-              <a:t>Значение объема воды?</a:t>
-            </a:r>
-          </a:p>
-          <a:p>
-            <a:r>
-              <a:rPr lang="ru-RU" dirty="0"/>
-              <a:t>Как выглядит график зависимости температуры воды от времени?</a:t>
-            </a:r>
-          </a:p>
+              <a:t>Выбор языка программирования</a:t>
+            </a:r>
+          </a:p>
+        </p:txBody>
+      </p:sp>
+      <p:sp>
+        <p:nvSpPr>
+          <p:cNvPr id="3" name="Подзаголовок 2">
+            <a:extLst>
+              <a:ext uri="{FF2B5EF4-FFF2-40B4-BE49-F238E27FC236}">
+                <a16:creationId xmlns:a16="http://schemas.microsoft.com/office/drawing/2014/main" id="{BFFFC667-0570-4E2E-8593-29526B2FB831}"/>
+              </a:ext>
+            </a:extLst>
+          </p:cNvPr>
+          <p:cNvSpPr>
+            <a:spLocks noGrp="1"/>
+          </p:cNvSpPr>
+          <p:nvPr>
+            <p:ph type="subTitle" idx="1"/>
+          </p:nvPr>
+        </p:nvSpPr>
+        <p:spPr/>
+        <p:txBody>
+          <a:bodyPr/>
+          <a:lstStyle/>
           <a:p>
             <a:endParaRPr lang="ru-RU" dirty="0"/>
           </a:p>
@@ -3554,7 +3518,7 @@
     </p:spTree>
     <p:extLst>
       <p:ext uri="{BB962C8B-B14F-4D97-AF65-F5344CB8AC3E}">
-        <p14:creationId xmlns:p14="http://schemas.microsoft.com/office/powerpoint/2010/main" val="3344583443"/>
+        <p14:creationId xmlns:p14="http://schemas.microsoft.com/office/powerpoint/2010/main" val="59898399"/>
       </p:ext>
     </p:extLst>
   </p:cSld>
@@ -3586,58 +3550,95 @@
           <p:cNvPr id="2" name="Заголовок 1">
             <a:extLst>
               <a:ext uri="{FF2B5EF4-FFF2-40B4-BE49-F238E27FC236}">
-                <a16:creationId xmlns:a16="http://schemas.microsoft.com/office/drawing/2014/main" id="{77FCB7F1-1404-4554-8AAD-BE561D20B9B9}"/>
-              </a:ext>
-            </a:extLst>
-          </p:cNvPr>
-          <p:cNvSpPr>
-            <a:spLocks noGrp="1"/>
-          </p:cNvSpPr>
-          <p:nvPr>
-            <p:ph type="ctrTitle"/>
-          </p:nvPr>
-        </p:nvSpPr>
-        <p:spPr/>
-        <p:txBody>
-          <a:bodyPr/>
-          <a:lstStyle/>
-          <a:p>
-            <a:r>
-              <a:rPr lang="ru-RU" b="1" dirty="0"/>
-              <a:t>Выводы</a:t>
-            </a:r>
-          </a:p>
-        </p:txBody>
-      </p:sp>
-      <p:sp>
-        <p:nvSpPr>
-          <p:cNvPr id="4" name="Подзаголовок 3">
-            <a:extLst>
-              <a:ext uri="{FF2B5EF4-FFF2-40B4-BE49-F238E27FC236}">
-                <a16:creationId xmlns:a16="http://schemas.microsoft.com/office/drawing/2014/main" id="{63D7FCBF-F788-419C-A490-B3E113E5F3F5}"/>
-              </a:ext>
-            </a:extLst>
-          </p:cNvPr>
-          <p:cNvSpPr>
-            <a:spLocks noGrp="1"/>
-          </p:cNvSpPr>
-          <p:nvPr>
-            <p:ph type="subTitle" idx="1"/>
-          </p:nvPr>
-        </p:nvSpPr>
-        <p:spPr/>
-        <p:txBody>
-          <a:bodyPr/>
-          <a:lstStyle/>
-          <a:p>
-            <a:endParaRPr lang="ru-RU"/>
+                <a16:creationId xmlns:a16="http://schemas.microsoft.com/office/drawing/2014/main" id="{DB981F1D-8E65-47A2-93B9-F01A5CB980B9}"/>
+              </a:ext>
+            </a:extLst>
+          </p:cNvPr>
+          <p:cNvSpPr>
+            <a:spLocks noGrp="1"/>
+          </p:cNvSpPr>
+          <p:nvPr>
+            <p:ph type="title"/>
+          </p:nvPr>
+        </p:nvSpPr>
+        <p:spPr/>
+        <p:txBody>
+          <a:bodyPr/>
+          <a:lstStyle/>
+          <a:p>
+            <a:pPr algn="ctr"/>
+            <a:r>
+              <a:rPr lang="ru-RU" dirty="0"/>
+              <a:t>Задачи</a:t>
+            </a:r>
+          </a:p>
+        </p:txBody>
+      </p:sp>
+      <p:sp>
+        <p:nvSpPr>
+          <p:cNvPr id="3" name="Объект 2">
+            <a:extLst>
+              <a:ext uri="{FF2B5EF4-FFF2-40B4-BE49-F238E27FC236}">
+                <a16:creationId xmlns:a16="http://schemas.microsoft.com/office/drawing/2014/main" id="{9A79900C-76AC-49AA-9F8C-EEA95606499B}"/>
+              </a:ext>
+            </a:extLst>
+          </p:cNvPr>
+          <p:cNvSpPr>
+            <a:spLocks noGrp="1"/>
+          </p:cNvSpPr>
+          <p:nvPr>
+            <p:ph idx="1"/>
+          </p:nvPr>
+        </p:nvSpPr>
+        <p:spPr/>
+        <p:txBody>
+          <a:bodyPr/>
+          <a:lstStyle/>
+          <a:p>
+            <a:r>
+              <a:rPr lang="ru-RU" dirty="0"/>
+              <a:t>Как на время кипения воды влияет материал, из которого изготовлен котелок, в каком котелке будет быстрее всего закипать вода?</a:t>
+            </a:r>
+          </a:p>
+          <a:p>
+            <a:r>
+              <a:rPr lang="ru-RU" dirty="0"/>
+              <a:t>Насколько сильно влияет масса котелка?</a:t>
+            </a:r>
+          </a:p>
+          <a:p>
+            <a:r>
+              <a:rPr lang="ru-RU" dirty="0"/>
+              <a:t>Влияние начальной температуры воды?</a:t>
+            </a:r>
+          </a:p>
+          <a:p>
+            <a:r>
+              <a:rPr lang="ru-RU" dirty="0"/>
+              <a:t>Важность значения мощности горелки?</a:t>
+            </a:r>
+          </a:p>
+          <a:p>
+            <a:r>
+              <a:rPr lang="ru-RU" dirty="0"/>
+              <a:t>Значение объема воды?</a:t>
+            </a:r>
+          </a:p>
+          <a:p>
+            <a:r>
+              <a:rPr lang="ru-RU" dirty="0"/>
+              <a:t>Как выглядит график зависимости температуры воды от времени?</a:t>
+            </a:r>
+          </a:p>
+          <a:p>
+            <a:endParaRPr lang="ru-RU" dirty="0"/>
           </a:p>
         </p:txBody>
       </p:sp>
     </p:spTree>
     <p:extLst>
       <p:ext uri="{BB962C8B-B14F-4D97-AF65-F5344CB8AC3E}">
-        <p14:creationId xmlns:p14="http://schemas.microsoft.com/office/powerpoint/2010/main" val="1547816207"/>
+        <p14:creationId xmlns:p14="http://schemas.microsoft.com/office/powerpoint/2010/main" val="3344583443"/>
       </p:ext>
     </p:extLst>
   </p:cSld>
@@ -3669,6 +3670,89 @@
           <p:cNvPr id="2" name="Заголовок 1">
             <a:extLst>
               <a:ext uri="{FF2B5EF4-FFF2-40B4-BE49-F238E27FC236}">
+                <a16:creationId xmlns:a16="http://schemas.microsoft.com/office/drawing/2014/main" id="{77FCB7F1-1404-4554-8AAD-BE561D20B9B9}"/>
+              </a:ext>
+            </a:extLst>
+          </p:cNvPr>
+          <p:cNvSpPr>
+            <a:spLocks noGrp="1"/>
+          </p:cNvSpPr>
+          <p:nvPr>
+            <p:ph type="ctrTitle"/>
+          </p:nvPr>
+        </p:nvSpPr>
+        <p:spPr/>
+        <p:txBody>
+          <a:bodyPr/>
+          <a:lstStyle/>
+          <a:p>
+            <a:r>
+              <a:rPr lang="ru-RU" b="1" dirty="0"/>
+              <a:t>Выводы</a:t>
+            </a:r>
+          </a:p>
+        </p:txBody>
+      </p:sp>
+      <p:sp>
+        <p:nvSpPr>
+          <p:cNvPr id="4" name="Подзаголовок 3">
+            <a:extLst>
+              <a:ext uri="{FF2B5EF4-FFF2-40B4-BE49-F238E27FC236}">
+                <a16:creationId xmlns:a16="http://schemas.microsoft.com/office/drawing/2014/main" id="{63D7FCBF-F788-419C-A490-B3E113E5F3F5}"/>
+              </a:ext>
+            </a:extLst>
+          </p:cNvPr>
+          <p:cNvSpPr>
+            <a:spLocks noGrp="1"/>
+          </p:cNvSpPr>
+          <p:nvPr>
+            <p:ph type="subTitle" idx="1"/>
+          </p:nvPr>
+        </p:nvSpPr>
+        <p:spPr/>
+        <p:txBody>
+          <a:bodyPr/>
+          <a:lstStyle/>
+          <a:p>
+            <a:endParaRPr lang="ru-RU"/>
+          </a:p>
+        </p:txBody>
+      </p:sp>
+    </p:spTree>
+    <p:extLst>
+      <p:ext uri="{BB962C8B-B14F-4D97-AF65-F5344CB8AC3E}">
+        <p14:creationId xmlns:p14="http://schemas.microsoft.com/office/powerpoint/2010/main" val="1547816207"/>
+      </p:ext>
+    </p:extLst>
+  </p:cSld>
+  <p:clrMapOvr>
+    <a:masterClrMapping/>
+  </p:clrMapOvr>
+</p:sld>
+</file>
+
+<file path=ppt/slides/slide13.xml><?xml version="1.0" encoding="utf-8"?>
+<p:sld xmlns:a="http://schemas.openxmlformats.org/drawingml/2006/main" xmlns:r="http://schemas.openxmlformats.org/officeDocument/2006/relationships" xmlns:p="http://schemas.openxmlformats.org/presentationml/2006/main">
+  <p:cSld>
+    <p:spTree>
+      <p:nvGrpSpPr>
+        <p:cNvPr id="1" name=""/>
+        <p:cNvGrpSpPr/>
+        <p:nvPr/>
+      </p:nvGrpSpPr>
+      <p:grpSpPr>
+        <a:xfrm>
+          <a:off x="0" y="0"/>
+          <a:ext cx="0" cy="0"/>
+          <a:chOff x="0" y="0"/>
+          <a:chExt cx="0" cy="0"/>
+        </a:xfrm>
+      </p:grpSpPr>
+      <p:sp>
+        <p:nvSpPr>
+          <p:cNvPr id="2" name="Заголовок 1">
+            <a:extLst>
+              <a:ext uri="{FF2B5EF4-FFF2-40B4-BE49-F238E27FC236}">
                 <a16:creationId xmlns:a16="http://schemas.microsoft.com/office/drawing/2014/main" id="{A20EE0A9-9055-48DF-8507-9EDAB8BC925F}"/>
               </a:ext>
             </a:extLst>
@@ -3905,7 +3989,7 @@
 </p:sld>
 </file>
 
-<file path=ppt/slides/slide13.xml><?xml version="1.0" encoding="utf-8"?>
+<file path=ppt/slides/slide14.xml><?xml version="1.0" encoding="utf-8"?>
 <p:sld xmlns:a="http://schemas.openxmlformats.org/drawingml/2006/main" xmlns:r="http://schemas.openxmlformats.org/officeDocument/2006/relationships" xmlns:p="http://schemas.openxmlformats.org/presentationml/2006/main">
   <p:cSld>
     <p:spTree>
@@ -4096,7 +4180,7 @@
           <p:cNvPr id="2" name="Заголовок 1">
             <a:extLst>
               <a:ext uri="{FF2B5EF4-FFF2-40B4-BE49-F238E27FC236}">
-                <a16:creationId xmlns:a16="http://schemas.microsoft.com/office/drawing/2014/main" id="{A8F7E3C7-CF7B-46D5-A16F-316F44654123}"/>
+                <a16:creationId xmlns:a16="http://schemas.microsoft.com/office/drawing/2014/main" id="{AC3BC741-79A4-43CA-BADB-155B30DA9685}"/>
               </a:ext>
             </a:extLst>
           </p:cNvPr>
@@ -4109,8 +4193,8 @@
         </p:nvSpPr>
         <p:spPr>
           <a:xfrm>
-            <a:off x="838200" y="576263"/>
-            <a:ext cx="10515600" cy="2852737"/>
+            <a:off x="838200" y="174397"/>
+            <a:ext cx="10515600" cy="942679"/>
           </a:xfrm>
         </p:spPr>
         <p:txBody>
@@ -4119,41 +4203,69 @@
           <a:p>
             <a:pPr algn="ctr"/>
             <a:r>
-              <a:rPr lang="ru-RU" b="1" dirty="0"/>
-              <a:t>Введение</a:t>
-            </a:r>
-          </a:p>
-        </p:txBody>
-      </p:sp>
-      <p:sp>
-        <p:nvSpPr>
-          <p:cNvPr id="4" name="Текст 3">
-            <a:extLst>
-              <a:ext uri="{FF2B5EF4-FFF2-40B4-BE49-F238E27FC236}">
-                <a16:creationId xmlns:a16="http://schemas.microsoft.com/office/drawing/2014/main" id="{33D4436D-1BEA-4AF8-84ED-0852F76469E3}"/>
-              </a:ext>
-            </a:extLst>
-          </p:cNvPr>
-          <p:cNvSpPr>
-            <a:spLocks noGrp="1"/>
-          </p:cNvSpPr>
-          <p:nvPr>
-            <p:ph type="body" idx="1"/>
-          </p:nvPr>
-        </p:nvSpPr>
-        <p:spPr/>
-        <p:txBody>
-          <a:bodyPr/>
-          <a:lstStyle/>
-          <a:p>
-            <a:endParaRPr lang="ru-RU"/>
+              <a:rPr lang="ru-RU" dirty="0"/>
+              <a:t>Актуальность</a:t>
+            </a:r>
+          </a:p>
+        </p:txBody>
+      </p:sp>
+      <p:sp>
+        <p:nvSpPr>
+          <p:cNvPr id="3" name="Объект 2">
+            <a:extLst>
+              <a:ext uri="{FF2B5EF4-FFF2-40B4-BE49-F238E27FC236}">
+                <a16:creationId xmlns:a16="http://schemas.microsoft.com/office/drawing/2014/main" id="{6FE30572-E9EE-451D-9069-A61CF04BE2C7}"/>
+              </a:ext>
+            </a:extLst>
+          </p:cNvPr>
+          <p:cNvSpPr>
+            <a:spLocks noGrp="1"/>
+          </p:cNvSpPr>
+          <p:nvPr>
+            <p:ph idx="1"/>
+          </p:nvPr>
+        </p:nvSpPr>
+        <p:spPr>
+          <a:xfrm>
+            <a:off x="838200" y="1442300"/>
+            <a:ext cx="10515600" cy="5241303"/>
+          </a:xfrm>
+        </p:spPr>
+        <p:txBody>
+          <a:bodyPr>
+            <a:normAutofit/>
+          </a:bodyPr>
+          <a:lstStyle/>
+          <a:p>
+            <a:pPr marL="0" indent="0">
+              <a:buNone/>
+            </a:pPr>
+            <a:r>
+              <a:rPr lang="ru-RU" dirty="0"/>
+              <a:t>На уроках информатики я заметил, что на компьютерах есть только одна физическая модель – пушка. Смысл данной программы состоит в том, что пользователь должен ввести угол наклона дула пушки, скорость, с которой вылетит ядро и попытаться тем самым сбить цели. Именно тогда во мне зародилась мысль, что объединение физики и программирования может дать хороший результат. Но больше моделей на компьютерах не было. Мой учитель информатики, Серебрякова Татьяна Викторовна, подсказала мне, что моя программа сможет помочь в обучении учеников на уроках информатики. Благодаря этой модели, они лучше поймут смысл использования программирования в повседневной жизни. </a:t>
+            </a:r>
+          </a:p>
+          <a:p>
+            <a:pPr marL="0" indent="0">
+              <a:buNone/>
+            </a:pPr>
+            <a:endParaRPr lang="ru-RU" dirty="0"/>
+          </a:p>
+          <a:p>
+            <a:pPr marL="0" indent="0">
+              <a:buNone/>
+            </a:pPr>
+            <a:endParaRPr lang="ru-RU" dirty="0"/>
+          </a:p>
+          <a:p>
+            <a:endParaRPr lang="ru-RU" dirty="0"/>
           </a:p>
         </p:txBody>
       </p:sp>
     </p:spTree>
     <p:extLst>
       <p:ext uri="{BB962C8B-B14F-4D97-AF65-F5344CB8AC3E}">
-        <p14:creationId xmlns:p14="http://schemas.microsoft.com/office/powerpoint/2010/main" val="1869164467"/>
+        <p14:creationId xmlns:p14="http://schemas.microsoft.com/office/powerpoint/2010/main" val="308592064"/>
       </p:ext>
     </p:extLst>
   </p:cSld>
@@ -4185,7 +4297,7 @@
           <p:cNvPr id="2" name="Заголовок 1">
             <a:extLst>
               <a:ext uri="{FF2B5EF4-FFF2-40B4-BE49-F238E27FC236}">
-                <a16:creationId xmlns:a16="http://schemas.microsoft.com/office/drawing/2014/main" id="{AC3BC741-79A4-43CA-BADB-155B30DA9685}"/>
+                <a16:creationId xmlns:a16="http://schemas.microsoft.com/office/drawing/2014/main" id="{D1467895-E1D3-4462-B129-11EEFE96C3A9}"/>
               </a:ext>
             </a:extLst>
           </p:cNvPr>
@@ -4196,12 +4308,7 @@
             <p:ph type="title"/>
           </p:nvPr>
         </p:nvSpPr>
-        <p:spPr>
-          <a:xfrm>
-            <a:off x="838200" y="174397"/>
-            <a:ext cx="10515600" cy="942679"/>
-          </a:xfrm>
-        </p:spPr>
+        <p:spPr/>
         <p:txBody>
           <a:bodyPr/>
           <a:lstStyle/>
@@ -4209,7 +4316,7 @@
             <a:pPr algn="ctr"/>
             <a:r>
               <a:rPr lang="ru-RU" dirty="0"/>
-              <a:t>Актуальность</a:t>
+              <a:t>Цель</a:t>
             </a:r>
           </a:p>
         </p:txBody>
@@ -4219,7 +4326,7 @@
           <p:cNvPr id="3" name="Объект 2">
             <a:extLst>
               <a:ext uri="{FF2B5EF4-FFF2-40B4-BE49-F238E27FC236}">
-                <a16:creationId xmlns:a16="http://schemas.microsoft.com/office/drawing/2014/main" id="{6FE30572-E9EE-451D-9069-A61CF04BE2C7}"/>
+                <a16:creationId xmlns:a16="http://schemas.microsoft.com/office/drawing/2014/main" id="{FEC86AA0-A59D-4288-A265-FAE117733647}"/>
               </a:ext>
             </a:extLst>
           </p:cNvPr>
@@ -4230,47 +4337,43 @@
             <p:ph idx="1"/>
           </p:nvPr>
         </p:nvSpPr>
-        <p:spPr>
-          <a:xfrm>
-            <a:off x="838200" y="1442300"/>
-            <a:ext cx="10515600" cy="5241303"/>
-          </a:xfrm>
-        </p:spPr>
-        <p:txBody>
-          <a:bodyPr>
-            <a:normAutofit/>
-          </a:bodyPr>
-          <a:lstStyle/>
-          <a:p>
-            <a:pPr marL="0" indent="0">
+        <p:spPr/>
+        <p:txBody>
+          <a:bodyPr/>
+          <a:lstStyle/>
+          <a:p>
+            <a:pPr marL="0" indent="0" algn="ctr">
               <a:buNone/>
             </a:pPr>
+            <a:endParaRPr lang="ru-RU" dirty="0"/>
+          </a:p>
+          <a:p>
+            <a:pPr marL="0" indent="0" algn="ctr">
+              <a:buNone/>
+            </a:pPr>
+            <a:endParaRPr lang="ru-RU" dirty="0"/>
+          </a:p>
+          <a:p>
+            <a:pPr marL="0" indent="0" algn="ctr">
+              <a:buNone/>
+            </a:pPr>
+            <a:endParaRPr lang="ru-RU" dirty="0"/>
+          </a:p>
+          <a:p>
+            <a:pPr marL="0" indent="0" algn="ctr">
+              <a:buNone/>
+            </a:pPr>
             <a:r>
               <a:rPr lang="ru-RU" dirty="0"/>
-              <a:t>На уроках информатики я заметил, что на компьютерах есть только одна физическая модель – пушка. Смысл данной программы состоит в том, что пользователь должен ввести угол наклона дула пушки, скорость, с которой вылетит ядро и попытаться тем самым сбить цели. Именно тогда во мне зародилась мысль, что объединение физики и программирования может дать хороший результат. Но больше моделей на компьютерах не было. Мой учитель информатики, Серебрякова Татьяна Викторовна, подсказала мне, что моя программа сможет помочь в обучении учеников на уроках информатики. Благодаря этой модели, они лучше поймут смысл использования программирования в повседневной жизни. </a:t>
-            </a:r>
-          </a:p>
-          <a:p>
-            <a:pPr marL="0" indent="0">
-              <a:buNone/>
-            </a:pPr>
-            <a:endParaRPr lang="ru-RU" dirty="0"/>
-          </a:p>
-          <a:p>
-            <a:pPr marL="0" indent="0">
-              <a:buNone/>
-            </a:pPr>
-            <a:endParaRPr lang="ru-RU" dirty="0"/>
-          </a:p>
-          <a:p>
-            <a:endParaRPr lang="ru-RU" dirty="0"/>
+              <a:t>Создание физической модели на языке программирования</a:t>
+            </a:r>
           </a:p>
         </p:txBody>
       </p:sp>
     </p:spTree>
     <p:extLst>
       <p:ext uri="{BB962C8B-B14F-4D97-AF65-F5344CB8AC3E}">
-        <p14:creationId xmlns:p14="http://schemas.microsoft.com/office/powerpoint/2010/main" val="308592064"/>
+        <p14:creationId xmlns:p14="http://schemas.microsoft.com/office/powerpoint/2010/main" val="677637828"/>
       </p:ext>
     </p:extLst>
   </p:cSld>
@@ -4302,7 +4405,7 @@
           <p:cNvPr id="2" name="Заголовок 1">
             <a:extLst>
               <a:ext uri="{FF2B5EF4-FFF2-40B4-BE49-F238E27FC236}">
-                <a16:creationId xmlns:a16="http://schemas.microsoft.com/office/drawing/2014/main" id="{D1467895-E1D3-4462-B129-11EEFE96C3A9}"/>
+                <a16:creationId xmlns:a16="http://schemas.microsoft.com/office/drawing/2014/main" id="{F78F8DAD-74E7-485E-98FF-07185262B4B3}"/>
               </a:ext>
             </a:extLst>
           </p:cNvPr>
@@ -4321,7 +4424,7 @@
             <a:pPr algn="ctr"/>
             <a:r>
               <a:rPr lang="ru-RU" dirty="0"/>
-              <a:t>Цель</a:t>
+              <a:t>Задачи</a:t>
             </a:r>
           </a:p>
         </p:txBody>
@@ -4331,7 +4434,7 @@
           <p:cNvPr id="3" name="Объект 2">
             <a:extLst>
               <a:ext uri="{FF2B5EF4-FFF2-40B4-BE49-F238E27FC236}">
-                <a16:creationId xmlns:a16="http://schemas.microsoft.com/office/drawing/2014/main" id="{FEC86AA0-A59D-4288-A265-FAE117733647}"/>
+                <a16:creationId xmlns:a16="http://schemas.microsoft.com/office/drawing/2014/main" id="{37CA28C8-54B5-4F67-B25A-7E8CED0F4524}"/>
               </a:ext>
             </a:extLst>
           </p:cNvPr>
@@ -4347,30 +4450,64 @@
           <a:bodyPr/>
           <a:lstStyle/>
           <a:p>
-            <a:pPr marL="0" indent="0" algn="ctr">
-              <a:buNone/>
+            <a:pPr marL="514350" indent="-514350">
+              <a:buFont typeface="+mj-lt"/>
+              <a:buAutoNum type="arabicParenR"/>
             </a:pPr>
-            <a:endParaRPr lang="ru-RU" dirty="0"/>
-          </a:p>
-          <a:p>
-            <a:pPr marL="0" indent="0" algn="ctr">
-              <a:buNone/>
+            <a:r>
+              <a:rPr lang="ru-RU" dirty="0"/>
+              <a:t>Выбрать физическую модель</a:t>
+            </a:r>
+          </a:p>
+          <a:p>
+            <a:pPr marL="514350" indent="-514350">
+              <a:buFont typeface="+mj-lt"/>
+              <a:buAutoNum type="arabicParenR"/>
             </a:pPr>
             <a:endParaRPr lang="ru-RU" dirty="0"/>
           </a:p>
           <a:p>
-            <a:pPr marL="0" indent="0" algn="ctr">
-              <a:buNone/>
+            <a:pPr marL="514350" indent="-514350">
+              <a:buFont typeface="+mj-lt"/>
+              <a:buAutoNum type="arabicParenR"/>
             </a:pPr>
-            <a:endParaRPr lang="ru-RU" dirty="0"/>
-          </a:p>
-          <a:p>
-            <a:pPr marL="0" indent="0" algn="ctr">
-              <a:buNone/>
+            <a:r>
+              <a:rPr lang="ru-RU" dirty="0"/>
+              <a:t>Выбрать язык программирования</a:t>
+            </a:r>
+          </a:p>
+          <a:p>
+            <a:pPr marL="514350" indent="-514350">
+              <a:buFont typeface="+mj-lt"/>
+              <a:buAutoNum type="arabicParenR"/>
             </a:pPr>
+            <a:endParaRPr lang="ru-RU" dirty="0"/>
+          </a:p>
+          <a:p>
+            <a:pPr marL="514350" indent="-514350">
+              <a:buFont typeface="+mj-lt"/>
+              <a:buAutoNum type="arabicParenR"/>
+            </a:pPr>
             <a:r>
               <a:rPr lang="ru-RU" dirty="0"/>
-              <a:t>Создание физической модели на языке программирования</a:t>
+              <a:t>Написать программу, которая описывает выбранную модель</a:t>
+            </a:r>
+          </a:p>
+          <a:p>
+            <a:pPr marL="514350" indent="-514350">
+              <a:buFont typeface="+mj-lt"/>
+              <a:buAutoNum type="arabicParenR"/>
+            </a:pPr>
+            <a:endParaRPr lang="ru-RU" dirty="0"/>
+          </a:p>
+          <a:p>
+            <a:pPr marL="514350" indent="-514350">
+              <a:buFont typeface="+mj-lt"/>
+              <a:buAutoNum type="arabicParenR"/>
+            </a:pPr>
+            <a:r>
+              <a:rPr lang="ru-RU" dirty="0"/>
+              <a:t>Написать графический интерфейс, понятный и удобный для пользователя</a:t>
             </a:r>
           </a:p>
         </p:txBody>
@@ -4378,7 +4515,7 @@
     </p:spTree>
     <p:extLst>
       <p:ext uri="{BB962C8B-B14F-4D97-AF65-F5344CB8AC3E}">
-        <p14:creationId xmlns:p14="http://schemas.microsoft.com/office/powerpoint/2010/main" val="677637828"/>
+        <p14:creationId xmlns:p14="http://schemas.microsoft.com/office/powerpoint/2010/main" val="1342642381"/>
       </p:ext>
     </p:extLst>
   </p:cSld>
@@ -4410,117 +4547,58 @@
           <p:cNvPr id="2" name="Заголовок 1">
             <a:extLst>
               <a:ext uri="{FF2B5EF4-FFF2-40B4-BE49-F238E27FC236}">
-                <a16:creationId xmlns:a16="http://schemas.microsoft.com/office/drawing/2014/main" id="{F78F8DAD-74E7-485E-98FF-07185262B4B3}"/>
-              </a:ext>
-            </a:extLst>
-          </p:cNvPr>
-          <p:cNvSpPr>
-            <a:spLocks noGrp="1"/>
-          </p:cNvSpPr>
-          <p:nvPr>
-            <p:ph type="title"/>
-          </p:nvPr>
-        </p:nvSpPr>
-        <p:spPr/>
-        <p:txBody>
-          <a:bodyPr/>
-          <a:lstStyle/>
-          <a:p>
-            <a:pPr algn="ctr"/>
-            <a:r>
-              <a:rPr lang="ru-RU" dirty="0"/>
-              <a:t>Задачи</a:t>
-            </a:r>
-          </a:p>
-        </p:txBody>
-      </p:sp>
-      <p:sp>
-        <p:nvSpPr>
-          <p:cNvPr id="3" name="Объект 2">
-            <a:extLst>
-              <a:ext uri="{FF2B5EF4-FFF2-40B4-BE49-F238E27FC236}">
-                <a16:creationId xmlns:a16="http://schemas.microsoft.com/office/drawing/2014/main" id="{37CA28C8-54B5-4F67-B25A-7E8CED0F4524}"/>
-              </a:ext>
-            </a:extLst>
-          </p:cNvPr>
-          <p:cNvSpPr>
-            <a:spLocks noGrp="1"/>
-          </p:cNvSpPr>
-          <p:nvPr>
-            <p:ph idx="1"/>
-          </p:nvPr>
-        </p:nvSpPr>
-        <p:spPr/>
-        <p:txBody>
-          <a:bodyPr/>
-          <a:lstStyle/>
-          <a:p>
-            <a:pPr marL="514350" indent="-514350">
-              <a:buFont typeface="+mj-lt"/>
-              <a:buAutoNum type="arabicParenR"/>
-            </a:pPr>
-            <a:r>
-              <a:rPr lang="ru-RU" dirty="0"/>
-              <a:t>Выбрать физическую модель</a:t>
-            </a:r>
-          </a:p>
-          <a:p>
-            <a:pPr marL="514350" indent="-514350">
-              <a:buFont typeface="+mj-lt"/>
-              <a:buAutoNum type="arabicParenR"/>
-            </a:pPr>
-            <a:endParaRPr lang="ru-RU" dirty="0"/>
-          </a:p>
-          <a:p>
-            <a:pPr marL="514350" indent="-514350">
-              <a:buFont typeface="+mj-lt"/>
-              <a:buAutoNum type="arabicParenR"/>
-            </a:pPr>
-            <a:r>
-              <a:rPr lang="ru-RU" dirty="0"/>
-              <a:t>Выбрать язык программирования</a:t>
-            </a:r>
-          </a:p>
-          <a:p>
-            <a:pPr marL="514350" indent="-514350">
-              <a:buFont typeface="+mj-lt"/>
-              <a:buAutoNum type="arabicParenR"/>
-            </a:pPr>
-            <a:endParaRPr lang="ru-RU" dirty="0"/>
-          </a:p>
-          <a:p>
-            <a:pPr marL="514350" indent="-514350">
-              <a:buFont typeface="+mj-lt"/>
-              <a:buAutoNum type="arabicParenR"/>
-            </a:pPr>
-            <a:r>
-              <a:rPr lang="ru-RU" dirty="0"/>
-              <a:t>Написать программу, которая описывает выбранную модель</a:t>
-            </a:r>
-          </a:p>
-          <a:p>
-            <a:pPr marL="514350" indent="-514350">
-              <a:buFont typeface="+mj-lt"/>
-              <a:buAutoNum type="arabicParenR"/>
-            </a:pPr>
-            <a:endParaRPr lang="ru-RU" dirty="0"/>
-          </a:p>
-          <a:p>
-            <a:pPr marL="514350" indent="-514350">
-              <a:buFont typeface="+mj-lt"/>
-              <a:buAutoNum type="arabicParenR"/>
-            </a:pPr>
-            <a:r>
-              <a:rPr lang="ru-RU" dirty="0"/>
-              <a:t>Написать графический интерфейс, понятный и удобный для пользователя</a:t>
-            </a:r>
+                <a16:creationId xmlns:a16="http://schemas.microsoft.com/office/drawing/2014/main" id="{593B06AA-55D7-4B3F-8A86-147460C4B6E1}"/>
+              </a:ext>
+            </a:extLst>
+          </p:cNvPr>
+          <p:cNvSpPr>
+            <a:spLocks noGrp="1"/>
+          </p:cNvSpPr>
+          <p:nvPr>
+            <p:ph type="ctrTitle"/>
+          </p:nvPr>
+        </p:nvSpPr>
+        <p:spPr/>
+        <p:txBody>
+          <a:bodyPr/>
+          <a:lstStyle/>
+          <a:p>
+            <a:r>
+              <a:rPr lang="ru-RU" b="1" dirty="0"/>
+              <a:t>Физика</a:t>
+            </a:r>
+          </a:p>
+        </p:txBody>
+      </p:sp>
+      <p:sp>
+        <p:nvSpPr>
+          <p:cNvPr id="3" name="Подзаголовок 2">
+            <a:extLst>
+              <a:ext uri="{FF2B5EF4-FFF2-40B4-BE49-F238E27FC236}">
+                <a16:creationId xmlns:a16="http://schemas.microsoft.com/office/drawing/2014/main" id="{9479161F-DBAF-4A05-B5A4-9DB287040FDE}"/>
+              </a:ext>
+            </a:extLst>
+          </p:cNvPr>
+          <p:cNvSpPr>
+            <a:spLocks noGrp="1"/>
+          </p:cNvSpPr>
+          <p:nvPr>
+            <p:ph type="subTitle" idx="1"/>
+          </p:nvPr>
+        </p:nvSpPr>
+        <p:spPr/>
+        <p:txBody>
+          <a:bodyPr/>
+          <a:lstStyle/>
+          <a:p>
+            <a:endParaRPr lang="ru-RU"/>
           </a:p>
         </p:txBody>
       </p:sp>
     </p:spTree>
     <p:extLst>
       <p:ext uri="{BB962C8B-B14F-4D97-AF65-F5344CB8AC3E}">
-        <p14:creationId xmlns:p14="http://schemas.microsoft.com/office/powerpoint/2010/main" val="1342642381"/>
+        <p14:creationId xmlns:p14="http://schemas.microsoft.com/office/powerpoint/2010/main" val="2570116359"/>
       </p:ext>
     </p:extLst>
   </p:cSld>
@@ -4552,7 +4630,7 @@
           <p:cNvPr id="2" name="Заголовок 1">
             <a:extLst>
               <a:ext uri="{FF2B5EF4-FFF2-40B4-BE49-F238E27FC236}">
-                <a16:creationId xmlns:a16="http://schemas.microsoft.com/office/drawing/2014/main" id="{593B06AA-55D7-4B3F-8A86-147460C4B6E1}"/>
+                <a16:creationId xmlns:a16="http://schemas.microsoft.com/office/drawing/2014/main" id="{BBEBA17C-7ED6-4737-AADF-30CDEB41D718}"/>
               </a:ext>
             </a:extLst>
           </p:cNvPr>
@@ -4569,8 +4647,8 @@
           <a:lstStyle/>
           <a:p>
             <a:r>
-              <a:rPr lang="ru-RU" b="1" dirty="0"/>
-              <a:t>Физика</a:t>
+              <a:rPr lang="ru-RU" dirty="0"/>
+              <a:t>Почему именно физика?</a:t>
             </a:r>
           </a:p>
         </p:txBody>
@@ -4580,7 +4658,7 @@
           <p:cNvPr id="3" name="Подзаголовок 2">
             <a:extLst>
               <a:ext uri="{FF2B5EF4-FFF2-40B4-BE49-F238E27FC236}">
-                <a16:creationId xmlns:a16="http://schemas.microsoft.com/office/drawing/2014/main" id="{9479161F-DBAF-4A05-B5A4-9DB287040FDE}"/>
+                <a16:creationId xmlns:a16="http://schemas.microsoft.com/office/drawing/2014/main" id="{B95074A2-2CEE-47D1-9EFA-084769B7EB25}"/>
               </a:ext>
             </a:extLst>
           </p:cNvPr>
@@ -4596,14 +4674,14 @@
           <a:bodyPr/>
           <a:lstStyle/>
           <a:p>
-            <a:endParaRPr lang="ru-RU"/>
+            <a:endParaRPr lang="ru-RU" dirty="0"/>
           </a:p>
         </p:txBody>
       </p:sp>
     </p:spTree>
     <p:extLst>
       <p:ext uri="{BB962C8B-B14F-4D97-AF65-F5344CB8AC3E}">
-        <p14:creationId xmlns:p14="http://schemas.microsoft.com/office/powerpoint/2010/main" val="2570116359"/>
+        <p14:creationId xmlns:p14="http://schemas.microsoft.com/office/powerpoint/2010/main" val="1330530769"/>
       </p:ext>
     </p:extLst>
   </p:cSld>
@@ -4635,7 +4713,7 @@
           <p:cNvPr id="2" name="Заголовок 1">
             <a:extLst>
               <a:ext uri="{FF2B5EF4-FFF2-40B4-BE49-F238E27FC236}">
-                <a16:creationId xmlns:a16="http://schemas.microsoft.com/office/drawing/2014/main" id="{BBEBA17C-7ED6-4737-AADF-30CDEB41D718}"/>
+                <a16:creationId xmlns:a16="http://schemas.microsoft.com/office/drawing/2014/main" id="{EE5A219D-6C51-4578-BB33-3F5070DF7ADF}"/>
               </a:ext>
             </a:extLst>
           </p:cNvPr>
@@ -4653,7 +4731,7 @@
           <a:p>
             <a:r>
               <a:rPr lang="ru-RU" dirty="0"/>
-              <a:t>Почему именно физика?</a:t>
+              <a:t>Выбор физической модели</a:t>
             </a:r>
           </a:p>
         </p:txBody>
@@ -4663,7 +4741,7 @@
           <p:cNvPr id="3" name="Подзаголовок 2">
             <a:extLst>
               <a:ext uri="{FF2B5EF4-FFF2-40B4-BE49-F238E27FC236}">
-                <a16:creationId xmlns:a16="http://schemas.microsoft.com/office/drawing/2014/main" id="{B95074A2-2CEE-47D1-9EFA-084769B7EB25}"/>
+                <a16:creationId xmlns:a16="http://schemas.microsoft.com/office/drawing/2014/main" id="{F02755B8-082B-47DD-8DD3-FD71DEFEF8C2}"/>
               </a:ext>
             </a:extLst>
           </p:cNvPr>
@@ -4679,14 +4757,14 @@
           <a:bodyPr/>
           <a:lstStyle/>
           <a:p>
-            <a:endParaRPr lang="ru-RU" dirty="0"/>
+            <a:endParaRPr lang="ru-RU"/>
           </a:p>
         </p:txBody>
       </p:sp>
     </p:spTree>
     <p:extLst>
       <p:ext uri="{BB962C8B-B14F-4D97-AF65-F5344CB8AC3E}">
-        <p14:creationId xmlns:p14="http://schemas.microsoft.com/office/powerpoint/2010/main" val="1330530769"/>
+        <p14:creationId xmlns:p14="http://schemas.microsoft.com/office/powerpoint/2010/main" val="3200269698"/>
       </p:ext>
     </p:extLst>
   </p:cSld>

--- a/info/Моделирование.pptx
+++ b/info/Моделирование.pptx
@@ -12,13 +12,18 @@
     <p:sldId id="258" r:id="rId6"/>
     <p:sldId id="264" r:id="rId7"/>
     <p:sldId id="269" r:id="rId8"/>
-    <p:sldId id="259" r:id="rId9"/>
-    <p:sldId id="260" r:id="rId10"/>
-    <p:sldId id="270" r:id="rId11"/>
-    <p:sldId id="265" r:id="rId12"/>
-    <p:sldId id="261" r:id="rId13"/>
-    <p:sldId id="267" r:id="rId14"/>
-    <p:sldId id="262" r:id="rId15"/>
+    <p:sldId id="271" r:id="rId9"/>
+    <p:sldId id="272" r:id="rId10"/>
+    <p:sldId id="259" r:id="rId11"/>
+    <p:sldId id="260" r:id="rId12"/>
+    <p:sldId id="270" r:id="rId13"/>
+    <p:sldId id="273" r:id="rId14"/>
+    <p:sldId id="274" r:id="rId15"/>
+    <p:sldId id="275" r:id="rId16"/>
+    <p:sldId id="265" r:id="rId17"/>
+    <p:sldId id="261" r:id="rId18"/>
+    <p:sldId id="267" r:id="rId19"/>
+    <p:sldId id="262" r:id="rId20"/>
   </p:sldIdLst>
   <p:sldSz cx="12192000" cy="6858000"/>
   <p:notesSz cx="6858000" cy="9144000"/>
@@ -272,7 +277,7 @@
           <a:p>
             <a:fld id="{B0D21DAE-CD54-4DF0-AB83-F6E3861581A8}" type="datetimeFigureOut">
               <a:rPr lang="ru-RU" smtClean="0"/>
-              <a:t>07.04.2022</a:t>
+              <a:t>10.04.2022</a:t>
             </a:fld>
             <a:endParaRPr lang="ru-RU" dirty="0"/>
           </a:p>
@@ -470,7 +475,7 @@
           <a:p>
             <a:fld id="{B0D21DAE-CD54-4DF0-AB83-F6E3861581A8}" type="datetimeFigureOut">
               <a:rPr lang="ru-RU" smtClean="0"/>
-              <a:t>07.04.2022</a:t>
+              <a:t>10.04.2022</a:t>
             </a:fld>
             <a:endParaRPr lang="ru-RU" dirty="0"/>
           </a:p>
@@ -678,7 +683,7 @@
           <a:p>
             <a:fld id="{B0D21DAE-CD54-4DF0-AB83-F6E3861581A8}" type="datetimeFigureOut">
               <a:rPr lang="ru-RU" smtClean="0"/>
-              <a:t>07.04.2022</a:t>
+              <a:t>10.04.2022</a:t>
             </a:fld>
             <a:endParaRPr lang="ru-RU" dirty="0"/>
           </a:p>
@@ -876,7 +881,7 @@
           <a:p>
             <a:fld id="{B0D21DAE-CD54-4DF0-AB83-F6E3861581A8}" type="datetimeFigureOut">
               <a:rPr lang="ru-RU" smtClean="0"/>
-              <a:t>07.04.2022</a:t>
+              <a:t>10.04.2022</a:t>
             </a:fld>
             <a:endParaRPr lang="ru-RU" dirty="0"/>
           </a:p>
@@ -1151,7 +1156,7 @@
           <a:p>
             <a:fld id="{B0D21DAE-CD54-4DF0-AB83-F6E3861581A8}" type="datetimeFigureOut">
               <a:rPr lang="ru-RU" smtClean="0"/>
-              <a:t>07.04.2022</a:t>
+              <a:t>10.04.2022</a:t>
             </a:fld>
             <a:endParaRPr lang="ru-RU" dirty="0"/>
           </a:p>
@@ -1416,7 +1421,7 @@
           <a:p>
             <a:fld id="{B0D21DAE-CD54-4DF0-AB83-F6E3861581A8}" type="datetimeFigureOut">
               <a:rPr lang="ru-RU" smtClean="0"/>
-              <a:t>07.04.2022</a:t>
+              <a:t>10.04.2022</a:t>
             </a:fld>
             <a:endParaRPr lang="ru-RU" dirty="0"/>
           </a:p>
@@ -1828,7 +1833,7 @@
           <a:p>
             <a:fld id="{B0D21DAE-CD54-4DF0-AB83-F6E3861581A8}" type="datetimeFigureOut">
               <a:rPr lang="ru-RU" smtClean="0"/>
-              <a:t>07.04.2022</a:t>
+              <a:t>10.04.2022</a:t>
             </a:fld>
             <a:endParaRPr lang="ru-RU" dirty="0"/>
           </a:p>
@@ -1969,7 +1974,7 @@
           <a:p>
             <a:fld id="{B0D21DAE-CD54-4DF0-AB83-F6E3861581A8}" type="datetimeFigureOut">
               <a:rPr lang="ru-RU" smtClean="0"/>
-              <a:t>07.04.2022</a:t>
+              <a:t>10.04.2022</a:t>
             </a:fld>
             <a:endParaRPr lang="ru-RU" dirty="0"/>
           </a:p>
@@ -2082,7 +2087,7 @@
           <a:p>
             <a:fld id="{B0D21DAE-CD54-4DF0-AB83-F6E3861581A8}" type="datetimeFigureOut">
               <a:rPr lang="ru-RU" smtClean="0"/>
-              <a:t>07.04.2022</a:t>
+              <a:t>10.04.2022</a:t>
             </a:fld>
             <a:endParaRPr lang="ru-RU" dirty="0"/>
           </a:p>
@@ -2393,7 +2398,7 @@
           <a:p>
             <a:fld id="{B0D21DAE-CD54-4DF0-AB83-F6E3861581A8}" type="datetimeFigureOut">
               <a:rPr lang="ru-RU" smtClean="0"/>
-              <a:t>07.04.2022</a:t>
+              <a:t>10.04.2022</a:t>
             </a:fld>
             <a:endParaRPr lang="ru-RU" dirty="0"/>
           </a:p>
@@ -2681,7 +2686,7 @@
           <a:p>
             <a:fld id="{B0D21DAE-CD54-4DF0-AB83-F6E3861581A8}" type="datetimeFigureOut">
               <a:rPr lang="ru-RU" smtClean="0"/>
-              <a:t>07.04.2022</a:t>
+              <a:t>10.04.2022</a:t>
             </a:fld>
             <a:endParaRPr lang="ru-RU" dirty="0"/>
           </a:p>
@@ -2765,7 +2770,7 @@
           </a:blip>
           <a:srcRect/>
           <a:stretch>
-            <a:fillRect t="-6000" b="-6000"/>
+            <a:fillRect/>
           </a:stretch>
         </a:blipFill>
         <a:effectLst/>
@@ -2931,7 +2936,7 @@
           <a:p>
             <a:fld id="{B0D21DAE-CD54-4DF0-AB83-F6E3861581A8}" type="datetimeFigureOut">
               <a:rPr lang="ru-RU" smtClean="0"/>
-              <a:t>07.04.2022</a:t>
+              <a:t>10.04.2022</a:t>
             </a:fld>
             <a:endParaRPr lang="ru-RU" dirty="0"/>
           </a:p>
@@ -3467,15 +3472,15 @@
           <p:cNvPr id="2" name="Заголовок 1">
             <a:extLst>
               <a:ext uri="{FF2B5EF4-FFF2-40B4-BE49-F238E27FC236}">
-                <a16:creationId xmlns:a16="http://schemas.microsoft.com/office/drawing/2014/main" id="{F057EF3A-E4D8-490F-B235-9DA7238E20FA}"/>
-              </a:ext>
-            </a:extLst>
-          </p:cNvPr>
-          <p:cNvSpPr>
-            <a:spLocks noGrp="1"/>
-          </p:cNvSpPr>
-          <p:nvPr>
-            <p:ph type="ctrTitle"/>
+                <a16:creationId xmlns:a16="http://schemas.microsoft.com/office/drawing/2014/main" id="{B570436A-8517-42DD-B801-106B3A89AF41}"/>
+              </a:ext>
+            </a:extLst>
+          </p:cNvPr>
+          <p:cNvSpPr>
+            <a:spLocks noGrp="1"/>
+          </p:cNvSpPr>
+          <p:nvPr>
+            <p:ph type="title"/>
           </p:nvPr>
         </p:nvSpPr>
         <p:spPr/>
@@ -3483,34 +3488,360 @@
           <a:bodyPr/>
           <a:lstStyle/>
           <a:p>
+            <a:pPr algn="ctr"/>
+            <a:r>
+              <a:rPr lang="ru-RU" b="1" dirty="0"/>
+              <a:t>Формулы</a:t>
+            </a:r>
+          </a:p>
+        </p:txBody>
+      </p:sp>
+      <p:sp>
+        <p:nvSpPr>
+          <p:cNvPr id="3" name="Текст 2">
+            <a:extLst>
+              <a:ext uri="{FF2B5EF4-FFF2-40B4-BE49-F238E27FC236}">
+                <a16:creationId xmlns:a16="http://schemas.microsoft.com/office/drawing/2014/main" id="{A3C02124-6D32-4352-9514-C0145A16C8E8}"/>
+              </a:ext>
+            </a:extLst>
+          </p:cNvPr>
+          <p:cNvSpPr>
+            <a:spLocks noGrp="1"/>
+          </p:cNvSpPr>
+          <p:nvPr>
+            <p:ph type="body" idx="1"/>
+          </p:nvPr>
+        </p:nvSpPr>
+        <p:spPr/>
+        <p:txBody>
+          <a:bodyPr>
+            <a:normAutofit/>
+          </a:bodyPr>
+          <a:lstStyle/>
+          <a:p>
+            <a:pPr algn="ctr"/>
+            <a:r>
+              <a:rPr lang="ru-RU" sz="3600" b="0" dirty="0"/>
+              <a:t>Количество теплоты</a:t>
+            </a:r>
+          </a:p>
+        </p:txBody>
+      </p:sp>
+      <p:sp>
+        <p:nvSpPr>
+          <p:cNvPr id="4" name="Объект 3">
+            <a:extLst>
+              <a:ext uri="{FF2B5EF4-FFF2-40B4-BE49-F238E27FC236}">
+                <a16:creationId xmlns:a16="http://schemas.microsoft.com/office/drawing/2014/main" id="{1538EE1F-8C5E-4ABA-98E9-FC11B948641A}"/>
+              </a:ext>
+            </a:extLst>
+          </p:cNvPr>
+          <p:cNvSpPr>
+            <a:spLocks noGrp="1"/>
+          </p:cNvSpPr>
+          <p:nvPr>
+            <p:ph sz="half" idx="2"/>
+          </p:nvPr>
+        </p:nvSpPr>
+        <p:spPr>
+          <a:xfrm>
+            <a:off x="839788" y="2677211"/>
+            <a:ext cx="5157787" cy="3512451"/>
+          </a:xfrm>
+        </p:spPr>
+        <p:txBody>
+          <a:bodyPr>
+            <a:normAutofit/>
+          </a:bodyPr>
+          <a:lstStyle/>
+          <a:p>
+            <a:pPr marL="0" indent="0" algn="ctr">
+              <a:buNone/>
+            </a:pPr>
+            <a:r>
+              <a:rPr lang="en-US" b="1" dirty="0"/>
+              <a:t>Q = cm</a:t>
+            </a:r>
+            <a:r>
+              <a:rPr lang="el-GR" b="1" dirty="0"/>
+              <a:t>Δ</a:t>
+            </a:r>
+            <a:r>
+              <a:rPr lang="en-US" b="1" dirty="0"/>
+              <a:t>t</a:t>
+            </a:r>
+          </a:p>
+          <a:p>
+            <a:pPr marL="0" indent="0">
+              <a:buNone/>
+            </a:pPr>
+            <a:r>
+              <a:rPr lang="en-US" dirty="0"/>
+              <a:t>Q – </a:t>
+            </a:r>
             <a:r>
               <a:rPr lang="ru-RU" dirty="0"/>
-              <a:t>Выбор языка программирования</a:t>
-            </a:r>
-          </a:p>
-        </p:txBody>
-      </p:sp>
-      <p:sp>
-        <p:nvSpPr>
-          <p:cNvPr id="3" name="Подзаголовок 2">
-            <a:extLst>
-              <a:ext uri="{FF2B5EF4-FFF2-40B4-BE49-F238E27FC236}">
-                <a16:creationId xmlns:a16="http://schemas.microsoft.com/office/drawing/2014/main" id="{BFFFC667-0570-4E2E-8593-29526B2FB831}"/>
-              </a:ext>
-            </a:extLst>
-          </p:cNvPr>
-          <p:cNvSpPr>
-            <a:spLocks noGrp="1"/>
-          </p:cNvSpPr>
-          <p:nvPr>
-            <p:ph type="subTitle" idx="1"/>
+              <a:t>количество теплоты</a:t>
+            </a:r>
+            <a:r>
+              <a:rPr lang="en-US" dirty="0"/>
+              <a:t>,</a:t>
+            </a:r>
+            <a:r>
+              <a:rPr lang="ru-RU" dirty="0"/>
+              <a:t> Дж</a:t>
+            </a:r>
+          </a:p>
+          <a:p>
+            <a:pPr marL="0" indent="0">
+              <a:buNone/>
+            </a:pPr>
+            <a:r>
+              <a:rPr lang="en-US" dirty="0"/>
+              <a:t>c – </a:t>
+            </a:r>
+            <a:r>
+              <a:rPr lang="ru-RU" dirty="0"/>
+              <a:t>удельная теплоемкость вещества</a:t>
+            </a:r>
+            <a:r>
+              <a:rPr lang="en-US" dirty="0"/>
+              <a:t>, </a:t>
+            </a:r>
+            <a:r>
+              <a:rPr lang="ru-RU" dirty="0"/>
+              <a:t>Дж / кг * </a:t>
+            </a:r>
+            <a:r>
+              <a:rPr lang="en-US" dirty="0"/>
+              <a:t>°C</a:t>
+            </a:r>
+            <a:endParaRPr lang="ru-RU" dirty="0"/>
+          </a:p>
+          <a:p>
+            <a:pPr marL="0" indent="0">
+              <a:buNone/>
+            </a:pPr>
+            <a:r>
+              <a:rPr lang="en-US" dirty="0"/>
+              <a:t>m – </a:t>
+            </a:r>
+            <a:r>
+              <a:rPr lang="ru-RU" dirty="0"/>
+              <a:t>масса вещества</a:t>
+            </a:r>
+            <a:r>
+              <a:rPr lang="en-US" dirty="0"/>
+              <a:t>, </a:t>
+            </a:r>
+            <a:r>
+              <a:rPr lang="ru-RU" dirty="0"/>
+              <a:t>кг</a:t>
+            </a:r>
+          </a:p>
+          <a:p>
+            <a:pPr marL="0" indent="0">
+              <a:buNone/>
+            </a:pPr>
+            <a:r>
+              <a:rPr lang="el-GR" dirty="0"/>
+              <a:t>Δ</a:t>
+            </a:r>
+            <a:r>
+              <a:rPr lang="en-US" dirty="0"/>
+              <a:t>t</a:t>
+            </a:r>
+            <a:r>
+              <a:rPr lang="ru-RU" dirty="0"/>
+              <a:t> – изменение температуры</a:t>
+            </a:r>
+            <a:r>
+              <a:rPr lang="en-US" dirty="0"/>
+              <a:t>, °C</a:t>
+            </a:r>
+            <a:endParaRPr lang="ru-RU" dirty="0"/>
+          </a:p>
+          <a:p>
+            <a:pPr marL="0" indent="0">
+              <a:buNone/>
+            </a:pPr>
+            <a:endParaRPr lang="en-US" dirty="0"/>
+          </a:p>
+          <a:p>
+            <a:pPr marL="0" indent="0">
+              <a:buNone/>
+            </a:pPr>
+            <a:endParaRPr lang="en-US" dirty="0"/>
+          </a:p>
+          <a:p>
+            <a:pPr marL="0" indent="0">
+              <a:buNone/>
+            </a:pPr>
+            <a:endParaRPr lang="ru-RU" dirty="0"/>
+          </a:p>
+        </p:txBody>
+      </p:sp>
+      <p:sp>
+        <p:nvSpPr>
+          <p:cNvPr id="5" name="Текст 4">
+            <a:extLst>
+              <a:ext uri="{FF2B5EF4-FFF2-40B4-BE49-F238E27FC236}">
+                <a16:creationId xmlns:a16="http://schemas.microsoft.com/office/drawing/2014/main" id="{4D72D778-75C4-4A4C-B5FD-F63EF50C99DB}"/>
+              </a:ext>
+            </a:extLst>
+          </p:cNvPr>
+          <p:cNvSpPr>
+            <a:spLocks noGrp="1"/>
+          </p:cNvSpPr>
+          <p:nvPr>
+            <p:ph type="body" sz="quarter" idx="3"/>
           </p:nvPr>
         </p:nvSpPr>
         <p:spPr/>
         <p:txBody>
-          <a:bodyPr/>
-          <a:lstStyle/>
-          <a:p>
+          <a:bodyPr>
+            <a:normAutofit/>
+          </a:bodyPr>
+          <a:lstStyle/>
+          <a:p>
+            <a:pPr algn="ctr"/>
+            <a:r>
+              <a:rPr lang="ru-RU" sz="3600" b="0" dirty="0"/>
+              <a:t>Мощность</a:t>
+            </a:r>
+          </a:p>
+        </p:txBody>
+      </p:sp>
+      <p:sp>
+        <p:nvSpPr>
+          <p:cNvPr id="6" name="Объект 5">
+            <a:extLst>
+              <a:ext uri="{FF2B5EF4-FFF2-40B4-BE49-F238E27FC236}">
+                <a16:creationId xmlns:a16="http://schemas.microsoft.com/office/drawing/2014/main" id="{4F86ADCB-8DFD-41FD-932B-1CD0757CA067}"/>
+              </a:ext>
+            </a:extLst>
+          </p:cNvPr>
+          <p:cNvSpPr>
+            <a:spLocks noGrp="1"/>
+          </p:cNvSpPr>
+          <p:nvPr>
+            <p:ph sz="quarter" idx="4"/>
+          </p:nvPr>
+        </p:nvSpPr>
+        <p:spPr>
+          <a:xfrm>
+            <a:off x="6172200" y="2677211"/>
+            <a:ext cx="5183188" cy="3512452"/>
+          </a:xfrm>
+        </p:spPr>
+        <p:txBody>
+          <a:bodyPr>
+            <a:normAutofit/>
+          </a:bodyPr>
+          <a:lstStyle/>
+          <a:p>
+            <a:pPr marL="0" indent="0" algn="ctr">
+              <a:buNone/>
+            </a:pPr>
+            <a:r>
+              <a:rPr lang="en-US" b="1" dirty="0"/>
+              <a:t>P = A / t</a:t>
+            </a:r>
+          </a:p>
+          <a:p>
+            <a:pPr marL="0" indent="0">
+              <a:buNone/>
+            </a:pPr>
+            <a:r>
+              <a:rPr lang="en-US" b="1" dirty="0"/>
+              <a:t>A = Q</a:t>
+            </a:r>
+            <a:r>
+              <a:rPr lang="en-US" dirty="0"/>
+              <a:t>, </a:t>
+            </a:r>
+            <a:r>
+              <a:rPr lang="ru-RU" dirty="0"/>
+              <a:t>следовательно</a:t>
+            </a:r>
+            <a:endParaRPr lang="en-US" dirty="0"/>
+          </a:p>
+          <a:p>
+            <a:pPr marL="0" indent="0">
+              <a:buNone/>
+            </a:pPr>
+            <a:r>
+              <a:rPr lang="en-US" b="1" dirty="0"/>
+              <a:t>t = Q / P</a:t>
+            </a:r>
+          </a:p>
+          <a:p>
+            <a:pPr marL="0" indent="0">
+              <a:buNone/>
+            </a:pPr>
+            <a:r>
+              <a:rPr lang="en-US" dirty="0"/>
+              <a:t>P </a:t>
+            </a:r>
+            <a:r>
+              <a:rPr lang="ru-RU" dirty="0"/>
+              <a:t>– мощность</a:t>
+            </a:r>
+            <a:r>
+              <a:rPr lang="en-US" dirty="0"/>
+              <a:t>, </a:t>
+            </a:r>
+            <a:r>
+              <a:rPr lang="ru-RU" dirty="0"/>
+              <a:t>Вт</a:t>
+            </a:r>
+          </a:p>
+          <a:p>
+            <a:pPr marL="0" indent="0">
+              <a:buNone/>
+            </a:pPr>
+            <a:r>
+              <a:rPr lang="en-US" dirty="0"/>
+              <a:t>A – </a:t>
+            </a:r>
+            <a:r>
+              <a:rPr lang="ru-RU" dirty="0"/>
+              <a:t>работа</a:t>
+            </a:r>
+            <a:r>
+              <a:rPr lang="en-US" dirty="0"/>
+              <a:t>, </a:t>
+            </a:r>
+            <a:r>
+              <a:rPr lang="ru-RU" dirty="0"/>
+              <a:t>Дж</a:t>
+            </a:r>
+          </a:p>
+          <a:p>
+            <a:pPr marL="0" indent="0">
+              <a:buNone/>
+            </a:pPr>
+            <a:r>
+              <a:rPr lang="en-US" dirty="0"/>
+              <a:t>t – </a:t>
+            </a:r>
+            <a:r>
+              <a:rPr lang="ru-RU" dirty="0"/>
+              <a:t>время</a:t>
+            </a:r>
+            <a:r>
+              <a:rPr lang="en-US" dirty="0"/>
+              <a:t>, </a:t>
+            </a:r>
+            <a:r>
+              <a:rPr lang="ru-RU" dirty="0"/>
+              <a:t>с</a:t>
+            </a:r>
+          </a:p>
+          <a:p>
+            <a:pPr marL="0" indent="0">
+              <a:buNone/>
+            </a:pPr>
             <a:endParaRPr lang="ru-RU" dirty="0"/>
           </a:p>
         </p:txBody>
@@ -3518,7 +3849,7 @@
     </p:spTree>
     <p:extLst>
       <p:ext uri="{BB962C8B-B14F-4D97-AF65-F5344CB8AC3E}">
-        <p14:creationId xmlns:p14="http://schemas.microsoft.com/office/powerpoint/2010/main" val="59898399"/>
+        <p14:creationId xmlns:p14="http://schemas.microsoft.com/office/powerpoint/2010/main" val="1485155102"/>
       </p:ext>
     </p:extLst>
   </p:cSld>
@@ -3550,7 +3881,7 @@
           <p:cNvPr id="2" name="Заголовок 1">
             <a:extLst>
               <a:ext uri="{FF2B5EF4-FFF2-40B4-BE49-F238E27FC236}">
-                <a16:creationId xmlns:a16="http://schemas.microsoft.com/office/drawing/2014/main" id="{DB981F1D-8E65-47A2-93B9-F01A5CB980B9}"/>
+                <a16:creationId xmlns:a16="http://schemas.microsoft.com/office/drawing/2014/main" id="{0E8AFAE8-38E9-419D-B3B5-F01C8FEE4714}"/>
               </a:ext>
             </a:extLst>
           </p:cNvPr>
@@ -3563,82 +3894,72 @@
         </p:nvSpPr>
         <p:spPr/>
         <p:txBody>
-          <a:bodyPr/>
+          <a:bodyPr>
+            <a:normAutofit/>
+          </a:bodyPr>
           <a:lstStyle/>
           <a:p>
             <a:pPr algn="ctr"/>
             <a:r>
-              <a:rPr lang="ru-RU" dirty="0"/>
-              <a:t>Задачи</a:t>
-            </a:r>
-          </a:p>
-        </p:txBody>
-      </p:sp>
-      <p:sp>
-        <p:nvSpPr>
-          <p:cNvPr id="3" name="Объект 2">
-            <a:extLst>
-              <a:ext uri="{FF2B5EF4-FFF2-40B4-BE49-F238E27FC236}">
-                <a16:creationId xmlns:a16="http://schemas.microsoft.com/office/drawing/2014/main" id="{9A79900C-76AC-49AA-9F8C-EEA95606499B}"/>
-              </a:ext>
-            </a:extLst>
-          </p:cNvPr>
-          <p:cNvSpPr>
-            <a:spLocks noGrp="1"/>
-          </p:cNvSpPr>
+              <a:rPr lang="ru-RU" sz="6000" b="1" dirty="0"/>
+              <a:t>Программирование</a:t>
+            </a:r>
+          </a:p>
+        </p:txBody>
+      </p:sp>
+      <p:pic>
+        <p:nvPicPr>
+          <p:cNvPr id="3074" name="Picture 2" descr="Программирование - Home | Facebook">
+            <a:extLst>
+              <a:ext uri="{FF2B5EF4-FFF2-40B4-BE49-F238E27FC236}">
+                <a16:creationId xmlns:a16="http://schemas.microsoft.com/office/drawing/2014/main" id="{27DE6DE0-AC59-41EB-9677-8BA9787EA9B4}"/>
+              </a:ext>
+            </a:extLst>
+          </p:cNvPr>
+          <p:cNvPicPr>
+            <a:picLocks noGrp="1" noChangeAspect="1" noChangeArrowheads="1"/>
+          </p:cNvPicPr>
           <p:nvPr>
             <p:ph idx="1"/>
           </p:nvPr>
-        </p:nvSpPr>
-        <p:spPr/>
-        <p:txBody>
-          <a:bodyPr/>
-          <a:lstStyle/>
-          <a:p>
-            <a:r>
-              <a:rPr lang="ru-RU" dirty="0"/>
-              <a:t>Как на время кипения воды влияет материал, из которого изготовлен котелок, в каком котелке будет быстрее всего закипать вода?</a:t>
-            </a:r>
-          </a:p>
-          <a:p>
-            <a:r>
-              <a:rPr lang="ru-RU" dirty="0"/>
-              <a:t>Насколько сильно влияет масса котелка?</a:t>
-            </a:r>
-          </a:p>
-          <a:p>
-            <a:r>
-              <a:rPr lang="ru-RU" dirty="0"/>
-              <a:t>Влияние начальной температуры воды?</a:t>
-            </a:r>
-          </a:p>
-          <a:p>
-            <a:r>
-              <a:rPr lang="ru-RU" dirty="0"/>
-              <a:t>Важность значения мощности горелки?</a:t>
-            </a:r>
-          </a:p>
-          <a:p>
-            <a:r>
-              <a:rPr lang="ru-RU" dirty="0"/>
-              <a:t>Значение объема воды?</a:t>
-            </a:r>
-          </a:p>
-          <a:p>
-            <a:r>
-              <a:rPr lang="ru-RU" dirty="0"/>
-              <a:t>Как выглядит график зависимости температуры воды от времени?</a:t>
-            </a:r>
-          </a:p>
-          <a:p>
-            <a:endParaRPr lang="ru-RU" dirty="0"/>
-          </a:p>
-        </p:txBody>
-      </p:sp>
+        </p:nvPicPr>
+        <p:blipFill>
+          <a:blip r:embed="rId2">
+            <a:extLst>
+              <a:ext uri="{28A0092B-C50C-407E-A947-70E740481C1C}">
+                <a14:useLocalDpi xmlns:a14="http://schemas.microsoft.com/office/drawing/2010/main" val="0"/>
+              </a:ext>
+            </a:extLst>
+          </a:blip>
+          <a:srcRect/>
+          <a:stretch>
+            <a:fillRect/>
+          </a:stretch>
+        </p:blipFill>
+        <p:spPr bwMode="auto">
+          <a:xfrm>
+            <a:off x="4534293" y="2439587"/>
+            <a:ext cx="3082565" cy="3082565"/>
+          </a:xfrm>
+          <a:prstGeom prst="rect">
+            <a:avLst/>
+          </a:prstGeom>
+          <a:noFill/>
+          <a:extLst>
+            <a:ext uri="{909E8E84-426E-40DD-AFC4-6F175D3DCCD1}">
+              <a14:hiddenFill xmlns:a14="http://schemas.microsoft.com/office/drawing/2010/main">
+                <a:solidFill>
+                  <a:srgbClr val="FFFFFF"/>
+                </a:solidFill>
+              </a14:hiddenFill>
+            </a:ext>
+          </a:extLst>
+        </p:spPr>
+      </p:pic>
     </p:spTree>
     <p:extLst>
       <p:ext uri="{BB962C8B-B14F-4D97-AF65-F5344CB8AC3E}">
-        <p14:creationId xmlns:p14="http://schemas.microsoft.com/office/powerpoint/2010/main" val="3344583443"/>
+        <p14:creationId xmlns:p14="http://schemas.microsoft.com/office/powerpoint/2010/main" val="3823498613"/>
       </p:ext>
     </p:extLst>
   </p:cSld>
@@ -3670,15 +3991,15 @@
           <p:cNvPr id="2" name="Заголовок 1">
             <a:extLst>
               <a:ext uri="{FF2B5EF4-FFF2-40B4-BE49-F238E27FC236}">
-                <a16:creationId xmlns:a16="http://schemas.microsoft.com/office/drawing/2014/main" id="{77FCB7F1-1404-4554-8AAD-BE561D20B9B9}"/>
-              </a:ext>
-            </a:extLst>
-          </p:cNvPr>
-          <p:cNvSpPr>
-            <a:spLocks noGrp="1"/>
-          </p:cNvSpPr>
-          <p:nvPr>
-            <p:ph type="ctrTitle"/>
+                <a16:creationId xmlns:a16="http://schemas.microsoft.com/office/drawing/2014/main" id="{F057EF3A-E4D8-490F-B235-9DA7238E20FA}"/>
+              </a:ext>
+            </a:extLst>
+          </p:cNvPr>
+          <p:cNvSpPr>
+            <a:spLocks noGrp="1"/>
+          </p:cNvSpPr>
+          <p:nvPr>
+            <p:ph type="title"/>
           </p:nvPr>
         </p:nvSpPr>
         <p:spPr/>
@@ -3686,42 +4007,67 @@
           <a:bodyPr/>
           <a:lstStyle/>
           <a:p>
-            <a:r>
-              <a:rPr lang="ru-RU" b="1" dirty="0"/>
-              <a:t>Выводы</a:t>
-            </a:r>
-          </a:p>
-        </p:txBody>
-      </p:sp>
-      <p:sp>
-        <p:nvSpPr>
-          <p:cNvPr id="4" name="Подзаголовок 3">
-            <a:extLst>
-              <a:ext uri="{FF2B5EF4-FFF2-40B4-BE49-F238E27FC236}">
-                <a16:creationId xmlns:a16="http://schemas.microsoft.com/office/drawing/2014/main" id="{63D7FCBF-F788-419C-A490-B3E113E5F3F5}"/>
-              </a:ext>
-            </a:extLst>
-          </p:cNvPr>
-          <p:cNvSpPr>
-            <a:spLocks noGrp="1"/>
-          </p:cNvSpPr>
-          <p:nvPr>
-            <p:ph type="subTitle" idx="1"/>
-          </p:nvPr>
-        </p:nvSpPr>
-        <p:spPr/>
-        <p:txBody>
-          <a:bodyPr/>
-          <a:lstStyle/>
-          <a:p>
-            <a:endParaRPr lang="ru-RU"/>
-          </a:p>
-        </p:txBody>
-      </p:sp>
+            <a:pPr algn="ctr"/>
+            <a:r>
+              <a:rPr lang="ru-RU" dirty="0"/>
+              <a:t>Выбор языка программирования</a:t>
+            </a:r>
+          </a:p>
+        </p:txBody>
+      </p:sp>
+      <p:pic>
+        <p:nvPicPr>
+          <p:cNvPr id="4098" name="Picture 2" descr="Какой язык программирования самый оплачиваемый в мире? | KV.by">
+            <a:extLst>
+              <a:ext uri="{FF2B5EF4-FFF2-40B4-BE49-F238E27FC236}">
+                <a16:creationId xmlns:a16="http://schemas.microsoft.com/office/drawing/2014/main" id="{F91408FE-0CB3-4C1D-B7E4-7761D00A0FE0}"/>
+              </a:ext>
+            </a:extLst>
+          </p:cNvPr>
+          <p:cNvPicPr>
+            <a:picLocks noGrp="1" noChangeAspect="1" noChangeArrowheads="1"/>
+          </p:cNvPicPr>
+          <p:nvPr>
+            <p:ph idx="1"/>
+          </p:nvPr>
+        </p:nvPicPr>
+        <p:blipFill>
+          <a:blip r:embed="rId2">
+            <a:extLst>
+              <a:ext uri="{28A0092B-C50C-407E-A947-70E740481C1C}">
+                <a14:useLocalDpi xmlns:a14="http://schemas.microsoft.com/office/drawing/2010/main" val="0"/>
+              </a:ext>
+            </a:extLst>
+          </a:blip>
+          <a:srcRect/>
+          <a:stretch>
+            <a:fillRect/>
+          </a:stretch>
+        </p:blipFill>
+        <p:spPr bwMode="auto">
+          <a:xfrm>
+            <a:off x="1928690" y="2271860"/>
+            <a:ext cx="8252257" cy="3424687"/>
+          </a:xfrm>
+          <a:prstGeom prst="rect">
+            <a:avLst/>
+          </a:prstGeom>
+          <a:noFill/>
+          <a:extLst>
+            <a:ext uri="{909E8E84-426E-40DD-AFC4-6F175D3DCCD1}">
+              <a14:hiddenFill xmlns:a14="http://schemas.microsoft.com/office/drawing/2010/main">
+                <a:solidFill>
+                  <a:srgbClr val="FFFFFF"/>
+                </a:solidFill>
+              </a14:hiddenFill>
+            </a:ext>
+          </a:extLst>
+        </p:spPr>
+      </p:pic>
     </p:spTree>
     <p:extLst>
       <p:ext uri="{BB962C8B-B14F-4D97-AF65-F5344CB8AC3E}">
-        <p14:creationId xmlns:p14="http://schemas.microsoft.com/office/powerpoint/2010/main" val="1547816207"/>
+        <p14:creationId xmlns:p14="http://schemas.microsoft.com/office/powerpoint/2010/main" val="59898399"/>
       </p:ext>
     </p:extLst>
   </p:cSld>
@@ -3753,6 +4099,550 @@
           <p:cNvPr id="2" name="Заголовок 1">
             <a:extLst>
               <a:ext uri="{FF2B5EF4-FFF2-40B4-BE49-F238E27FC236}">
+                <a16:creationId xmlns:a16="http://schemas.microsoft.com/office/drawing/2014/main" id="{3FEE916C-FC0F-4210-AA3D-DF276788F619}"/>
+              </a:ext>
+            </a:extLst>
+          </p:cNvPr>
+          <p:cNvSpPr>
+            <a:spLocks noGrp="1"/>
+          </p:cNvSpPr>
+          <p:nvPr>
+            <p:ph type="title"/>
+          </p:nvPr>
+        </p:nvSpPr>
+        <p:spPr/>
+        <p:txBody>
+          <a:bodyPr/>
+          <a:lstStyle/>
+          <a:p>
+            <a:pPr algn="ctr"/>
+            <a:r>
+              <a:rPr lang="en-US" dirty="0"/>
+              <a:t>Python</a:t>
+            </a:r>
+            <a:endParaRPr lang="ru-RU" dirty="0"/>
+          </a:p>
+        </p:txBody>
+      </p:sp>
+      <p:pic>
+        <p:nvPicPr>
+          <p:cNvPr id="5132" name="Picture 12" descr="Программирование на Python - Лига Роботов - Челябинск">
+            <a:extLst>
+              <a:ext uri="{FF2B5EF4-FFF2-40B4-BE49-F238E27FC236}">
+                <a16:creationId xmlns:a16="http://schemas.microsoft.com/office/drawing/2014/main" id="{2C1E3084-3644-489F-B05A-D2D881397DC8}"/>
+              </a:ext>
+            </a:extLst>
+          </p:cNvPr>
+          <p:cNvPicPr>
+            <a:picLocks noGrp="1" noChangeAspect="1" noChangeArrowheads="1"/>
+          </p:cNvPicPr>
+          <p:nvPr>
+            <p:ph idx="1"/>
+          </p:nvPr>
+        </p:nvPicPr>
+        <p:blipFill>
+          <a:blip r:embed="rId2">
+            <a:extLst>
+              <a:ext uri="{28A0092B-C50C-407E-A947-70E740481C1C}">
+                <a14:useLocalDpi xmlns:a14="http://schemas.microsoft.com/office/drawing/2010/main" val="0"/>
+              </a:ext>
+            </a:extLst>
+          </a:blip>
+          <a:stretch>
+            <a:fillRect/>
+          </a:stretch>
+        </p:blipFill>
+        <p:spPr bwMode="auto">
+          <a:xfrm>
+            <a:off x="3911593" y="1825625"/>
+            <a:ext cx="4368813" cy="4351338"/>
+          </a:xfrm>
+          <a:prstGeom prst="rect">
+            <a:avLst/>
+          </a:prstGeom>
+          <a:noFill/>
+          <a:extLst>
+            <a:ext uri="{909E8E84-426E-40DD-AFC4-6F175D3DCCD1}">
+              <a14:hiddenFill xmlns:a14="http://schemas.microsoft.com/office/drawing/2010/main">
+                <a:solidFill>
+                  <a:srgbClr val="FFFFFF"/>
+                </a:solidFill>
+              </a14:hiddenFill>
+            </a:ext>
+          </a:extLst>
+        </p:spPr>
+      </p:pic>
+    </p:spTree>
+    <p:extLst>
+      <p:ext uri="{BB962C8B-B14F-4D97-AF65-F5344CB8AC3E}">
+        <p14:creationId xmlns:p14="http://schemas.microsoft.com/office/powerpoint/2010/main" val="2956437177"/>
+      </p:ext>
+    </p:extLst>
+  </p:cSld>
+  <p:clrMapOvr>
+    <a:masterClrMapping/>
+  </p:clrMapOvr>
+</p:sld>
+</file>
+
+<file path=ppt/slides/slide14.xml><?xml version="1.0" encoding="utf-8"?>
+<p:sld xmlns:a="http://schemas.openxmlformats.org/drawingml/2006/main" xmlns:r="http://schemas.openxmlformats.org/officeDocument/2006/relationships" xmlns:p="http://schemas.openxmlformats.org/presentationml/2006/main">
+  <p:cSld>
+    <p:spTree>
+      <p:nvGrpSpPr>
+        <p:cNvPr id="1" name=""/>
+        <p:cNvGrpSpPr/>
+        <p:nvPr/>
+      </p:nvGrpSpPr>
+      <p:grpSpPr>
+        <a:xfrm>
+          <a:off x="0" y="0"/>
+          <a:ext cx="0" cy="0"/>
+          <a:chOff x="0" y="0"/>
+          <a:chExt cx="0" cy="0"/>
+        </a:xfrm>
+      </p:grpSpPr>
+      <p:sp>
+        <p:nvSpPr>
+          <p:cNvPr id="2" name="Заголовок 1">
+            <a:extLst>
+              <a:ext uri="{FF2B5EF4-FFF2-40B4-BE49-F238E27FC236}">
+                <a16:creationId xmlns:a16="http://schemas.microsoft.com/office/drawing/2014/main" id="{41FDC7EA-FFDF-4E20-955E-9902A5D17FA8}"/>
+              </a:ext>
+            </a:extLst>
+          </p:cNvPr>
+          <p:cNvSpPr>
+            <a:spLocks noGrp="1"/>
+          </p:cNvSpPr>
+          <p:nvPr>
+            <p:ph type="title"/>
+          </p:nvPr>
+        </p:nvSpPr>
+        <p:spPr/>
+        <p:txBody>
+          <a:bodyPr/>
+          <a:lstStyle/>
+          <a:p>
+            <a:pPr algn="ctr"/>
+            <a:r>
+              <a:rPr lang="ru-RU" dirty="0"/>
+              <a:t>Среда разработки </a:t>
+            </a:r>
+            <a:r>
+              <a:rPr lang="en-US" dirty="0" err="1"/>
+              <a:t>Pycharm</a:t>
+            </a:r>
+            <a:endParaRPr lang="ru-RU" dirty="0"/>
+          </a:p>
+        </p:txBody>
+      </p:sp>
+      <p:pic>
+        <p:nvPicPr>
+          <p:cNvPr id="6146" name="Picture 2" descr="PyCharm — Википедия">
+            <a:extLst>
+              <a:ext uri="{FF2B5EF4-FFF2-40B4-BE49-F238E27FC236}">
+                <a16:creationId xmlns:a16="http://schemas.microsoft.com/office/drawing/2014/main" id="{DDA5C8BF-E091-445A-B832-FC252ACA1AAE}"/>
+              </a:ext>
+            </a:extLst>
+          </p:cNvPr>
+          <p:cNvPicPr>
+            <a:picLocks noGrp="1" noChangeAspect="1" noChangeArrowheads="1"/>
+          </p:cNvPicPr>
+          <p:nvPr>
+            <p:ph idx="1"/>
+          </p:nvPr>
+        </p:nvPicPr>
+        <p:blipFill>
+          <a:blip r:embed="rId2">
+            <a:extLst>
+              <a:ext uri="{28A0092B-C50C-407E-A947-70E740481C1C}">
+                <a14:useLocalDpi xmlns:a14="http://schemas.microsoft.com/office/drawing/2010/main" val="0"/>
+              </a:ext>
+            </a:extLst>
+          </a:blip>
+          <a:stretch>
+            <a:fillRect/>
+          </a:stretch>
+        </p:blipFill>
+        <p:spPr bwMode="auto">
+          <a:xfrm>
+            <a:off x="3920331" y="1825625"/>
+            <a:ext cx="4351338" cy="4351338"/>
+          </a:xfrm>
+          <a:prstGeom prst="rect">
+            <a:avLst/>
+          </a:prstGeom>
+          <a:noFill/>
+          <a:extLst>
+            <a:ext uri="{909E8E84-426E-40DD-AFC4-6F175D3DCCD1}">
+              <a14:hiddenFill xmlns:a14="http://schemas.microsoft.com/office/drawing/2010/main">
+                <a:solidFill>
+                  <a:srgbClr val="FFFFFF"/>
+                </a:solidFill>
+              </a14:hiddenFill>
+            </a:ext>
+          </a:extLst>
+        </p:spPr>
+      </p:pic>
+    </p:spTree>
+    <p:extLst>
+      <p:ext uri="{BB962C8B-B14F-4D97-AF65-F5344CB8AC3E}">
+        <p14:creationId xmlns:p14="http://schemas.microsoft.com/office/powerpoint/2010/main" val="833202507"/>
+      </p:ext>
+    </p:extLst>
+  </p:cSld>
+  <p:clrMapOvr>
+    <a:masterClrMapping/>
+  </p:clrMapOvr>
+</p:sld>
+</file>
+
+<file path=ppt/slides/slide15.xml><?xml version="1.0" encoding="utf-8"?>
+<p:sld xmlns:a="http://schemas.openxmlformats.org/drawingml/2006/main" xmlns:r="http://schemas.openxmlformats.org/officeDocument/2006/relationships" xmlns:p="http://schemas.openxmlformats.org/presentationml/2006/main">
+  <p:cSld>
+    <p:spTree>
+      <p:nvGrpSpPr>
+        <p:cNvPr id="1" name=""/>
+        <p:cNvGrpSpPr/>
+        <p:nvPr/>
+      </p:nvGrpSpPr>
+      <p:grpSpPr>
+        <a:xfrm>
+          <a:off x="0" y="0"/>
+          <a:ext cx="0" cy="0"/>
+          <a:chOff x="0" y="0"/>
+          <a:chExt cx="0" cy="0"/>
+        </a:xfrm>
+      </p:grpSpPr>
+      <p:sp>
+        <p:nvSpPr>
+          <p:cNvPr id="2" name="Заголовок 1">
+            <a:extLst>
+              <a:ext uri="{FF2B5EF4-FFF2-40B4-BE49-F238E27FC236}">
+                <a16:creationId xmlns:a16="http://schemas.microsoft.com/office/drawing/2014/main" id="{C80B3DD8-1672-4AE8-8A91-9DB2394EE78B}"/>
+              </a:ext>
+            </a:extLst>
+          </p:cNvPr>
+          <p:cNvSpPr>
+            <a:spLocks noGrp="1"/>
+          </p:cNvSpPr>
+          <p:nvPr>
+            <p:ph type="title"/>
+          </p:nvPr>
+        </p:nvSpPr>
+        <p:spPr/>
+        <p:txBody>
+          <a:bodyPr/>
+          <a:lstStyle/>
+          <a:p>
+            <a:pPr algn="ctr"/>
+            <a:r>
+              <a:rPr lang="ru-RU" dirty="0"/>
+              <a:t>Программа</a:t>
+            </a:r>
+          </a:p>
+        </p:txBody>
+      </p:sp>
+      <p:pic>
+        <p:nvPicPr>
+          <p:cNvPr id="4" name="Объект 3">
+            <a:extLst>
+              <a:ext uri="{FF2B5EF4-FFF2-40B4-BE49-F238E27FC236}">
+                <a16:creationId xmlns:a16="http://schemas.microsoft.com/office/drawing/2014/main" id="{B8161EB8-694E-4D88-A314-BEC48AA5A0C0}"/>
+              </a:ext>
+            </a:extLst>
+          </p:cNvPr>
+          <p:cNvPicPr>
+            <a:picLocks noGrp="1" noChangeAspect="1"/>
+          </p:cNvPicPr>
+          <p:nvPr>
+            <p:ph idx="1"/>
+          </p:nvPr>
+        </p:nvPicPr>
+        <p:blipFill>
+          <a:blip r:embed="rId2"/>
+          <a:stretch>
+            <a:fillRect/>
+          </a:stretch>
+        </p:blipFill>
+        <p:spPr>
+          <a:xfrm>
+            <a:off x="159470" y="1690687"/>
+            <a:ext cx="5562099" cy="4608823"/>
+          </a:xfrm>
+          <a:prstGeom prst="rect">
+            <a:avLst/>
+          </a:prstGeom>
+        </p:spPr>
+      </p:pic>
+      <p:pic>
+        <p:nvPicPr>
+          <p:cNvPr id="6" name="Рисунок 5">
+            <a:extLst>
+              <a:ext uri="{FF2B5EF4-FFF2-40B4-BE49-F238E27FC236}">
+                <a16:creationId xmlns:a16="http://schemas.microsoft.com/office/drawing/2014/main" id="{02A68995-0D8A-4BCE-A31E-17FD15E250F9}"/>
+              </a:ext>
+            </a:extLst>
+          </p:cNvPr>
+          <p:cNvPicPr>
+            <a:picLocks noChangeAspect="1"/>
+          </p:cNvPicPr>
+          <p:nvPr/>
+        </p:nvPicPr>
+        <p:blipFill>
+          <a:blip r:embed="rId3"/>
+          <a:stretch>
+            <a:fillRect/>
+          </a:stretch>
+        </p:blipFill>
+        <p:spPr>
+          <a:xfrm>
+            <a:off x="6636470" y="1690687"/>
+            <a:ext cx="5396060" cy="4608823"/>
+          </a:xfrm>
+          <a:prstGeom prst="rect">
+            <a:avLst/>
+          </a:prstGeom>
+        </p:spPr>
+      </p:pic>
+    </p:spTree>
+    <p:extLst>
+      <p:ext uri="{BB962C8B-B14F-4D97-AF65-F5344CB8AC3E}">
+        <p14:creationId xmlns:p14="http://schemas.microsoft.com/office/powerpoint/2010/main" val="1515652462"/>
+      </p:ext>
+    </p:extLst>
+  </p:cSld>
+  <p:clrMapOvr>
+    <a:masterClrMapping/>
+  </p:clrMapOvr>
+</p:sld>
+</file>
+
+<file path=ppt/slides/slide16.xml><?xml version="1.0" encoding="utf-8"?>
+<p:sld xmlns:a="http://schemas.openxmlformats.org/drawingml/2006/main" xmlns:r="http://schemas.openxmlformats.org/officeDocument/2006/relationships" xmlns:p="http://schemas.openxmlformats.org/presentationml/2006/main">
+  <p:cSld>
+    <p:spTree>
+      <p:nvGrpSpPr>
+        <p:cNvPr id="1" name=""/>
+        <p:cNvGrpSpPr/>
+        <p:nvPr/>
+      </p:nvGrpSpPr>
+      <p:grpSpPr>
+        <a:xfrm>
+          <a:off x="0" y="0"/>
+          <a:ext cx="0" cy="0"/>
+          <a:chOff x="0" y="0"/>
+          <a:chExt cx="0" cy="0"/>
+        </a:xfrm>
+      </p:grpSpPr>
+      <p:sp>
+        <p:nvSpPr>
+          <p:cNvPr id="2" name="Заголовок 1">
+            <a:extLst>
+              <a:ext uri="{FF2B5EF4-FFF2-40B4-BE49-F238E27FC236}">
+                <a16:creationId xmlns:a16="http://schemas.microsoft.com/office/drawing/2014/main" id="{DB981F1D-8E65-47A2-93B9-F01A5CB980B9}"/>
+              </a:ext>
+            </a:extLst>
+          </p:cNvPr>
+          <p:cNvSpPr>
+            <a:spLocks noGrp="1"/>
+          </p:cNvSpPr>
+          <p:nvPr>
+            <p:ph type="title"/>
+          </p:nvPr>
+        </p:nvSpPr>
+        <p:spPr/>
+        <p:txBody>
+          <a:bodyPr/>
+          <a:lstStyle/>
+          <a:p>
+            <a:pPr algn="ctr"/>
+            <a:r>
+              <a:rPr lang="ru-RU" dirty="0"/>
+              <a:t>Задачи</a:t>
+            </a:r>
+          </a:p>
+        </p:txBody>
+      </p:sp>
+      <p:sp>
+        <p:nvSpPr>
+          <p:cNvPr id="3" name="Объект 2">
+            <a:extLst>
+              <a:ext uri="{FF2B5EF4-FFF2-40B4-BE49-F238E27FC236}">
+                <a16:creationId xmlns:a16="http://schemas.microsoft.com/office/drawing/2014/main" id="{9A79900C-76AC-49AA-9F8C-EEA95606499B}"/>
+              </a:ext>
+            </a:extLst>
+          </p:cNvPr>
+          <p:cNvSpPr>
+            <a:spLocks noGrp="1"/>
+          </p:cNvSpPr>
+          <p:nvPr>
+            <p:ph idx="1"/>
+          </p:nvPr>
+        </p:nvSpPr>
+        <p:spPr/>
+        <p:txBody>
+          <a:bodyPr/>
+          <a:lstStyle/>
+          <a:p>
+            <a:r>
+              <a:rPr lang="ru-RU" dirty="0"/>
+              <a:t>Как на время кипения воды влияет материал, из которого изготовлен котелок, в каком котелке будет быстрее всего закипать вода?</a:t>
+            </a:r>
+          </a:p>
+          <a:p>
+            <a:r>
+              <a:rPr lang="ru-RU" dirty="0"/>
+              <a:t>Насколько сильно влияет масса котелка?</a:t>
+            </a:r>
+          </a:p>
+          <a:p>
+            <a:r>
+              <a:rPr lang="ru-RU" dirty="0"/>
+              <a:t>Влияние начальной температуры воды?</a:t>
+            </a:r>
+          </a:p>
+          <a:p>
+            <a:r>
+              <a:rPr lang="ru-RU" dirty="0"/>
+              <a:t>Важность значения мощности горелки?</a:t>
+            </a:r>
+          </a:p>
+          <a:p>
+            <a:r>
+              <a:rPr lang="ru-RU" dirty="0"/>
+              <a:t>Значение объема воды?</a:t>
+            </a:r>
+          </a:p>
+          <a:p>
+            <a:r>
+              <a:rPr lang="ru-RU" dirty="0"/>
+              <a:t>Как выглядит график зависимости температуры воды от времени?</a:t>
+            </a:r>
+          </a:p>
+          <a:p>
+            <a:endParaRPr lang="ru-RU" dirty="0"/>
+          </a:p>
+        </p:txBody>
+      </p:sp>
+    </p:spTree>
+    <p:extLst>
+      <p:ext uri="{BB962C8B-B14F-4D97-AF65-F5344CB8AC3E}">
+        <p14:creationId xmlns:p14="http://schemas.microsoft.com/office/powerpoint/2010/main" val="3344583443"/>
+      </p:ext>
+    </p:extLst>
+  </p:cSld>
+  <p:clrMapOvr>
+    <a:masterClrMapping/>
+  </p:clrMapOvr>
+</p:sld>
+</file>
+
+<file path=ppt/slides/slide17.xml><?xml version="1.0" encoding="utf-8"?>
+<p:sld xmlns:a="http://schemas.openxmlformats.org/drawingml/2006/main" xmlns:r="http://schemas.openxmlformats.org/officeDocument/2006/relationships" xmlns:p="http://schemas.openxmlformats.org/presentationml/2006/main">
+  <p:cSld>
+    <p:spTree>
+      <p:nvGrpSpPr>
+        <p:cNvPr id="1" name=""/>
+        <p:cNvGrpSpPr/>
+        <p:nvPr/>
+      </p:nvGrpSpPr>
+      <p:grpSpPr>
+        <a:xfrm>
+          <a:off x="0" y="0"/>
+          <a:ext cx="0" cy="0"/>
+          <a:chOff x="0" y="0"/>
+          <a:chExt cx="0" cy="0"/>
+        </a:xfrm>
+      </p:grpSpPr>
+      <p:sp>
+        <p:nvSpPr>
+          <p:cNvPr id="2" name="Заголовок 1">
+            <a:extLst>
+              <a:ext uri="{FF2B5EF4-FFF2-40B4-BE49-F238E27FC236}">
+                <a16:creationId xmlns:a16="http://schemas.microsoft.com/office/drawing/2014/main" id="{77FCB7F1-1404-4554-8AAD-BE561D20B9B9}"/>
+              </a:ext>
+            </a:extLst>
+          </p:cNvPr>
+          <p:cNvSpPr>
+            <a:spLocks noGrp="1"/>
+          </p:cNvSpPr>
+          <p:nvPr>
+            <p:ph type="ctrTitle"/>
+          </p:nvPr>
+        </p:nvSpPr>
+        <p:spPr/>
+        <p:txBody>
+          <a:bodyPr/>
+          <a:lstStyle/>
+          <a:p>
+            <a:r>
+              <a:rPr lang="ru-RU" b="1" dirty="0"/>
+              <a:t>Выводы</a:t>
+            </a:r>
+          </a:p>
+        </p:txBody>
+      </p:sp>
+      <p:sp>
+        <p:nvSpPr>
+          <p:cNvPr id="4" name="Подзаголовок 3">
+            <a:extLst>
+              <a:ext uri="{FF2B5EF4-FFF2-40B4-BE49-F238E27FC236}">
+                <a16:creationId xmlns:a16="http://schemas.microsoft.com/office/drawing/2014/main" id="{63D7FCBF-F788-419C-A490-B3E113E5F3F5}"/>
+              </a:ext>
+            </a:extLst>
+          </p:cNvPr>
+          <p:cNvSpPr>
+            <a:spLocks noGrp="1"/>
+          </p:cNvSpPr>
+          <p:nvPr>
+            <p:ph type="subTitle" idx="1"/>
+          </p:nvPr>
+        </p:nvSpPr>
+        <p:spPr/>
+        <p:txBody>
+          <a:bodyPr/>
+          <a:lstStyle/>
+          <a:p>
+            <a:endParaRPr lang="ru-RU"/>
+          </a:p>
+        </p:txBody>
+      </p:sp>
+    </p:spTree>
+    <p:extLst>
+      <p:ext uri="{BB962C8B-B14F-4D97-AF65-F5344CB8AC3E}">
+        <p14:creationId xmlns:p14="http://schemas.microsoft.com/office/powerpoint/2010/main" val="1547816207"/>
+      </p:ext>
+    </p:extLst>
+  </p:cSld>
+  <p:clrMapOvr>
+    <a:masterClrMapping/>
+  </p:clrMapOvr>
+</p:sld>
+</file>
+
+<file path=ppt/slides/slide18.xml><?xml version="1.0" encoding="utf-8"?>
+<p:sld xmlns:a="http://schemas.openxmlformats.org/drawingml/2006/main" xmlns:r="http://schemas.openxmlformats.org/officeDocument/2006/relationships" xmlns:p="http://schemas.openxmlformats.org/presentationml/2006/main">
+  <p:cSld>
+    <p:spTree>
+      <p:nvGrpSpPr>
+        <p:cNvPr id="1" name=""/>
+        <p:cNvGrpSpPr/>
+        <p:nvPr/>
+      </p:nvGrpSpPr>
+      <p:grpSpPr>
+        <a:xfrm>
+          <a:off x="0" y="0"/>
+          <a:ext cx="0" cy="0"/>
+          <a:chOff x="0" y="0"/>
+          <a:chExt cx="0" cy="0"/>
+        </a:xfrm>
+      </p:grpSpPr>
+      <p:sp>
+        <p:nvSpPr>
+          <p:cNvPr id="2" name="Заголовок 1">
+            <a:extLst>
+              <a:ext uri="{FF2B5EF4-FFF2-40B4-BE49-F238E27FC236}">
                 <a16:creationId xmlns:a16="http://schemas.microsoft.com/office/drawing/2014/main" id="{A20EE0A9-9055-48DF-8507-9EDAB8BC925F}"/>
               </a:ext>
             </a:extLst>
@@ -3989,7 +4879,7 @@
 </p:sld>
 </file>
 
-<file path=ppt/slides/slide14.xml><?xml version="1.0" encoding="utf-8"?>
+<file path=ppt/slides/slide19.xml><?xml version="1.0" encoding="utf-8"?>
 <p:sld xmlns:a="http://schemas.openxmlformats.org/drawingml/2006/main" xmlns:r="http://schemas.openxmlformats.org/officeDocument/2006/relationships" xmlns:p="http://schemas.openxmlformats.org/presentationml/2006/main">
   <p:cSld>
     <p:spTree>
@@ -4555,46 +5445,59 @@
             <a:spLocks noGrp="1"/>
           </p:cNvSpPr>
           <p:nvPr>
-            <p:ph type="ctrTitle"/>
+            <p:ph type="title"/>
           </p:nvPr>
         </p:nvSpPr>
         <p:spPr/>
         <p:txBody>
-          <a:bodyPr/>
-          <a:lstStyle/>
-          <a:p>
-            <a:r>
-              <a:rPr lang="ru-RU" b="1" dirty="0"/>
+          <a:bodyPr>
+            <a:normAutofit/>
+          </a:bodyPr>
+          <a:lstStyle/>
+          <a:p>
+            <a:pPr algn="ctr"/>
+            <a:r>
+              <a:rPr lang="ru-RU" sz="6000" b="1" dirty="0"/>
               <a:t>Физика</a:t>
             </a:r>
           </a:p>
         </p:txBody>
       </p:sp>
-      <p:sp>
-        <p:nvSpPr>
-          <p:cNvPr id="3" name="Подзаголовок 2">
-            <a:extLst>
-              <a:ext uri="{FF2B5EF4-FFF2-40B4-BE49-F238E27FC236}">
-                <a16:creationId xmlns:a16="http://schemas.microsoft.com/office/drawing/2014/main" id="{9479161F-DBAF-4A05-B5A4-9DB287040FDE}"/>
-              </a:ext>
-            </a:extLst>
-          </p:cNvPr>
-          <p:cNvSpPr>
-            <a:spLocks noGrp="1"/>
-          </p:cNvSpPr>
-          <p:nvPr>
-            <p:ph type="subTitle" idx="1"/>
-          </p:nvPr>
-        </p:nvSpPr>
-        <p:spPr/>
-        <p:txBody>
-          <a:bodyPr/>
-          <a:lstStyle/>
-          <a:p>
-            <a:endParaRPr lang="ru-RU"/>
-          </a:p>
-        </p:txBody>
-      </p:sp>
+      <p:pic>
+        <p:nvPicPr>
+          <p:cNvPr id="14" name="Объект 13">
+            <a:extLst>
+              <a:ext uri="{FF2B5EF4-FFF2-40B4-BE49-F238E27FC236}">
+                <a16:creationId xmlns:a16="http://schemas.microsoft.com/office/drawing/2014/main" id="{C87A90D4-CC8D-45F1-9EDF-5081FFC96A58}"/>
+              </a:ext>
+            </a:extLst>
+          </p:cNvPr>
+          <p:cNvPicPr>
+            <a:picLocks noGrp="1" noChangeAspect="1"/>
+          </p:cNvPicPr>
+          <p:nvPr>
+            <p:ph idx="1"/>
+          </p:nvPr>
+        </p:nvPicPr>
+        <p:blipFill>
+          <a:blip r:embed="rId2">
+            <a:extLst>
+              <a:ext uri="{28A0092B-C50C-407E-A947-70E740481C1C}">
+                <a14:useLocalDpi xmlns:a14="http://schemas.microsoft.com/office/drawing/2010/main" val="0"/>
+              </a:ext>
+            </a:extLst>
+          </a:blip>
+          <a:stretch>
+            <a:fillRect/>
+          </a:stretch>
+        </p:blipFill>
+        <p:spPr>
+          <a:xfrm>
+            <a:off x="4829960" y="2596945"/>
+            <a:ext cx="2381250" cy="2695575"/>
+          </a:xfrm>
+        </p:spPr>
+      </p:pic>
     </p:spTree>
     <p:extLst>
       <p:ext uri="{BB962C8B-B14F-4D97-AF65-F5344CB8AC3E}">
@@ -4796,7 +5699,7 @@
           <p:cNvPr id="2" name="Заголовок 1">
             <a:extLst>
               <a:ext uri="{FF2B5EF4-FFF2-40B4-BE49-F238E27FC236}">
-                <a16:creationId xmlns:a16="http://schemas.microsoft.com/office/drawing/2014/main" id="{B570436A-8517-42DD-B801-106B3A89AF41}"/>
+                <a16:creationId xmlns:a16="http://schemas.microsoft.com/office/drawing/2014/main" id="{89F0A5DC-E7C2-47D8-A07B-0A52BFDAE775}"/>
               </a:ext>
             </a:extLst>
           </p:cNvPr>
@@ -4807,16 +5710,17 @@
             <p:ph type="title"/>
           </p:nvPr>
         </p:nvSpPr>
-        <p:spPr/>
-        <p:txBody>
-          <a:bodyPr/>
-          <a:lstStyle/>
-          <a:p>
-            <a:pPr algn="ctr"/>
-            <a:r>
-              <a:rPr lang="ru-RU" b="1" dirty="0"/>
-              <a:t>Формулы</a:t>
-            </a:r>
+        <p:spPr>
+          <a:xfrm>
+            <a:off x="839788" y="-719137"/>
+            <a:ext cx="10515600" cy="719137"/>
+          </a:xfrm>
+        </p:spPr>
+        <p:txBody>
+          <a:bodyPr/>
+          <a:lstStyle/>
+          <a:p>
+            <a:endParaRPr lang="ru-RU" dirty="0"/>
           </a:p>
         </p:txBody>
       </p:sp>
@@ -4825,7 +5729,7 @@
           <p:cNvPr id="3" name="Текст 2">
             <a:extLst>
               <a:ext uri="{FF2B5EF4-FFF2-40B4-BE49-F238E27FC236}">
-                <a16:creationId xmlns:a16="http://schemas.microsoft.com/office/drawing/2014/main" id="{A3C02124-6D32-4352-9514-C0145A16C8E8}"/>
+                <a16:creationId xmlns:a16="http://schemas.microsoft.com/office/drawing/2014/main" id="{12AA1766-AB4E-4841-9FD8-0E5DB5561774}"/>
               </a:ext>
             </a:extLst>
           </p:cNvPr>
@@ -4836,7 +5740,12 @@
             <p:ph type="body" idx="1"/>
           </p:nvPr>
         </p:nvSpPr>
-        <p:spPr/>
+        <p:spPr>
+          <a:xfrm>
+            <a:off x="839787" y="668337"/>
+            <a:ext cx="5157787" cy="823912"/>
+          </a:xfrm>
+        </p:spPr>
         <p:txBody>
           <a:bodyPr>
             <a:normAutofit/>
@@ -4845,32 +5754,32 @@
           <a:p>
             <a:pPr algn="ctr"/>
             <a:r>
-              <a:rPr lang="ru-RU" sz="3600" b="0" dirty="0"/>
-              <a:t>Количество теплоты</a:t>
-            </a:r>
-          </a:p>
-        </p:txBody>
-      </p:sp>
-      <p:sp>
-        <p:nvSpPr>
-          <p:cNvPr id="4" name="Объект 3">
-            <a:extLst>
-              <a:ext uri="{FF2B5EF4-FFF2-40B4-BE49-F238E27FC236}">
-                <a16:creationId xmlns:a16="http://schemas.microsoft.com/office/drawing/2014/main" id="{1538EE1F-8C5E-4ABA-98E9-FC11B948641A}"/>
-              </a:ext>
-            </a:extLst>
-          </p:cNvPr>
-          <p:cNvSpPr>
-            <a:spLocks noGrp="1"/>
-          </p:cNvSpPr>
-          <p:nvPr>
-            <p:ph sz="half" idx="2"/>
+              <a:rPr lang="ru-RU" sz="2800" b="0" dirty="0"/>
+              <a:t>Кристаллическая решетка</a:t>
+            </a:r>
+          </a:p>
+        </p:txBody>
+      </p:sp>
+      <p:sp>
+        <p:nvSpPr>
+          <p:cNvPr id="5" name="Текст 4">
+            <a:extLst>
+              <a:ext uri="{FF2B5EF4-FFF2-40B4-BE49-F238E27FC236}">
+                <a16:creationId xmlns:a16="http://schemas.microsoft.com/office/drawing/2014/main" id="{C0032F7A-2213-4F07-BE8D-B60AE769FABD}"/>
+              </a:ext>
+            </a:extLst>
+          </p:cNvPr>
+          <p:cNvSpPr>
+            <a:spLocks noGrp="1"/>
+          </p:cNvSpPr>
+          <p:nvPr>
+            <p:ph type="body" sz="quarter" idx="3"/>
           </p:nvPr>
         </p:nvSpPr>
         <p:spPr>
           <a:xfrm>
-            <a:off x="839788" y="2677211"/>
-            <a:ext cx="5157787" cy="3512451"/>
+            <a:off x="6169025" y="668337"/>
+            <a:ext cx="5183188" cy="823912"/>
           </a:xfrm>
         </p:spPr>
         <p:txBody>
@@ -4879,301 +5788,116 @@
           </a:bodyPr>
           <a:lstStyle/>
           <a:p>
-            <a:pPr marL="0" indent="0" algn="ctr">
-              <a:buNone/>
-            </a:pPr>
-            <a:r>
-              <a:rPr lang="en-US" b="1" dirty="0"/>
-              <a:t>Q = cm</a:t>
-            </a:r>
-            <a:r>
-              <a:rPr lang="el-GR" b="1" dirty="0"/>
-              <a:t>Δ</a:t>
-            </a:r>
-            <a:r>
-              <a:rPr lang="en-US" b="1" dirty="0"/>
-              <a:t>t</a:t>
-            </a:r>
-          </a:p>
-          <a:p>
-            <a:pPr marL="0" indent="0">
-              <a:buNone/>
-            </a:pPr>
-            <a:r>
-              <a:rPr lang="en-US" dirty="0"/>
-              <a:t>Q – </a:t>
-            </a:r>
-            <a:r>
-              <a:rPr lang="ru-RU" dirty="0"/>
-              <a:t>количество теплоты</a:t>
-            </a:r>
-            <a:r>
-              <a:rPr lang="en-US" dirty="0"/>
-              <a:t>,</a:t>
-            </a:r>
-            <a:r>
-              <a:rPr lang="ru-RU" dirty="0"/>
-              <a:t> Дж</a:t>
-            </a:r>
-          </a:p>
-          <a:p>
-            <a:pPr marL="0" indent="0">
-              <a:buNone/>
-            </a:pPr>
-            <a:r>
-              <a:rPr lang="en-US" dirty="0"/>
-              <a:t>c – </a:t>
-            </a:r>
-            <a:r>
-              <a:rPr lang="ru-RU" dirty="0"/>
-              <a:t>удельная теплоемкость вещества</a:t>
-            </a:r>
-            <a:r>
-              <a:rPr lang="en-US" dirty="0"/>
-              <a:t>, </a:t>
-            </a:r>
-            <a:r>
-              <a:rPr lang="ru-RU" dirty="0"/>
-              <a:t>Дж / кг * </a:t>
-            </a:r>
-            <a:r>
-              <a:rPr lang="en-US" dirty="0"/>
-              <a:t>°C</a:t>
-            </a:r>
-            <a:endParaRPr lang="ru-RU" dirty="0"/>
-          </a:p>
-          <a:p>
-            <a:pPr marL="0" indent="0">
-              <a:buNone/>
-            </a:pPr>
-            <a:r>
-              <a:rPr lang="en-US" dirty="0"/>
-              <a:t>m – </a:t>
-            </a:r>
-            <a:r>
-              <a:rPr lang="ru-RU" dirty="0"/>
-              <a:t>масса вещества</a:t>
-            </a:r>
-            <a:r>
-              <a:rPr lang="en-US" dirty="0"/>
-              <a:t>, </a:t>
-            </a:r>
-            <a:r>
-              <a:rPr lang="ru-RU" dirty="0"/>
-              <a:t>кг</a:t>
-            </a:r>
-          </a:p>
-          <a:p>
-            <a:pPr marL="0" indent="0">
-              <a:buNone/>
-            </a:pPr>
-            <a:r>
-              <a:rPr lang="el-GR" dirty="0"/>
-              <a:t>Δ</a:t>
-            </a:r>
-            <a:r>
-              <a:rPr lang="en-US" dirty="0"/>
-              <a:t>t</a:t>
-            </a:r>
-            <a:r>
-              <a:rPr lang="ru-RU" dirty="0"/>
-              <a:t> – изменение температуры</a:t>
-            </a:r>
-            <a:r>
-              <a:rPr lang="en-US" dirty="0"/>
-              <a:t>, °C</a:t>
-            </a:r>
-            <a:endParaRPr lang="ru-RU" dirty="0"/>
-          </a:p>
-          <a:p>
-            <a:pPr marL="0" indent="0">
-              <a:buNone/>
-            </a:pPr>
-            <a:endParaRPr lang="en-US" dirty="0"/>
-          </a:p>
-          <a:p>
-            <a:pPr marL="0" indent="0">
-              <a:buNone/>
-            </a:pPr>
-            <a:endParaRPr lang="en-US" dirty="0"/>
-          </a:p>
-          <a:p>
-            <a:pPr marL="0" indent="0">
-              <a:buNone/>
-            </a:pPr>
-            <a:endParaRPr lang="ru-RU" dirty="0"/>
-          </a:p>
-        </p:txBody>
-      </p:sp>
-      <p:sp>
-        <p:nvSpPr>
-          <p:cNvPr id="5" name="Текст 4">
-            <a:extLst>
-              <a:ext uri="{FF2B5EF4-FFF2-40B4-BE49-F238E27FC236}">
-                <a16:creationId xmlns:a16="http://schemas.microsoft.com/office/drawing/2014/main" id="{4D72D778-75C4-4A4C-B5FD-F63EF50C99DB}"/>
-              </a:ext>
-            </a:extLst>
-          </p:cNvPr>
-          <p:cNvSpPr>
-            <a:spLocks noGrp="1"/>
-          </p:cNvSpPr>
-          <p:nvPr>
-            <p:ph type="body" sz="quarter" idx="3"/>
-          </p:nvPr>
-        </p:nvSpPr>
-        <p:spPr/>
-        <p:txBody>
-          <a:bodyPr>
-            <a:normAutofit/>
-          </a:bodyPr>
-          <a:lstStyle/>
-          <a:p>
             <a:pPr algn="ctr"/>
             <a:r>
-              <a:rPr lang="ru-RU" sz="3600" b="0" dirty="0"/>
-              <a:t>Мощность</a:t>
-            </a:r>
-          </a:p>
-        </p:txBody>
-      </p:sp>
-      <p:sp>
-        <p:nvSpPr>
-          <p:cNvPr id="6" name="Объект 5">
-            <a:extLst>
-              <a:ext uri="{FF2B5EF4-FFF2-40B4-BE49-F238E27FC236}">
-                <a16:creationId xmlns:a16="http://schemas.microsoft.com/office/drawing/2014/main" id="{4F86ADCB-8DFD-41FD-932B-1CD0757CA067}"/>
-              </a:ext>
-            </a:extLst>
-          </p:cNvPr>
-          <p:cNvSpPr>
-            <a:spLocks noGrp="1"/>
-          </p:cNvSpPr>
+              <a:rPr lang="ru-RU" sz="2800" b="0" dirty="0"/>
+              <a:t>Солнечная система</a:t>
+            </a:r>
+          </a:p>
+        </p:txBody>
+      </p:sp>
+      <p:pic>
+        <p:nvPicPr>
+          <p:cNvPr id="1026" name="Picture 2" descr="Взаимосвязь типа химической связи с видом кристаллической решетки • Химия,  Химическая связь | Фоксфорд Учебник">
+            <a:extLst>
+              <a:ext uri="{FF2B5EF4-FFF2-40B4-BE49-F238E27FC236}">
+                <a16:creationId xmlns:a16="http://schemas.microsoft.com/office/drawing/2014/main" id="{472AB6AC-4C73-4D49-A0E0-30CE219C52A1}"/>
+              </a:ext>
+            </a:extLst>
+          </p:cNvPr>
+          <p:cNvPicPr>
+            <a:picLocks noGrp="1" noChangeAspect="1" noChangeArrowheads="1"/>
+          </p:cNvPicPr>
+          <p:nvPr>
+            <p:ph sz="half" idx="2"/>
+          </p:nvPr>
+        </p:nvPicPr>
+        <p:blipFill>
+          <a:blip r:embed="rId2">
+            <a:extLst>
+              <a:ext uri="{28A0092B-C50C-407E-A947-70E740481C1C}">
+                <a14:useLocalDpi xmlns:a14="http://schemas.microsoft.com/office/drawing/2010/main" val="0"/>
+              </a:ext>
+            </a:extLst>
+          </a:blip>
+          <a:srcRect/>
+          <a:stretch>
+            <a:fillRect/>
+          </a:stretch>
+        </p:blipFill>
+        <p:spPr bwMode="auto">
+          <a:xfrm>
+            <a:off x="1200150" y="1752600"/>
+            <a:ext cx="4437063" cy="4437063"/>
+          </a:xfrm>
+          <a:prstGeom prst="rect">
+            <a:avLst/>
+          </a:prstGeom>
+          <a:noFill/>
+          <a:extLst>
+            <a:ext uri="{909E8E84-426E-40DD-AFC4-6F175D3DCCD1}">
+              <a14:hiddenFill xmlns:a14="http://schemas.microsoft.com/office/drawing/2010/main">
+                <a:solidFill>
+                  <a:srgbClr val="FFFFFF"/>
+                </a:solidFill>
+              </a14:hiddenFill>
+            </a:ext>
+          </a:extLst>
+        </p:spPr>
+      </p:pic>
+      <p:pic>
+        <p:nvPicPr>
+          <p:cNvPr id="1040" name="Picture 16" descr="Солнечная система: факты, размеры, числа">
+            <a:extLst>
+              <a:ext uri="{FF2B5EF4-FFF2-40B4-BE49-F238E27FC236}">
+                <a16:creationId xmlns:a16="http://schemas.microsoft.com/office/drawing/2014/main" id="{89EE8DA9-1BB0-4D68-BC17-4ED9825907CA}"/>
+              </a:ext>
+            </a:extLst>
+          </p:cNvPr>
+          <p:cNvPicPr>
+            <a:picLocks noGrp="1" noChangeAspect="1" noChangeArrowheads="1"/>
+          </p:cNvPicPr>
           <p:nvPr>
             <p:ph sz="quarter" idx="4"/>
           </p:nvPr>
-        </p:nvSpPr>
-        <p:spPr>
+        </p:nvPicPr>
+        <p:blipFill>
+          <a:blip r:embed="rId3">
+            <a:extLst>
+              <a:ext uri="{28A0092B-C50C-407E-A947-70E740481C1C}">
+                <a14:useLocalDpi xmlns:a14="http://schemas.microsoft.com/office/drawing/2010/main" val="0"/>
+              </a:ext>
+            </a:extLst>
+          </a:blip>
+          <a:srcRect/>
+          <a:stretch>
+            <a:fillRect/>
+          </a:stretch>
+        </p:blipFill>
+        <p:spPr bwMode="auto">
           <a:xfrm>
-            <a:off x="6172200" y="2677211"/>
-            <a:ext cx="5183188" cy="3512452"/>
+            <a:off x="6172200" y="2243402"/>
+            <a:ext cx="5183188" cy="3455458"/>
           </a:xfrm>
+          <a:prstGeom prst="rect">
+            <a:avLst/>
+          </a:prstGeom>
+          <a:noFill/>
+          <a:extLst>
+            <a:ext uri="{909E8E84-426E-40DD-AFC4-6F175D3DCCD1}">
+              <a14:hiddenFill xmlns:a14="http://schemas.microsoft.com/office/drawing/2010/main">
+                <a:solidFill>
+                  <a:srgbClr val="FFFFFF"/>
+                </a:solidFill>
+              </a14:hiddenFill>
+            </a:ext>
+          </a:extLst>
         </p:spPr>
-        <p:txBody>
-          <a:bodyPr>
-            <a:normAutofit/>
-          </a:bodyPr>
-          <a:lstStyle/>
-          <a:p>
-            <a:pPr marL="0" indent="0" algn="ctr">
-              <a:buNone/>
-            </a:pPr>
-            <a:r>
-              <a:rPr lang="en-US" b="1" dirty="0"/>
-              <a:t>P = A / t</a:t>
-            </a:r>
-          </a:p>
-          <a:p>
-            <a:pPr marL="0" indent="0">
-              <a:buNone/>
-            </a:pPr>
-            <a:r>
-              <a:rPr lang="en-US" b="1" dirty="0"/>
-              <a:t>A = Q</a:t>
-            </a:r>
-            <a:r>
-              <a:rPr lang="en-US" dirty="0"/>
-              <a:t>, </a:t>
-            </a:r>
-            <a:r>
-              <a:rPr lang="ru-RU" dirty="0"/>
-              <a:t>следовательно</a:t>
-            </a:r>
-            <a:endParaRPr lang="en-US" dirty="0"/>
-          </a:p>
-          <a:p>
-            <a:pPr marL="0" indent="0">
-              <a:buNone/>
-            </a:pPr>
-            <a:r>
-              <a:rPr lang="en-US" b="1" dirty="0"/>
-              <a:t>t = Q / P</a:t>
-            </a:r>
-          </a:p>
-          <a:p>
-            <a:pPr marL="0" indent="0">
-              <a:buNone/>
-            </a:pPr>
-            <a:r>
-              <a:rPr lang="en-US" dirty="0"/>
-              <a:t>P </a:t>
-            </a:r>
-            <a:r>
-              <a:rPr lang="ru-RU" dirty="0"/>
-              <a:t>– мощность</a:t>
-            </a:r>
-            <a:r>
-              <a:rPr lang="en-US" dirty="0"/>
-              <a:t>, </a:t>
-            </a:r>
-            <a:r>
-              <a:rPr lang="ru-RU" dirty="0"/>
-              <a:t>Вт</a:t>
-            </a:r>
-          </a:p>
-          <a:p>
-            <a:pPr marL="0" indent="0">
-              <a:buNone/>
-            </a:pPr>
-            <a:r>
-              <a:rPr lang="en-US" dirty="0"/>
-              <a:t>A – </a:t>
-            </a:r>
-            <a:r>
-              <a:rPr lang="ru-RU" dirty="0"/>
-              <a:t>работа</a:t>
-            </a:r>
-            <a:r>
-              <a:rPr lang="en-US" dirty="0"/>
-              <a:t>, </a:t>
-            </a:r>
-            <a:r>
-              <a:rPr lang="ru-RU" dirty="0"/>
-              <a:t>Дж</a:t>
-            </a:r>
-          </a:p>
-          <a:p>
-            <a:pPr marL="0" indent="0">
-              <a:buNone/>
-            </a:pPr>
-            <a:r>
-              <a:rPr lang="en-US" dirty="0"/>
-              <a:t>t – </a:t>
-            </a:r>
-            <a:r>
-              <a:rPr lang="ru-RU" dirty="0"/>
-              <a:t>время</a:t>
-            </a:r>
-            <a:r>
-              <a:rPr lang="en-US" dirty="0"/>
-              <a:t>, </a:t>
-            </a:r>
-            <a:r>
-              <a:rPr lang="ru-RU" dirty="0"/>
-              <a:t>с</a:t>
-            </a:r>
-          </a:p>
-          <a:p>
-            <a:pPr marL="0" indent="0">
-              <a:buNone/>
-            </a:pPr>
-            <a:endParaRPr lang="ru-RU" dirty="0"/>
-          </a:p>
-        </p:txBody>
-      </p:sp>
+      </p:pic>
     </p:spTree>
     <p:extLst>
       <p:ext uri="{BB962C8B-B14F-4D97-AF65-F5344CB8AC3E}">
-        <p14:creationId xmlns:p14="http://schemas.microsoft.com/office/powerpoint/2010/main" val="1485155102"/>
+        <p14:creationId xmlns:p14="http://schemas.microsoft.com/office/powerpoint/2010/main" val="11033003"/>
       </p:ext>
     </p:extLst>
   </p:cSld>
@@ -5205,15 +5929,15 @@
           <p:cNvPr id="2" name="Заголовок 1">
             <a:extLst>
               <a:ext uri="{FF2B5EF4-FFF2-40B4-BE49-F238E27FC236}">
-                <a16:creationId xmlns:a16="http://schemas.microsoft.com/office/drawing/2014/main" id="{0E8AFAE8-38E9-419D-B3B5-F01C8FEE4714}"/>
-              </a:ext>
-            </a:extLst>
-          </p:cNvPr>
-          <p:cNvSpPr>
-            <a:spLocks noGrp="1"/>
-          </p:cNvSpPr>
-          <p:nvPr>
-            <p:ph type="ctrTitle"/>
+                <a16:creationId xmlns:a16="http://schemas.microsoft.com/office/drawing/2014/main" id="{261AA83A-DAF7-423F-8BBB-57C47259452F}"/>
+              </a:ext>
+            </a:extLst>
+          </p:cNvPr>
+          <p:cNvSpPr>
+            <a:spLocks noGrp="1"/>
+          </p:cNvSpPr>
+          <p:nvPr>
+            <p:ph type="title"/>
           </p:nvPr>
         </p:nvSpPr>
         <p:spPr/>
@@ -5221,42 +5945,114 @@
           <a:bodyPr/>
           <a:lstStyle/>
           <a:p>
-            <a:r>
-              <a:rPr lang="ru-RU" b="1" dirty="0"/>
-              <a:t>Программирование</a:t>
-            </a:r>
-          </a:p>
-        </p:txBody>
-      </p:sp>
-      <p:sp>
-        <p:nvSpPr>
-          <p:cNvPr id="3" name="Подзаголовок 2">
-            <a:extLst>
-              <a:ext uri="{FF2B5EF4-FFF2-40B4-BE49-F238E27FC236}">
-                <a16:creationId xmlns:a16="http://schemas.microsoft.com/office/drawing/2014/main" id="{32258625-2179-48E9-9699-9B3FA99A5026}"/>
-              </a:ext>
-            </a:extLst>
-          </p:cNvPr>
-          <p:cNvSpPr>
-            <a:spLocks noGrp="1"/>
-          </p:cNvSpPr>
-          <p:nvPr>
-            <p:ph type="subTitle" idx="1"/>
-          </p:nvPr>
-        </p:nvSpPr>
-        <p:spPr/>
-        <p:txBody>
-          <a:bodyPr/>
-          <a:lstStyle/>
-          <a:p>
-            <a:endParaRPr lang="ru-RU" dirty="0"/>
-          </a:p>
-        </p:txBody>
-      </p:sp>
+            <a:pPr algn="ctr"/>
+            <a:r>
+              <a:rPr lang="ru-RU" dirty="0"/>
+              <a:t>Кипение воды на газовой горелке</a:t>
+            </a:r>
+          </a:p>
+        </p:txBody>
+      </p:sp>
+      <p:pic>
+        <p:nvPicPr>
+          <p:cNvPr id="2052" name="Picture 4" descr="6 лучших газовых горелок - Рейтинг 2022 - Топ 6">
+            <a:extLst>
+              <a:ext uri="{FF2B5EF4-FFF2-40B4-BE49-F238E27FC236}">
+                <a16:creationId xmlns:a16="http://schemas.microsoft.com/office/drawing/2014/main" id="{A461DE0A-4362-46D5-8ED5-F7B21A765E41}"/>
+              </a:ext>
+            </a:extLst>
+          </p:cNvPr>
+          <p:cNvPicPr>
+            <a:picLocks noChangeAspect="1" noChangeArrowheads="1"/>
+          </p:cNvPicPr>
+          <p:nvPr/>
+        </p:nvPicPr>
+        <p:blipFill>
+          <a:blip r:embed="rId2">
+            <a:extLst>
+              <a:ext uri="{28A0092B-C50C-407E-A947-70E740481C1C}">
+                <a14:useLocalDpi xmlns:a14="http://schemas.microsoft.com/office/drawing/2010/main" val="0"/>
+              </a:ext>
+            </a:extLst>
+          </a:blip>
+          <a:srcRect/>
+          <a:stretch>
+            <a:fillRect/>
+          </a:stretch>
+        </p:blipFill>
+        <p:spPr bwMode="auto">
+          <a:xfrm>
+            <a:off x="6775514" y="1858616"/>
+            <a:ext cx="4578285" cy="4351338"/>
+          </a:xfrm>
+          <a:prstGeom prst="rect">
+            <a:avLst/>
+          </a:prstGeom>
+          <a:noFill/>
+          <a:extLst>
+            <a:ext uri="{909E8E84-426E-40DD-AFC4-6F175D3DCCD1}">
+              <a14:hiddenFill xmlns:a14="http://schemas.microsoft.com/office/drawing/2010/main">
+                <a:solidFill>
+                  <a:srgbClr val="FFFFFF"/>
+                </a:solidFill>
+              </a14:hiddenFill>
+            </a:ext>
+          </a:extLst>
+        </p:spPr>
+      </p:pic>
+      <p:pic>
+        <p:nvPicPr>
+          <p:cNvPr id="2054" name="Picture 6" descr="1.5л туристический котелок NatureHike Camping Pot">
+            <a:extLst>
+              <a:ext uri="{FF2B5EF4-FFF2-40B4-BE49-F238E27FC236}">
+                <a16:creationId xmlns:a16="http://schemas.microsoft.com/office/drawing/2014/main" id="{25CAF13B-AAA8-40CC-B22C-877D49B406D1}"/>
+              </a:ext>
+            </a:extLst>
+          </p:cNvPr>
+          <p:cNvPicPr>
+            <a:picLocks noGrp="1" noChangeAspect="1" noChangeArrowheads="1"/>
+          </p:cNvPicPr>
+          <p:nvPr>
+            <p:ph idx="1"/>
+          </p:nvPr>
+        </p:nvPicPr>
+        <p:blipFill>
+          <a:blip r:embed="rId3">
+            <a:extLst>
+              <a:ext uri="{28A0092B-C50C-407E-A947-70E740481C1C}">
+                <a14:useLocalDpi xmlns:a14="http://schemas.microsoft.com/office/drawing/2010/main" val="0"/>
+              </a:ext>
+            </a:extLst>
+          </a:blip>
+          <a:srcRect/>
+          <a:stretch>
+            <a:fillRect/>
+          </a:stretch>
+        </p:blipFill>
+        <p:spPr bwMode="auto">
+          <a:xfrm>
+            <a:off x="838201" y="1858616"/>
+            <a:ext cx="5257800" cy="4351339"/>
+          </a:xfrm>
+          <a:prstGeom prst="rect">
+            <a:avLst/>
+          </a:prstGeom>
+          <a:noFill/>
+          <a:extLst>
+            <a:ext uri="{909E8E84-426E-40DD-AFC4-6F175D3DCCD1}">
+              <a14:hiddenFill xmlns:a14="http://schemas.microsoft.com/office/drawing/2010/main">
+                <a:solidFill>
+                  <a:srgbClr val="FFFFFF"/>
+                </a:solidFill>
+              </a14:hiddenFill>
+            </a:ext>
+          </a:extLst>
+        </p:spPr>
+      </p:pic>
     </p:spTree>
     <p:extLst>
       <p:ext uri="{BB962C8B-B14F-4D97-AF65-F5344CB8AC3E}">
-        <p14:creationId xmlns:p14="http://schemas.microsoft.com/office/powerpoint/2010/main" val="3823498613"/>
+        <p14:creationId xmlns:p14="http://schemas.microsoft.com/office/powerpoint/2010/main" val="855981689"/>
       </p:ext>
     </p:extLst>
   </p:cSld>

--- a/info/Моделирование.pptx
+++ b/info/Моделирование.pptx
@@ -21,9 +21,11 @@
     <p:sldId id="274" r:id="rId15"/>
     <p:sldId id="275" r:id="rId16"/>
     <p:sldId id="265" r:id="rId17"/>
-    <p:sldId id="261" r:id="rId18"/>
-    <p:sldId id="267" r:id="rId19"/>
-    <p:sldId id="262" r:id="rId20"/>
+    <p:sldId id="276" r:id="rId18"/>
+    <p:sldId id="277" r:id="rId19"/>
+    <p:sldId id="261" r:id="rId20"/>
+    <p:sldId id="267" r:id="rId21"/>
+    <p:sldId id="262" r:id="rId22"/>
   </p:sldIdLst>
   <p:sldSz cx="12192000" cy="6858000"/>
   <p:notesSz cx="6858000" cy="9144000"/>
@@ -277,7 +279,7 @@
           <a:p>
             <a:fld id="{B0D21DAE-CD54-4DF0-AB83-F6E3861581A8}" type="datetimeFigureOut">
               <a:rPr lang="ru-RU" smtClean="0"/>
-              <a:t>10.04.2022</a:t>
+              <a:t>14.04.2022</a:t>
             </a:fld>
             <a:endParaRPr lang="ru-RU" dirty="0"/>
           </a:p>
@@ -475,7 +477,7 @@
           <a:p>
             <a:fld id="{B0D21DAE-CD54-4DF0-AB83-F6E3861581A8}" type="datetimeFigureOut">
               <a:rPr lang="ru-RU" smtClean="0"/>
-              <a:t>10.04.2022</a:t>
+              <a:t>14.04.2022</a:t>
             </a:fld>
             <a:endParaRPr lang="ru-RU" dirty="0"/>
           </a:p>
@@ -683,7 +685,7 @@
           <a:p>
             <a:fld id="{B0D21DAE-CD54-4DF0-AB83-F6E3861581A8}" type="datetimeFigureOut">
               <a:rPr lang="ru-RU" smtClean="0"/>
-              <a:t>10.04.2022</a:t>
+              <a:t>14.04.2022</a:t>
             </a:fld>
             <a:endParaRPr lang="ru-RU" dirty="0"/>
           </a:p>
@@ -881,7 +883,7 @@
           <a:p>
             <a:fld id="{B0D21DAE-CD54-4DF0-AB83-F6E3861581A8}" type="datetimeFigureOut">
               <a:rPr lang="ru-RU" smtClean="0"/>
-              <a:t>10.04.2022</a:t>
+              <a:t>14.04.2022</a:t>
             </a:fld>
             <a:endParaRPr lang="ru-RU" dirty="0"/>
           </a:p>
@@ -1156,7 +1158,7 @@
           <a:p>
             <a:fld id="{B0D21DAE-CD54-4DF0-AB83-F6E3861581A8}" type="datetimeFigureOut">
               <a:rPr lang="ru-RU" smtClean="0"/>
-              <a:t>10.04.2022</a:t>
+              <a:t>14.04.2022</a:t>
             </a:fld>
             <a:endParaRPr lang="ru-RU" dirty="0"/>
           </a:p>
@@ -1421,7 +1423,7 @@
           <a:p>
             <a:fld id="{B0D21DAE-CD54-4DF0-AB83-F6E3861581A8}" type="datetimeFigureOut">
               <a:rPr lang="ru-RU" smtClean="0"/>
-              <a:t>10.04.2022</a:t>
+              <a:t>14.04.2022</a:t>
             </a:fld>
             <a:endParaRPr lang="ru-RU" dirty="0"/>
           </a:p>
@@ -1833,7 +1835,7 @@
           <a:p>
             <a:fld id="{B0D21DAE-CD54-4DF0-AB83-F6E3861581A8}" type="datetimeFigureOut">
               <a:rPr lang="ru-RU" smtClean="0"/>
-              <a:t>10.04.2022</a:t>
+              <a:t>14.04.2022</a:t>
             </a:fld>
             <a:endParaRPr lang="ru-RU" dirty="0"/>
           </a:p>
@@ -1974,7 +1976,7 @@
           <a:p>
             <a:fld id="{B0D21DAE-CD54-4DF0-AB83-F6E3861581A8}" type="datetimeFigureOut">
               <a:rPr lang="ru-RU" smtClean="0"/>
-              <a:t>10.04.2022</a:t>
+              <a:t>14.04.2022</a:t>
             </a:fld>
             <a:endParaRPr lang="ru-RU" dirty="0"/>
           </a:p>
@@ -2087,7 +2089,7 @@
           <a:p>
             <a:fld id="{B0D21DAE-CD54-4DF0-AB83-F6E3861581A8}" type="datetimeFigureOut">
               <a:rPr lang="ru-RU" smtClean="0"/>
-              <a:t>10.04.2022</a:t>
+              <a:t>14.04.2022</a:t>
             </a:fld>
             <a:endParaRPr lang="ru-RU" dirty="0"/>
           </a:p>
@@ -2398,7 +2400,7 @@
           <a:p>
             <a:fld id="{B0D21DAE-CD54-4DF0-AB83-F6E3861581A8}" type="datetimeFigureOut">
               <a:rPr lang="ru-RU" smtClean="0"/>
-              <a:t>10.04.2022</a:t>
+              <a:t>14.04.2022</a:t>
             </a:fld>
             <a:endParaRPr lang="ru-RU" dirty="0"/>
           </a:p>
@@ -2686,7 +2688,7 @@
           <a:p>
             <a:fld id="{B0D21DAE-CD54-4DF0-AB83-F6E3861581A8}" type="datetimeFigureOut">
               <a:rPr lang="ru-RU" smtClean="0"/>
-              <a:t>10.04.2022</a:t>
+              <a:t>14.04.2022</a:t>
             </a:fld>
             <a:endParaRPr lang="ru-RU" dirty="0"/>
           </a:p>
@@ -2936,7 +2938,7 @@
           <a:p>
             <a:fld id="{B0D21DAE-CD54-4DF0-AB83-F6E3861581A8}" type="datetimeFigureOut">
               <a:rPr lang="ru-RU" smtClean="0"/>
-              <a:t>10.04.2022</a:t>
+              <a:t>14.04.2022</a:t>
             </a:fld>
             <a:endParaRPr lang="ru-RU" dirty="0"/>
           </a:p>
@@ -4560,7 +4562,7 @@
           <p:cNvPr id="2" name="Заголовок 1">
             <a:extLst>
               <a:ext uri="{FF2B5EF4-FFF2-40B4-BE49-F238E27FC236}">
-                <a16:creationId xmlns:a16="http://schemas.microsoft.com/office/drawing/2014/main" id="{77FCB7F1-1404-4554-8AAD-BE561D20B9B9}"/>
+                <a16:creationId xmlns:a16="http://schemas.microsoft.com/office/drawing/2014/main" id="{76AA26DF-3363-42A3-B336-819CA6BE5C3B}"/>
               </a:ext>
             </a:extLst>
           </p:cNvPr>
@@ -4577,18 +4579,18 @@
           <a:lstStyle/>
           <a:p>
             <a:r>
-              <a:rPr lang="ru-RU" b="1" dirty="0"/>
-              <a:t>Выводы</a:t>
-            </a:r>
-          </a:p>
-        </p:txBody>
-      </p:sp>
-      <p:sp>
-        <p:nvSpPr>
-          <p:cNvPr id="4" name="Подзаголовок 3">
-            <a:extLst>
-              <a:ext uri="{FF2B5EF4-FFF2-40B4-BE49-F238E27FC236}">
-                <a16:creationId xmlns:a16="http://schemas.microsoft.com/office/drawing/2014/main" id="{63D7FCBF-F788-419C-A490-B3E113E5F3F5}"/>
+              <a:rPr lang="ru-RU" dirty="0"/>
+              <a:t>Таблицы</a:t>
+            </a:r>
+          </a:p>
+        </p:txBody>
+      </p:sp>
+      <p:sp>
+        <p:nvSpPr>
+          <p:cNvPr id="3" name="Подзаголовок 2">
+            <a:extLst>
+              <a:ext uri="{FF2B5EF4-FFF2-40B4-BE49-F238E27FC236}">
+                <a16:creationId xmlns:a16="http://schemas.microsoft.com/office/drawing/2014/main" id="{5348F8ED-8687-4BB2-91D7-FB48E17840B6}"/>
               </a:ext>
             </a:extLst>
           </p:cNvPr>
@@ -4611,7 +4613,7 @@
     </p:spTree>
     <p:extLst>
       <p:ext uri="{BB962C8B-B14F-4D97-AF65-F5344CB8AC3E}">
-        <p14:creationId xmlns:p14="http://schemas.microsoft.com/office/powerpoint/2010/main" val="1547816207"/>
+        <p14:creationId xmlns:p14="http://schemas.microsoft.com/office/powerpoint/2010/main" val="409695839"/>
       </p:ext>
     </p:extLst>
   </p:cSld>
@@ -4643,6 +4645,669 @@
           <p:cNvPr id="2" name="Заголовок 1">
             <a:extLst>
               <a:ext uri="{FF2B5EF4-FFF2-40B4-BE49-F238E27FC236}">
+                <a16:creationId xmlns:a16="http://schemas.microsoft.com/office/drawing/2014/main" id="{1C807D64-95A5-42F1-8DBB-E25CF75E01E6}"/>
+              </a:ext>
+            </a:extLst>
+          </p:cNvPr>
+          <p:cNvSpPr>
+            <a:spLocks noGrp="1"/>
+          </p:cNvSpPr>
+          <p:nvPr>
+            <p:ph type="title"/>
+          </p:nvPr>
+        </p:nvSpPr>
+        <p:spPr/>
+        <p:txBody>
+          <a:bodyPr>
+            <a:normAutofit/>
+          </a:bodyPr>
+          <a:lstStyle/>
+          <a:p>
+            <a:pPr algn="ctr"/>
+            <a:r>
+              <a:rPr lang="ru-RU" sz="4000" dirty="0"/>
+              <a:t>Зависимость времени кипения от объема воды</a:t>
+            </a:r>
+          </a:p>
+        </p:txBody>
+      </p:sp>
+      <p:sp>
+        <p:nvSpPr>
+          <p:cNvPr id="3" name="Объект 2">
+            <a:extLst>
+              <a:ext uri="{FF2B5EF4-FFF2-40B4-BE49-F238E27FC236}">
+                <a16:creationId xmlns:a16="http://schemas.microsoft.com/office/drawing/2014/main" id="{90ED841C-1DDC-45A4-99BB-FFBCE798B361}"/>
+              </a:ext>
+            </a:extLst>
+          </p:cNvPr>
+          <p:cNvSpPr>
+            <a:spLocks noGrp="1"/>
+          </p:cNvSpPr>
+          <p:nvPr>
+            <p:ph idx="1"/>
+          </p:nvPr>
+        </p:nvSpPr>
+        <p:spPr/>
+        <p:txBody>
+          <a:bodyPr/>
+          <a:lstStyle/>
+          <a:p>
+            <a:pPr marL="0" indent="0">
+              <a:buNone/>
+            </a:pPr>
+            <a:r>
+              <a:rPr lang="ru-RU" dirty="0"/>
+              <a:t>Постоянные значения</a:t>
+            </a:r>
+            <a:r>
+              <a:rPr lang="en-US" dirty="0"/>
+              <a:t>: </a:t>
+            </a:r>
+            <a:r>
+              <a:rPr lang="ru-RU" dirty="0"/>
+              <a:t>материал котелка – алюминий</a:t>
+            </a:r>
+            <a:r>
+              <a:rPr lang="en-US" dirty="0"/>
+              <a:t>, </a:t>
+            </a:r>
+            <a:r>
+              <a:rPr lang="ru-RU" dirty="0"/>
+              <a:t>масса котелка – 1 кг, начальная температура – 10</a:t>
+            </a:r>
+            <a:r>
+              <a:rPr lang="en-US" dirty="0"/>
+              <a:t> °C, </a:t>
+            </a:r>
+            <a:r>
+              <a:rPr lang="ru-RU" dirty="0"/>
+              <a:t>мощность горелки – 2 кВт</a:t>
+            </a:r>
+            <a:r>
+              <a:rPr lang="en-US" dirty="0"/>
+              <a:t>.</a:t>
+            </a:r>
+            <a:endParaRPr lang="ru-RU" dirty="0"/>
+          </a:p>
+          <a:p>
+            <a:pPr marL="0" indent="0">
+              <a:buNone/>
+            </a:pPr>
+            <a:endParaRPr lang="en-US" dirty="0"/>
+          </a:p>
+          <a:p>
+            <a:pPr marL="0" indent="0">
+              <a:buNone/>
+            </a:pPr>
+            <a:endParaRPr lang="ru-RU" dirty="0"/>
+          </a:p>
+        </p:txBody>
+      </p:sp>
+      <p:graphicFrame>
+        <p:nvGraphicFramePr>
+          <p:cNvPr id="4" name="Таблица 3">
+            <a:extLst>
+              <a:ext uri="{FF2B5EF4-FFF2-40B4-BE49-F238E27FC236}">
+                <a16:creationId xmlns:a16="http://schemas.microsoft.com/office/drawing/2014/main" id="{0EAA7B8C-E8F3-4CE3-AFCC-AFA0B39ED6F0}"/>
+              </a:ext>
+            </a:extLst>
+          </p:cNvPr>
+          <p:cNvGraphicFramePr>
+            <a:graphicFrameLocks noGrp="1"/>
+          </p:cNvGraphicFramePr>
+          <p:nvPr>
+            <p:extLst>
+              <p:ext uri="{D42A27DB-BD31-4B8C-83A1-F6EECF244321}">
+                <p14:modId xmlns:p14="http://schemas.microsoft.com/office/powerpoint/2010/main" val="3217303948"/>
+              </p:ext>
+            </p:extLst>
+          </p:nvPr>
+        </p:nvGraphicFramePr>
+        <p:xfrm>
+          <a:off x="2032000" y="3293184"/>
+          <a:ext cx="8128000" cy="2595880"/>
+        </p:xfrm>
+        <a:graphic>
+          <a:graphicData uri="http://schemas.openxmlformats.org/drawingml/2006/table">
+            <a:tbl>
+              <a:tblPr firstRow="1" bandRow="1">
+                <a:tableStyleId>{5C22544A-7EE6-4342-B048-85BDC9FD1C3A}</a:tableStyleId>
+              </a:tblPr>
+              <a:tblGrid>
+                <a:gridCol w="4064000">
+                  <a:extLst>
+                    <a:ext uri="{9D8B030D-6E8A-4147-A177-3AD203B41FA5}">
+                      <a16:colId xmlns:a16="http://schemas.microsoft.com/office/drawing/2014/main" val="3141872982"/>
+                    </a:ext>
+                  </a:extLst>
+                </a:gridCol>
+                <a:gridCol w="4064000">
+                  <a:extLst>
+                    <a:ext uri="{9D8B030D-6E8A-4147-A177-3AD203B41FA5}">
+                      <a16:colId xmlns:a16="http://schemas.microsoft.com/office/drawing/2014/main" val="260762804"/>
+                    </a:ext>
+                  </a:extLst>
+                </a:gridCol>
+              </a:tblGrid>
+              <a:tr h="370840">
+                <a:tc>
+                  <a:txBody>
+                    <a:bodyPr/>
+                    <a:lstStyle/>
+                    <a:p>
+                      <a:pPr algn="ctr"/>
+                      <a:r>
+                        <a:rPr lang="ru-RU" dirty="0"/>
+                        <a:t>Объем воды</a:t>
+                      </a:r>
+                      <a:r>
+                        <a:rPr lang="en-US" dirty="0"/>
+                        <a:t>, </a:t>
+                      </a:r>
+                      <a:r>
+                        <a:rPr lang="ru-RU" dirty="0"/>
+                        <a:t>л</a:t>
+                      </a:r>
+                    </a:p>
+                  </a:txBody>
+                  <a:tcPr/>
+                </a:tc>
+                <a:tc>
+                  <a:txBody>
+                    <a:bodyPr/>
+                    <a:lstStyle/>
+                    <a:p>
+                      <a:pPr algn="ctr"/>
+                      <a:r>
+                        <a:rPr lang="ru-RU" dirty="0"/>
+                        <a:t>Время закипания</a:t>
+                      </a:r>
+                      <a:r>
+                        <a:rPr lang="en-US" dirty="0"/>
+                        <a:t>, </a:t>
+                      </a:r>
+                      <a:r>
+                        <a:rPr lang="ru-RU" dirty="0"/>
+                        <a:t>мин</a:t>
+                      </a:r>
+                    </a:p>
+                  </a:txBody>
+                  <a:tcPr/>
+                </a:tc>
+                <a:extLst>
+                  <a:ext uri="{0D108BD9-81ED-4DB2-BD59-A6C34878D82A}">
+                    <a16:rowId xmlns:a16="http://schemas.microsoft.com/office/drawing/2014/main" val="3945264123"/>
+                  </a:ext>
+                </a:extLst>
+              </a:tr>
+              <a:tr h="370840">
+                <a:tc>
+                  <a:txBody>
+                    <a:bodyPr/>
+                    <a:lstStyle/>
+                    <a:p>
+                      <a:pPr algn="ctr"/>
+                      <a:r>
+                        <a:rPr lang="ru-RU" dirty="0"/>
+                        <a:t>1</a:t>
+                      </a:r>
+                    </a:p>
+                  </a:txBody>
+                  <a:tcPr/>
+                </a:tc>
+                <a:tc>
+                  <a:txBody>
+                    <a:bodyPr/>
+                    <a:lstStyle/>
+                    <a:p>
+                      <a:pPr algn="ctr"/>
+                      <a:r>
+                        <a:rPr lang="ru-RU" dirty="0"/>
+                        <a:t>8</a:t>
+                      </a:r>
+                      <a:r>
+                        <a:rPr lang="en-US" dirty="0"/>
+                        <a:t>,45</a:t>
+                      </a:r>
+                      <a:endParaRPr lang="ru-RU" dirty="0"/>
+                    </a:p>
+                  </a:txBody>
+                  <a:tcPr/>
+                </a:tc>
+                <a:extLst>
+                  <a:ext uri="{0D108BD9-81ED-4DB2-BD59-A6C34878D82A}">
+                    <a16:rowId xmlns:a16="http://schemas.microsoft.com/office/drawing/2014/main" val="3345229846"/>
+                  </a:ext>
+                </a:extLst>
+              </a:tr>
+              <a:tr h="370840">
+                <a:tc>
+                  <a:txBody>
+                    <a:bodyPr/>
+                    <a:lstStyle/>
+                    <a:p>
+                      <a:pPr algn="ctr"/>
+                      <a:r>
+                        <a:rPr lang="ru-RU" dirty="0"/>
+                        <a:t>1</a:t>
+                      </a:r>
+                      <a:r>
+                        <a:rPr lang="en-US" dirty="0"/>
+                        <a:t>,5</a:t>
+                      </a:r>
+                      <a:endParaRPr lang="ru-RU" dirty="0"/>
+                    </a:p>
+                  </a:txBody>
+                  <a:tcPr/>
+                </a:tc>
+                <a:tc>
+                  <a:txBody>
+                    <a:bodyPr/>
+                    <a:lstStyle/>
+                    <a:p>
+                      <a:pPr algn="ctr"/>
+                      <a:r>
+                        <a:rPr lang="en-US" dirty="0"/>
+                        <a:t>11,91</a:t>
+                      </a:r>
+                      <a:endParaRPr lang="ru-RU" dirty="0"/>
+                    </a:p>
+                  </a:txBody>
+                  <a:tcPr/>
+                </a:tc>
+                <a:extLst>
+                  <a:ext uri="{0D108BD9-81ED-4DB2-BD59-A6C34878D82A}">
+                    <a16:rowId xmlns:a16="http://schemas.microsoft.com/office/drawing/2014/main" val="163194602"/>
+                  </a:ext>
+                </a:extLst>
+              </a:tr>
+              <a:tr h="370840">
+                <a:tc>
+                  <a:txBody>
+                    <a:bodyPr/>
+                    <a:lstStyle/>
+                    <a:p>
+                      <a:pPr algn="ctr"/>
+                      <a:r>
+                        <a:rPr lang="en-US" dirty="0"/>
+                        <a:t>2</a:t>
+                      </a:r>
+                      <a:endParaRPr lang="ru-RU" dirty="0"/>
+                    </a:p>
+                  </a:txBody>
+                  <a:tcPr/>
+                </a:tc>
+                <a:tc>
+                  <a:txBody>
+                    <a:bodyPr/>
+                    <a:lstStyle/>
+                    <a:p>
+                      <a:pPr algn="ctr"/>
+                      <a:r>
+                        <a:rPr lang="en-US" dirty="0"/>
+                        <a:t>15.38</a:t>
+                      </a:r>
+                      <a:endParaRPr lang="ru-RU" dirty="0"/>
+                    </a:p>
+                  </a:txBody>
+                  <a:tcPr/>
+                </a:tc>
+                <a:extLst>
+                  <a:ext uri="{0D108BD9-81ED-4DB2-BD59-A6C34878D82A}">
+                    <a16:rowId xmlns:a16="http://schemas.microsoft.com/office/drawing/2014/main" val="3065608010"/>
+                  </a:ext>
+                </a:extLst>
+              </a:tr>
+              <a:tr h="370840">
+                <a:tc>
+                  <a:txBody>
+                    <a:bodyPr/>
+                    <a:lstStyle/>
+                    <a:p>
+                      <a:pPr algn="ctr"/>
+                      <a:r>
+                        <a:rPr lang="en-US" dirty="0"/>
+                        <a:t>2,5</a:t>
+                      </a:r>
+                      <a:endParaRPr lang="ru-RU" dirty="0"/>
+                    </a:p>
+                  </a:txBody>
+                  <a:tcPr/>
+                </a:tc>
+                <a:tc>
+                  <a:txBody>
+                    <a:bodyPr/>
+                    <a:lstStyle/>
+                    <a:p>
+                      <a:pPr algn="ctr"/>
+                      <a:r>
+                        <a:rPr lang="en-US" dirty="0"/>
+                        <a:t>18,84</a:t>
+                      </a:r>
+                      <a:endParaRPr lang="ru-RU" dirty="0"/>
+                    </a:p>
+                  </a:txBody>
+                  <a:tcPr/>
+                </a:tc>
+                <a:extLst>
+                  <a:ext uri="{0D108BD9-81ED-4DB2-BD59-A6C34878D82A}">
+                    <a16:rowId xmlns:a16="http://schemas.microsoft.com/office/drawing/2014/main" val="4271286356"/>
+                  </a:ext>
+                </a:extLst>
+              </a:tr>
+              <a:tr h="370840">
+                <a:tc>
+                  <a:txBody>
+                    <a:bodyPr/>
+                    <a:lstStyle/>
+                    <a:p>
+                      <a:pPr algn="ctr"/>
+                      <a:r>
+                        <a:rPr lang="en-US" dirty="0"/>
+                        <a:t>3</a:t>
+                      </a:r>
+                      <a:endParaRPr lang="ru-RU" dirty="0"/>
+                    </a:p>
+                  </a:txBody>
+                  <a:tcPr/>
+                </a:tc>
+                <a:tc>
+                  <a:txBody>
+                    <a:bodyPr/>
+                    <a:lstStyle/>
+                    <a:p>
+                      <a:pPr algn="ctr"/>
+                      <a:r>
+                        <a:rPr lang="en-US" dirty="0"/>
+                        <a:t>22,31</a:t>
+                      </a:r>
+                      <a:endParaRPr lang="ru-RU" dirty="0"/>
+                    </a:p>
+                  </a:txBody>
+                  <a:tcPr/>
+                </a:tc>
+                <a:extLst>
+                  <a:ext uri="{0D108BD9-81ED-4DB2-BD59-A6C34878D82A}">
+                    <a16:rowId xmlns:a16="http://schemas.microsoft.com/office/drawing/2014/main" val="1872913296"/>
+                  </a:ext>
+                </a:extLst>
+              </a:tr>
+              <a:tr h="370840">
+                <a:tc>
+                  <a:txBody>
+                    <a:bodyPr/>
+                    <a:lstStyle/>
+                    <a:p>
+                      <a:pPr algn="ctr"/>
+                      <a:r>
+                        <a:rPr lang="en-US" dirty="0"/>
+                        <a:t>3,5</a:t>
+                      </a:r>
+                      <a:endParaRPr lang="ru-RU" dirty="0"/>
+                    </a:p>
+                  </a:txBody>
+                  <a:tcPr/>
+                </a:tc>
+                <a:tc>
+                  <a:txBody>
+                    <a:bodyPr/>
+                    <a:lstStyle/>
+                    <a:p>
+                      <a:pPr algn="ctr"/>
+                      <a:r>
+                        <a:rPr lang="en-US" dirty="0"/>
+                        <a:t>25,77</a:t>
+                      </a:r>
+                      <a:endParaRPr lang="ru-RU" dirty="0"/>
+                    </a:p>
+                  </a:txBody>
+                  <a:tcPr/>
+                </a:tc>
+                <a:extLst>
+                  <a:ext uri="{0D108BD9-81ED-4DB2-BD59-A6C34878D82A}">
+                    <a16:rowId xmlns:a16="http://schemas.microsoft.com/office/drawing/2014/main" val="2620825179"/>
+                  </a:ext>
+                </a:extLst>
+              </a:tr>
+            </a:tbl>
+          </a:graphicData>
+        </a:graphic>
+      </p:graphicFrame>
+    </p:spTree>
+    <p:extLst>
+      <p:ext uri="{BB962C8B-B14F-4D97-AF65-F5344CB8AC3E}">
+        <p14:creationId xmlns:p14="http://schemas.microsoft.com/office/powerpoint/2010/main" val="767554011"/>
+      </p:ext>
+    </p:extLst>
+  </p:cSld>
+  <p:clrMapOvr>
+    <a:masterClrMapping/>
+  </p:clrMapOvr>
+</p:sld>
+</file>
+
+<file path=ppt/slides/slide19.xml><?xml version="1.0" encoding="utf-8"?>
+<p:sld xmlns:a="http://schemas.openxmlformats.org/drawingml/2006/main" xmlns:r="http://schemas.openxmlformats.org/officeDocument/2006/relationships" xmlns:p="http://schemas.openxmlformats.org/presentationml/2006/main">
+  <p:cSld>
+    <p:spTree>
+      <p:nvGrpSpPr>
+        <p:cNvPr id="1" name=""/>
+        <p:cNvGrpSpPr/>
+        <p:nvPr/>
+      </p:nvGrpSpPr>
+      <p:grpSpPr>
+        <a:xfrm>
+          <a:off x="0" y="0"/>
+          <a:ext cx="0" cy="0"/>
+          <a:chOff x="0" y="0"/>
+          <a:chExt cx="0" cy="0"/>
+        </a:xfrm>
+      </p:grpSpPr>
+      <p:sp>
+        <p:nvSpPr>
+          <p:cNvPr id="2" name="Заголовок 1">
+            <a:extLst>
+              <a:ext uri="{FF2B5EF4-FFF2-40B4-BE49-F238E27FC236}">
+                <a16:creationId xmlns:a16="http://schemas.microsoft.com/office/drawing/2014/main" id="{77FCB7F1-1404-4554-8AAD-BE561D20B9B9}"/>
+              </a:ext>
+            </a:extLst>
+          </p:cNvPr>
+          <p:cNvSpPr>
+            <a:spLocks noGrp="1"/>
+          </p:cNvSpPr>
+          <p:nvPr>
+            <p:ph type="ctrTitle"/>
+          </p:nvPr>
+        </p:nvSpPr>
+        <p:spPr/>
+        <p:txBody>
+          <a:bodyPr/>
+          <a:lstStyle/>
+          <a:p>
+            <a:r>
+              <a:rPr lang="ru-RU" b="1" dirty="0"/>
+              <a:t>Выводы</a:t>
+            </a:r>
+          </a:p>
+        </p:txBody>
+      </p:sp>
+      <p:sp>
+        <p:nvSpPr>
+          <p:cNvPr id="4" name="Подзаголовок 3">
+            <a:extLst>
+              <a:ext uri="{FF2B5EF4-FFF2-40B4-BE49-F238E27FC236}">
+                <a16:creationId xmlns:a16="http://schemas.microsoft.com/office/drawing/2014/main" id="{63D7FCBF-F788-419C-A490-B3E113E5F3F5}"/>
+              </a:ext>
+            </a:extLst>
+          </p:cNvPr>
+          <p:cNvSpPr>
+            <a:spLocks noGrp="1"/>
+          </p:cNvSpPr>
+          <p:nvPr>
+            <p:ph type="subTitle" idx="1"/>
+          </p:nvPr>
+        </p:nvSpPr>
+        <p:spPr/>
+        <p:txBody>
+          <a:bodyPr/>
+          <a:lstStyle/>
+          <a:p>
+            <a:endParaRPr lang="ru-RU"/>
+          </a:p>
+        </p:txBody>
+      </p:sp>
+    </p:spTree>
+    <p:extLst>
+      <p:ext uri="{BB962C8B-B14F-4D97-AF65-F5344CB8AC3E}">
+        <p14:creationId xmlns:p14="http://schemas.microsoft.com/office/powerpoint/2010/main" val="1547816207"/>
+      </p:ext>
+    </p:extLst>
+  </p:cSld>
+  <p:clrMapOvr>
+    <a:masterClrMapping/>
+  </p:clrMapOvr>
+</p:sld>
+</file>
+
+<file path=ppt/slides/slide2.xml><?xml version="1.0" encoding="utf-8"?>
+<p:sld xmlns:a="http://schemas.openxmlformats.org/drawingml/2006/main" xmlns:r="http://schemas.openxmlformats.org/officeDocument/2006/relationships" xmlns:p="http://schemas.openxmlformats.org/presentationml/2006/main">
+  <p:cSld>
+    <p:spTree>
+      <p:nvGrpSpPr>
+        <p:cNvPr id="1" name=""/>
+        <p:cNvGrpSpPr/>
+        <p:nvPr/>
+      </p:nvGrpSpPr>
+      <p:grpSpPr>
+        <a:xfrm>
+          <a:off x="0" y="0"/>
+          <a:ext cx="0" cy="0"/>
+          <a:chOff x="0" y="0"/>
+          <a:chExt cx="0" cy="0"/>
+        </a:xfrm>
+      </p:grpSpPr>
+      <p:sp>
+        <p:nvSpPr>
+          <p:cNvPr id="2" name="Заголовок 1">
+            <a:extLst>
+              <a:ext uri="{FF2B5EF4-FFF2-40B4-BE49-F238E27FC236}">
+                <a16:creationId xmlns:a16="http://schemas.microsoft.com/office/drawing/2014/main" id="{AC3BC741-79A4-43CA-BADB-155B30DA9685}"/>
+              </a:ext>
+            </a:extLst>
+          </p:cNvPr>
+          <p:cNvSpPr>
+            <a:spLocks noGrp="1"/>
+          </p:cNvSpPr>
+          <p:nvPr>
+            <p:ph type="title"/>
+          </p:nvPr>
+        </p:nvSpPr>
+        <p:spPr>
+          <a:xfrm>
+            <a:off x="838200" y="174397"/>
+            <a:ext cx="10515600" cy="942679"/>
+          </a:xfrm>
+        </p:spPr>
+        <p:txBody>
+          <a:bodyPr/>
+          <a:lstStyle/>
+          <a:p>
+            <a:pPr algn="ctr"/>
+            <a:r>
+              <a:rPr lang="ru-RU" dirty="0"/>
+              <a:t>Актуальность</a:t>
+            </a:r>
+          </a:p>
+        </p:txBody>
+      </p:sp>
+      <p:sp>
+        <p:nvSpPr>
+          <p:cNvPr id="3" name="Объект 2">
+            <a:extLst>
+              <a:ext uri="{FF2B5EF4-FFF2-40B4-BE49-F238E27FC236}">
+                <a16:creationId xmlns:a16="http://schemas.microsoft.com/office/drawing/2014/main" id="{6FE30572-E9EE-451D-9069-A61CF04BE2C7}"/>
+              </a:ext>
+            </a:extLst>
+          </p:cNvPr>
+          <p:cNvSpPr>
+            <a:spLocks noGrp="1"/>
+          </p:cNvSpPr>
+          <p:nvPr>
+            <p:ph idx="1"/>
+          </p:nvPr>
+        </p:nvSpPr>
+        <p:spPr>
+          <a:xfrm>
+            <a:off x="838200" y="1442300"/>
+            <a:ext cx="10515600" cy="5241303"/>
+          </a:xfrm>
+        </p:spPr>
+        <p:txBody>
+          <a:bodyPr>
+            <a:normAutofit/>
+          </a:bodyPr>
+          <a:lstStyle/>
+          <a:p>
+            <a:pPr marL="0" indent="0">
+              <a:buNone/>
+            </a:pPr>
+            <a:r>
+              <a:rPr lang="ru-RU" dirty="0"/>
+              <a:t>На уроках информатики я заметил, что на компьютерах есть только одна физическая модель – пушка. Смысл данной программы состоит в том, что пользователь должен ввести угол наклона дула пушки, скорость, с которой вылетит ядро и попытаться тем самым сбить цели. Именно тогда во мне зародилась мысль, что объединение физики и программирования может дать хороший результат. Но больше моделей на компьютерах не было. Мой учитель информатики, Серебрякова Татьяна Викторовна, подсказала мне, что моя программа сможет помочь в обучении учеников на уроках информатики. Благодаря этой модели, они лучше поймут смысл использования программирования в повседневной жизни. </a:t>
+            </a:r>
+          </a:p>
+          <a:p>
+            <a:pPr marL="0" indent="0">
+              <a:buNone/>
+            </a:pPr>
+            <a:endParaRPr lang="ru-RU" dirty="0"/>
+          </a:p>
+          <a:p>
+            <a:pPr marL="0" indent="0">
+              <a:buNone/>
+            </a:pPr>
+            <a:endParaRPr lang="ru-RU" dirty="0"/>
+          </a:p>
+          <a:p>
+            <a:endParaRPr lang="ru-RU" dirty="0"/>
+          </a:p>
+        </p:txBody>
+      </p:sp>
+    </p:spTree>
+    <p:extLst>
+      <p:ext uri="{BB962C8B-B14F-4D97-AF65-F5344CB8AC3E}">
+        <p14:creationId xmlns:p14="http://schemas.microsoft.com/office/powerpoint/2010/main" val="308592064"/>
+      </p:ext>
+    </p:extLst>
+  </p:cSld>
+  <p:clrMapOvr>
+    <a:masterClrMapping/>
+  </p:clrMapOvr>
+</p:sld>
+</file>
+
+<file path=ppt/slides/slide20.xml><?xml version="1.0" encoding="utf-8"?>
+<p:sld xmlns:a="http://schemas.openxmlformats.org/drawingml/2006/main" xmlns:r="http://schemas.openxmlformats.org/officeDocument/2006/relationships" xmlns:p="http://schemas.openxmlformats.org/presentationml/2006/main">
+  <p:cSld>
+    <p:spTree>
+      <p:nvGrpSpPr>
+        <p:cNvPr id="1" name=""/>
+        <p:cNvGrpSpPr/>
+        <p:nvPr/>
+      </p:nvGrpSpPr>
+      <p:grpSpPr>
+        <a:xfrm>
+          <a:off x="0" y="0"/>
+          <a:ext cx="0" cy="0"/>
+          <a:chOff x="0" y="0"/>
+          <a:chExt cx="0" cy="0"/>
+        </a:xfrm>
+      </p:grpSpPr>
+      <p:sp>
+        <p:nvSpPr>
+          <p:cNvPr id="2" name="Заголовок 1">
+            <a:extLst>
+              <a:ext uri="{FF2B5EF4-FFF2-40B4-BE49-F238E27FC236}">
                 <a16:creationId xmlns:a16="http://schemas.microsoft.com/office/drawing/2014/main" id="{A20EE0A9-9055-48DF-8507-9EDAB8BC925F}"/>
               </a:ext>
             </a:extLst>
@@ -4879,7 +5544,7 @@
 </p:sld>
 </file>
 
-<file path=ppt/slides/slide19.xml><?xml version="1.0" encoding="utf-8"?>
+<file path=ppt/slides/slide21.xml><?xml version="1.0" encoding="utf-8"?>
 <p:sld xmlns:a="http://schemas.openxmlformats.org/drawingml/2006/main" xmlns:r="http://schemas.openxmlformats.org/officeDocument/2006/relationships" xmlns:p="http://schemas.openxmlformats.org/presentationml/2006/main">
   <p:cSld>
     <p:spTree>
@@ -5045,123 +5710,6 @@
       <p:bldP spid="2" grpId="0"/>
     </p:bldLst>
   </p:timing>
-</p:sld>
-</file>
-
-<file path=ppt/slides/slide2.xml><?xml version="1.0" encoding="utf-8"?>
-<p:sld xmlns:a="http://schemas.openxmlformats.org/drawingml/2006/main" xmlns:r="http://schemas.openxmlformats.org/officeDocument/2006/relationships" xmlns:p="http://schemas.openxmlformats.org/presentationml/2006/main">
-  <p:cSld>
-    <p:spTree>
-      <p:nvGrpSpPr>
-        <p:cNvPr id="1" name=""/>
-        <p:cNvGrpSpPr/>
-        <p:nvPr/>
-      </p:nvGrpSpPr>
-      <p:grpSpPr>
-        <a:xfrm>
-          <a:off x="0" y="0"/>
-          <a:ext cx="0" cy="0"/>
-          <a:chOff x="0" y="0"/>
-          <a:chExt cx="0" cy="0"/>
-        </a:xfrm>
-      </p:grpSpPr>
-      <p:sp>
-        <p:nvSpPr>
-          <p:cNvPr id="2" name="Заголовок 1">
-            <a:extLst>
-              <a:ext uri="{FF2B5EF4-FFF2-40B4-BE49-F238E27FC236}">
-                <a16:creationId xmlns:a16="http://schemas.microsoft.com/office/drawing/2014/main" id="{AC3BC741-79A4-43CA-BADB-155B30DA9685}"/>
-              </a:ext>
-            </a:extLst>
-          </p:cNvPr>
-          <p:cNvSpPr>
-            <a:spLocks noGrp="1"/>
-          </p:cNvSpPr>
-          <p:nvPr>
-            <p:ph type="title"/>
-          </p:nvPr>
-        </p:nvSpPr>
-        <p:spPr>
-          <a:xfrm>
-            <a:off x="838200" y="174397"/>
-            <a:ext cx="10515600" cy="942679"/>
-          </a:xfrm>
-        </p:spPr>
-        <p:txBody>
-          <a:bodyPr/>
-          <a:lstStyle/>
-          <a:p>
-            <a:pPr algn="ctr"/>
-            <a:r>
-              <a:rPr lang="ru-RU" dirty="0"/>
-              <a:t>Актуальность</a:t>
-            </a:r>
-          </a:p>
-        </p:txBody>
-      </p:sp>
-      <p:sp>
-        <p:nvSpPr>
-          <p:cNvPr id="3" name="Объект 2">
-            <a:extLst>
-              <a:ext uri="{FF2B5EF4-FFF2-40B4-BE49-F238E27FC236}">
-                <a16:creationId xmlns:a16="http://schemas.microsoft.com/office/drawing/2014/main" id="{6FE30572-E9EE-451D-9069-A61CF04BE2C7}"/>
-              </a:ext>
-            </a:extLst>
-          </p:cNvPr>
-          <p:cNvSpPr>
-            <a:spLocks noGrp="1"/>
-          </p:cNvSpPr>
-          <p:nvPr>
-            <p:ph idx="1"/>
-          </p:nvPr>
-        </p:nvSpPr>
-        <p:spPr>
-          <a:xfrm>
-            <a:off x="838200" y="1442300"/>
-            <a:ext cx="10515600" cy="5241303"/>
-          </a:xfrm>
-        </p:spPr>
-        <p:txBody>
-          <a:bodyPr>
-            <a:normAutofit/>
-          </a:bodyPr>
-          <a:lstStyle/>
-          <a:p>
-            <a:pPr marL="0" indent="0">
-              <a:buNone/>
-            </a:pPr>
-            <a:r>
-              <a:rPr lang="ru-RU" dirty="0"/>
-              <a:t>На уроках информатики я заметил, что на компьютерах есть только одна физическая модель – пушка. Смысл данной программы состоит в том, что пользователь должен ввести угол наклона дула пушки, скорость, с которой вылетит ядро и попытаться тем самым сбить цели. Именно тогда во мне зародилась мысль, что объединение физики и программирования может дать хороший результат. Но больше моделей на компьютерах не было. Мой учитель информатики, Серебрякова Татьяна Викторовна, подсказала мне, что моя программа сможет помочь в обучении учеников на уроках информатики. Благодаря этой модели, они лучше поймут смысл использования программирования в повседневной жизни. </a:t>
-            </a:r>
-          </a:p>
-          <a:p>
-            <a:pPr marL="0" indent="0">
-              <a:buNone/>
-            </a:pPr>
-            <a:endParaRPr lang="ru-RU" dirty="0"/>
-          </a:p>
-          <a:p>
-            <a:pPr marL="0" indent="0">
-              <a:buNone/>
-            </a:pPr>
-            <a:endParaRPr lang="ru-RU" dirty="0"/>
-          </a:p>
-          <a:p>
-            <a:endParaRPr lang="ru-RU" dirty="0"/>
-          </a:p>
-        </p:txBody>
-      </p:sp>
-    </p:spTree>
-    <p:extLst>
-      <p:ext uri="{BB962C8B-B14F-4D97-AF65-F5344CB8AC3E}">
-        <p14:creationId xmlns:p14="http://schemas.microsoft.com/office/powerpoint/2010/main" val="308592064"/>
-      </p:ext>
-    </p:extLst>
-  </p:cSld>
-  <p:clrMapOvr>
-    <a:masterClrMapping/>
-  </p:clrMapOvr>
 </p:sld>
 </file>
 

--- a/info/Моделирование.pptx
+++ b/info/Моделирование.pptx
@@ -23,9 +23,10 @@
     <p:sldId id="265" r:id="rId17"/>
     <p:sldId id="276" r:id="rId18"/>
     <p:sldId id="277" r:id="rId19"/>
-    <p:sldId id="261" r:id="rId20"/>
-    <p:sldId id="267" r:id="rId21"/>
-    <p:sldId id="262" r:id="rId22"/>
+    <p:sldId id="278" r:id="rId20"/>
+    <p:sldId id="261" r:id="rId21"/>
+    <p:sldId id="267" r:id="rId22"/>
+    <p:sldId id="262" r:id="rId23"/>
   </p:sldIdLst>
   <p:sldSz cx="12192000" cy="6858000"/>
   <p:notesSz cx="6858000" cy="9144000"/>
@@ -279,7 +280,7 @@
           <a:p>
             <a:fld id="{B0D21DAE-CD54-4DF0-AB83-F6E3861581A8}" type="datetimeFigureOut">
               <a:rPr lang="ru-RU" smtClean="0"/>
-              <a:t>14.04.2022</a:t>
+              <a:t>15.04.2022</a:t>
             </a:fld>
             <a:endParaRPr lang="ru-RU" dirty="0"/>
           </a:p>
@@ -477,7 +478,7 @@
           <a:p>
             <a:fld id="{B0D21DAE-CD54-4DF0-AB83-F6E3861581A8}" type="datetimeFigureOut">
               <a:rPr lang="ru-RU" smtClean="0"/>
-              <a:t>14.04.2022</a:t>
+              <a:t>15.04.2022</a:t>
             </a:fld>
             <a:endParaRPr lang="ru-RU" dirty="0"/>
           </a:p>
@@ -685,7 +686,7 @@
           <a:p>
             <a:fld id="{B0D21DAE-CD54-4DF0-AB83-F6E3861581A8}" type="datetimeFigureOut">
               <a:rPr lang="ru-RU" smtClean="0"/>
-              <a:t>14.04.2022</a:t>
+              <a:t>15.04.2022</a:t>
             </a:fld>
             <a:endParaRPr lang="ru-RU" dirty="0"/>
           </a:p>
@@ -883,7 +884,7 @@
           <a:p>
             <a:fld id="{B0D21DAE-CD54-4DF0-AB83-F6E3861581A8}" type="datetimeFigureOut">
               <a:rPr lang="ru-RU" smtClean="0"/>
-              <a:t>14.04.2022</a:t>
+              <a:t>15.04.2022</a:t>
             </a:fld>
             <a:endParaRPr lang="ru-RU" dirty="0"/>
           </a:p>
@@ -1158,7 +1159,7 @@
           <a:p>
             <a:fld id="{B0D21DAE-CD54-4DF0-AB83-F6E3861581A8}" type="datetimeFigureOut">
               <a:rPr lang="ru-RU" smtClean="0"/>
-              <a:t>14.04.2022</a:t>
+              <a:t>15.04.2022</a:t>
             </a:fld>
             <a:endParaRPr lang="ru-RU" dirty="0"/>
           </a:p>
@@ -1423,7 +1424,7 @@
           <a:p>
             <a:fld id="{B0D21DAE-CD54-4DF0-AB83-F6E3861581A8}" type="datetimeFigureOut">
               <a:rPr lang="ru-RU" smtClean="0"/>
-              <a:t>14.04.2022</a:t>
+              <a:t>15.04.2022</a:t>
             </a:fld>
             <a:endParaRPr lang="ru-RU" dirty="0"/>
           </a:p>
@@ -1835,7 +1836,7 @@
           <a:p>
             <a:fld id="{B0D21DAE-CD54-4DF0-AB83-F6E3861581A8}" type="datetimeFigureOut">
               <a:rPr lang="ru-RU" smtClean="0"/>
-              <a:t>14.04.2022</a:t>
+              <a:t>15.04.2022</a:t>
             </a:fld>
             <a:endParaRPr lang="ru-RU" dirty="0"/>
           </a:p>
@@ -1976,7 +1977,7 @@
           <a:p>
             <a:fld id="{B0D21DAE-CD54-4DF0-AB83-F6E3861581A8}" type="datetimeFigureOut">
               <a:rPr lang="ru-RU" smtClean="0"/>
-              <a:t>14.04.2022</a:t>
+              <a:t>15.04.2022</a:t>
             </a:fld>
             <a:endParaRPr lang="ru-RU" dirty="0"/>
           </a:p>
@@ -2089,7 +2090,7 @@
           <a:p>
             <a:fld id="{B0D21DAE-CD54-4DF0-AB83-F6E3861581A8}" type="datetimeFigureOut">
               <a:rPr lang="ru-RU" smtClean="0"/>
-              <a:t>14.04.2022</a:t>
+              <a:t>15.04.2022</a:t>
             </a:fld>
             <a:endParaRPr lang="ru-RU" dirty="0"/>
           </a:p>
@@ -2400,7 +2401,7 @@
           <a:p>
             <a:fld id="{B0D21DAE-CD54-4DF0-AB83-F6E3861581A8}" type="datetimeFigureOut">
               <a:rPr lang="ru-RU" smtClean="0"/>
-              <a:t>14.04.2022</a:t>
+              <a:t>15.04.2022</a:t>
             </a:fld>
             <a:endParaRPr lang="ru-RU" dirty="0"/>
           </a:p>
@@ -2688,7 +2689,7 @@
           <a:p>
             <a:fld id="{B0D21DAE-CD54-4DF0-AB83-F6E3861581A8}" type="datetimeFigureOut">
               <a:rPr lang="ru-RU" smtClean="0"/>
-              <a:t>14.04.2022</a:t>
+              <a:t>15.04.2022</a:t>
             </a:fld>
             <a:endParaRPr lang="ru-RU" dirty="0"/>
           </a:p>
@@ -2938,7 +2939,7 @@
           <a:p>
             <a:fld id="{B0D21DAE-CD54-4DF0-AB83-F6E3861581A8}" type="datetimeFigureOut">
               <a:rPr lang="ru-RU" smtClean="0"/>
-              <a:t>14.04.2022</a:t>
+              <a:t>15.04.2022</a:t>
             </a:fld>
             <a:endParaRPr lang="ru-RU" dirty="0"/>
           </a:p>
@@ -4570,7 +4571,7 @@
             <a:spLocks noGrp="1"/>
           </p:cNvSpPr>
           <p:nvPr>
-            <p:ph type="ctrTitle"/>
+            <p:ph type="title"/>
           </p:nvPr>
         </p:nvSpPr>
         <p:spPr/>
@@ -4578,6 +4579,7 @@
           <a:bodyPr/>
           <a:lstStyle/>
           <a:p>
+            <a:pPr algn="ctr"/>
             <a:r>
               <a:rPr lang="ru-RU" dirty="0"/>
               <a:t>Таблицы</a:t>
@@ -4587,18 +4589,18 @@
       </p:sp>
       <p:sp>
         <p:nvSpPr>
-          <p:cNvPr id="3" name="Подзаголовок 2">
-            <a:extLst>
-              <a:ext uri="{FF2B5EF4-FFF2-40B4-BE49-F238E27FC236}">
-                <a16:creationId xmlns:a16="http://schemas.microsoft.com/office/drawing/2014/main" id="{5348F8ED-8687-4BB2-91D7-FB48E17840B6}"/>
-              </a:ext>
-            </a:extLst>
-          </p:cNvPr>
-          <p:cNvSpPr>
-            <a:spLocks noGrp="1"/>
-          </p:cNvSpPr>
-          <p:nvPr>
-            <p:ph type="subTitle" idx="1"/>
+          <p:cNvPr id="4" name="Объект 3">
+            <a:extLst>
+              <a:ext uri="{FF2B5EF4-FFF2-40B4-BE49-F238E27FC236}">
+                <a16:creationId xmlns:a16="http://schemas.microsoft.com/office/drawing/2014/main" id="{B8976A8B-AFE2-46A7-BBAE-6396E5987504}"/>
+              </a:ext>
+            </a:extLst>
+          </p:cNvPr>
+          <p:cNvSpPr>
+            <a:spLocks noGrp="1"/>
+          </p:cNvSpPr>
+          <p:nvPr>
+            <p:ph idx="1"/>
           </p:nvPr>
         </p:nvSpPr>
         <p:spPr/>
@@ -4606,7 +4608,71 @@
           <a:bodyPr/>
           <a:lstStyle/>
           <a:p>
-            <a:endParaRPr lang="ru-RU"/>
+            <a:pPr marL="0" indent="0" algn="ctr">
+              <a:buNone/>
+            </a:pPr>
+            <a:r>
+              <a:rPr lang="ru-RU" dirty="0"/>
+              <a:t>Постоянные значения</a:t>
+            </a:r>
+            <a:r>
+              <a:rPr lang="en-US" dirty="0"/>
+              <a:t>: </a:t>
+            </a:r>
+            <a:endParaRPr lang="ru-RU" dirty="0"/>
+          </a:p>
+          <a:p>
+            <a:pPr marL="0" indent="0" algn="ctr">
+              <a:buNone/>
+            </a:pPr>
+            <a:endParaRPr lang="en-US" dirty="0"/>
+          </a:p>
+          <a:p>
+            <a:r>
+              <a:rPr lang="ru-RU" dirty="0"/>
+              <a:t>Материал котелка – алюминий</a:t>
+            </a:r>
+            <a:endParaRPr lang="en-US" dirty="0"/>
+          </a:p>
+          <a:p>
+            <a:r>
+              <a:rPr lang="ru-RU" dirty="0"/>
+              <a:t>Масса котелка – 1 кг</a:t>
+            </a:r>
+            <a:endParaRPr lang="en-US" dirty="0"/>
+          </a:p>
+          <a:p>
+            <a:r>
+              <a:rPr lang="ru-RU" dirty="0"/>
+              <a:t>Начальная температура – 10</a:t>
+            </a:r>
+            <a:r>
+              <a:rPr lang="en-US" dirty="0"/>
+              <a:t> °C</a:t>
+            </a:r>
+          </a:p>
+          <a:p>
+            <a:r>
+              <a:rPr lang="ru-RU" dirty="0"/>
+              <a:t>Мощность горелки – 2 кВт</a:t>
+            </a:r>
+          </a:p>
+          <a:p>
+            <a:r>
+              <a:rPr lang="ru-RU" dirty="0"/>
+              <a:t>Объем воды</a:t>
+            </a:r>
+            <a:r>
+              <a:rPr lang="en-US" dirty="0"/>
+              <a:t> – 1 </a:t>
+            </a:r>
+            <a:r>
+              <a:rPr lang="ru-RU" dirty="0"/>
+              <a:t>л</a:t>
+            </a:r>
+          </a:p>
+          <a:p>
+            <a:endParaRPr lang="ru-RU" dirty="0"/>
           </a:p>
         </p:txBody>
       </p:sp>
@@ -4656,14 +4722,35 @@
             <p:ph type="title"/>
           </p:nvPr>
         </p:nvSpPr>
-        <p:spPr/>
+        <p:spPr>
+          <a:xfrm>
+            <a:off x="838200" y="365125"/>
+            <a:ext cx="10515600" cy="1325563"/>
+          </a:xfrm>
+        </p:spPr>
         <p:txBody>
           <a:bodyPr>
-            <a:normAutofit/>
+            <a:normAutofit fontScale="90000"/>
           </a:bodyPr>
           <a:lstStyle/>
           <a:p>
             <a:pPr algn="ctr"/>
+            <a:br>
+              <a:rPr lang="ru-RU" dirty="0"/>
+            </a:br>
+            <a:br>
+              <a:rPr lang="ru-RU" dirty="0"/>
+            </a:br>
+            <a:r>
+              <a:rPr lang="ru-RU" sz="4900" dirty="0"/>
+              <a:t>Таблицы</a:t>
+            </a:r>
+            <a:br>
+              <a:rPr lang="ru-RU" dirty="0"/>
+            </a:br>
+            <a:br>
+              <a:rPr lang="ru-RU" sz="4000" dirty="0"/>
+            </a:br>
             <a:r>
               <a:rPr lang="ru-RU" sz="4000" dirty="0"/>
               <a:t>Зависимость времени кипения от объема воды</a:t>
@@ -4691,44 +4778,6 @@
         <p:txBody>
           <a:bodyPr/>
           <a:lstStyle/>
-          <a:p>
-            <a:pPr marL="0" indent="0">
-              <a:buNone/>
-            </a:pPr>
-            <a:r>
-              <a:rPr lang="ru-RU" dirty="0"/>
-              <a:t>Постоянные значения</a:t>
-            </a:r>
-            <a:r>
-              <a:rPr lang="en-US" dirty="0"/>
-              <a:t>: </a:t>
-            </a:r>
-            <a:r>
-              <a:rPr lang="ru-RU" dirty="0"/>
-              <a:t>материал котелка – алюминий</a:t>
-            </a:r>
-            <a:r>
-              <a:rPr lang="en-US" dirty="0"/>
-              <a:t>, </a:t>
-            </a:r>
-            <a:r>
-              <a:rPr lang="ru-RU" dirty="0"/>
-              <a:t>масса котелка – 1 кг, начальная температура – 10</a:t>
-            </a:r>
-            <a:r>
-              <a:rPr lang="en-US" dirty="0"/>
-              <a:t> °C, </a:t>
-            </a:r>
-            <a:r>
-              <a:rPr lang="ru-RU" dirty="0"/>
-              <a:t>мощность горелки – 2 кВт</a:t>
-            </a:r>
-            <a:r>
-              <a:rPr lang="en-US" dirty="0"/>
-              <a:t>.</a:t>
-            </a:r>
-            <a:endParaRPr lang="ru-RU" dirty="0"/>
-          </a:p>
           <a:p>
             <a:pPr marL="0" indent="0">
               <a:buNone/>
@@ -4758,13 +4807,13 @@
           <p:nvPr>
             <p:extLst>
               <p:ext uri="{D42A27DB-BD31-4B8C-83A1-F6EECF244321}">
-                <p14:modId xmlns:p14="http://schemas.microsoft.com/office/powerpoint/2010/main" val="3217303948"/>
+                <p14:modId xmlns:p14="http://schemas.microsoft.com/office/powerpoint/2010/main" val="1619584640"/>
               </p:ext>
             </p:extLst>
           </p:nvPr>
         </p:nvGraphicFramePr>
         <p:xfrm>
-          <a:off x="2032000" y="3293184"/>
+          <a:off x="2032000" y="2878404"/>
           <a:ext cx="8128000" cy="2595880"/>
         </p:xfrm>
         <a:graphic>
@@ -5108,43 +5157,62 @@
           <p:cNvPr id="2" name="Заголовок 1">
             <a:extLst>
               <a:ext uri="{FF2B5EF4-FFF2-40B4-BE49-F238E27FC236}">
-                <a16:creationId xmlns:a16="http://schemas.microsoft.com/office/drawing/2014/main" id="{77FCB7F1-1404-4554-8AAD-BE561D20B9B9}"/>
-              </a:ext>
-            </a:extLst>
-          </p:cNvPr>
-          <p:cNvSpPr>
-            <a:spLocks noGrp="1"/>
-          </p:cNvSpPr>
-          <p:nvPr>
-            <p:ph type="ctrTitle"/>
+                <a16:creationId xmlns:a16="http://schemas.microsoft.com/office/drawing/2014/main" id="{1C807D64-95A5-42F1-8DBB-E25CF75E01E6}"/>
+              </a:ext>
+            </a:extLst>
+          </p:cNvPr>
+          <p:cNvSpPr>
+            <a:spLocks noGrp="1"/>
+          </p:cNvSpPr>
+          <p:nvPr>
+            <p:ph type="title"/>
           </p:nvPr>
         </p:nvSpPr>
         <p:spPr/>
         <p:txBody>
-          <a:bodyPr/>
-          <a:lstStyle/>
-          <a:p>
-            <a:r>
-              <a:rPr lang="ru-RU" b="1" dirty="0"/>
-              <a:t>Выводы</a:t>
-            </a:r>
-          </a:p>
-        </p:txBody>
-      </p:sp>
-      <p:sp>
-        <p:nvSpPr>
-          <p:cNvPr id="4" name="Подзаголовок 3">
-            <a:extLst>
-              <a:ext uri="{FF2B5EF4-FFF2-40B4-BE49-F238E27FC236}">
-                <a16:creationId xmlns:a16="http://schemas.microsoft.com/office/drawing/2014/main" id="{63D7FCBF-F788-419C-A490-B3E113E5F3F5}"/>
-              </a:ext>
-            </a:extLst>
-          </p:cNvPr>
-          <p:cNvSpPr>
-            <a:spLocks noGrp="1"/>
-          </p:cNvSpPr>
-          <p:nvPr>
-            <p:ph type="subTitle" idx="1"/>
+          <a:bodyPr>
+            <a:normAutofit fontScale="90000"/>
+          </a:bodyPr>
+          <a:lstStyle/>
+          <a:p>
+            <a:pPr algn="ctr"/>
+            <a:br>
+              <a:rPr lang="ru-RU" dirty="0"/>
+            </a:br>
+            <a:br>
+              <a:rPr lang="ru-RU" dirty="0"/>
+            </a:br>
+            <a:r>
+              <a:rPr lang="ru-RU" sz="4900" dirty="0"/>
+              <a:t>Таблицы</a:t>
+            </a:r>
+            <a:br>
+              <a:rPr lang="ru-RU" dirty="0"/>
+            </a:br>
+            <a:br>
+              <a:rPr lang="ru-RU" sz="4000" dirty="0"/>
+            </a:br>
+            <a:r>
+              <a:rPr lang="ru-RU" sz="4000" dirty="0"/>
+              <a:t>Зависимость времени кипения от мощности горелки</a:t>
+            </a:r>
+          </a:p>
+        </p:txBody>
+      </p:sp>
+      <p:sp>
+        <p:nvSpPr>
+          <p:cNvPr id="3" name="Объект 2">
+            <a:extLst>
+              <a:ext uri="{FF2B5EF4-FFF2-40B4-BE49-F238E27FC236}">
+                <a16:creationId xmlns:a16="http://schemas.microsoft.com/office/drawing/2014/main" id="{90ED841C-1DDC-45A4-99BB-FFBCE798B361}"/>
+              </a:ext>
+            </a:extLst>
+          </p:cNvPr>
+          <p:cNvSpPr>
+            <a:spLocks noGrp="1"/>
+          </p:cNvSpPr>
+          <p:nvPr>
+            <p:ph idx="1"/>
           </p:nvPr>
         </p:nvSpPr>
         <p:spPr/>
@@ -5152,14 +5220,353 @@
           <a:bodyPr/>
           <a:lstStyle/>
           <a:p>
-            <a:endParaRPr lang="ru-RU"/>
-          </a:p>
-        </p:txBody>
-      </p:sp>
+            <a:pPr marL="0" indent="0">
+              <a:buNone/>
+            </a:pPr>
+            <a:endParaRPr lang="en-US" dirty="0"/>
+          </a:p>
+          <a:p>
+            <a:pPr marL="0" indent="0">
+              <a:buNone/>
+            </a:pPr>
+            <a:endParaRPr lang="ru-RU" dirty="0"/>
+          </a:p>
+        </p:txBody>
+      </p:sp>
+      <p:graphicFrame>
+        <p:nvGraphicFramePr>
+          <p:cNvPr id="4" name="Таблица 3">
+            <a:extLst>
+              <a:ext uri="{FF2B5EF4-FFF2-40B4-BE49-F238E27FC236}">
+                <a16:creationId xmlns:a16="http://schemas.microsoft.com/office/drawing/2014/main" id="{0EAA7B8C-E8F3-4CE3-AFCC-AFA0B39ED6F0}"/>
+              </a:ext>
+            </a:extLst>
+          </p:cNvPr>
+          <p:cNvGraphicFramePr>
+            <a:graphicFrameLocks noGrp="1"/>
+          </p:cNvGraphicFramePr>
+          <p:nvPr>
+            <p:extLst>
+              <p:ext uri="{D42A27DB-BD31-4B8C-83A1-F6EECF244321}">
+                <p14:modId xmlns:p14="http://schemas.microsoft.com/office/powerpoint/2010/main" val="3988217391"/>
+              </p:ext>
+            </p:extLst>
+          </p:nvPr>
+        </p:nvGraphicFramePr>
+        <p:xfrm>
+          <a:off x="2032000" y="2878404"/>
+          <a:ext cx="8128000" cy="2595880"/>
+        </p:xfrm>
+        <a:graphic>
+          <a:graphicData uri="http://schemas.openxmlformats.org/drawingml/2006/table">
+            <a:tbl>
+              <a:tblPr firstRow="1" bandRow="1">
+                <a:tableStyleId>{5C22544A-7EE6-4342-B048-85BDC9FD1C3A}</a:tableStyleId>
+              </a:tblPr>
+              <a:tblGrid>
+                <a:gridCol w="4064000">
+                  <a:extLst>
+                    <a:ext uri="{9D8B030D-6E8A-4147-A177-3AD203B41FA5}">
+                      <a16:colId xmlns:a16="http://schemas.microsoft.com/office/drawing/2014/main" val="3141872982"/>
+                    </a:ext>
+                  </a:extLst>
+                </a:gridCol>
+                <a:gridCol w="4064000">
+                  <a:extLst>
+                    <a:ext uri="{9D8B030D-6E8A-4147-A177-3AD203B41FA5}">
+                      <a16:colId xmlns:a16="http://schemas.microsoft.com/office/drawing/2014/main" val="260762804"/>
+                    </a:ext>
+                  </a:extLst>
+                </a:gridCol>
+              </a:tblGrid>
+              <a:tr h="370840">
+                <a:tc>
+                  <a:txBody>
+                    <a:bodyPr/>
+                    <a:lstStyle/>
+                    <a:p>
+                      <a:pPr algn="ctr"/>
+                      <a:r>
+                        <a:rPr lang="ru-RU" dirty="0"/>
+                        <a:t>Мощность горелки</a:t>
+                      </a:r>
+                      <a:r>
+                        <a:rPr lang="en-US" dirty="0"/>
+                        <a:t>, </a:t>
+                      </a:r>
+                      <a:r>
+                        <a:rPr lang="ru-RU" dirty="0"/>
+                        <a:t>кВт</a:t>
+                      </a:r>
+                    </a:p>
+                  </a:txBody>
+                  <a:tcPr/>
+                </a:tc>
+                <a:tc>
+                  <a:txBody>
+                    <a:bodyPr/>
+                    <a:lstStyle/>
+                    <a:p>
+                      <a:pPr algn="ctr"/>
+                      <a:r>
+                        <a:rPr lang="ru-RU" dirty="0"/>
+                        <a:t>Время закипания</a:t>
+                      </a:r>
+                      <a:r>
+                        <a:rPr lang="en-US" dirty="0"/>
+                        <a:t>, </a:t>
+                      </a:r>
+                      <a:r>
+                        <a:rPr lang="ru-RU" dirty="0"/>
+                        <a:t>мин</a:t>
+                      </a:r>
+                    </a:p>
+                  </a:txBody>
+                  <a:tcPr/>
+                </a:tc>
+                <a:extLst>
+                  <a:ext uri="{0D108BD9-81ED-4DB2-BD59-A6C34878D82A}">
+                    <a16:rowId xmlns:a16="http://schemas.microsoft.com/office/drawing/2014/main" val="3945264123"/>
+                  </a:ext>
+                </a:extLst>
+              </a:tr>
+              <a:tr h="370840">
+                <a:tc>
+                  <a:txBody>
+                    <a:bodyPr/>
+                    <a:lstStyle/>
+                    <a:p>
+                      <a:pPr algn="ctr"/>
+                      <a:r>
+                        <a:rPr lang="ru-RU" dirty="0"/>
+                        <a:t>1</a:t>
+                      </a:r>
+                    </a:p>
+                  </a:txBody>
+                  <a:tcPr/>
+                </a:tc>
+                <a:tc>
+                  <a:txBody>
+                    <a:bodyPr/>
+                    <a:lstStyle/>
+                    <a:p>
+                      <a:pPr algn="ctr"/>
+                      <a:r>
+                        <a:rPr lang="ru-RU" dirty="0"/>
+                        <a:t>16</a:t>
+                      </a:r>
+                      <a:r>
+                        <a:rPr lang="en-US" dirty="0"/>
+                        <a:t>,9</a:t>
+                      </a:r>
+                      <a:endParaRPr lang="ru-RU" dirty="0"/>
+                    </a:p>
+                  </a:txBody>
+                  <a:tcPr/>
+                </a:tc>
+                <a:extLst>
+                  <a:ext uri="{0D108BD9-81ED-4DB2-BD59-A6C34878D82A}">
+                    <a16:rowId xmlns:a16="http://schemas.microsoft.com/office/drawing/2014/main" val="3345229846"/>
+                  </a:ext>
+                </a:extLst>
+              </a:tr>
+              <a:tr h="370840">
+                <a:tc>
+                  <a:txBody>
+                    <a:bodyPr/>
+                    <a:lstStyle/>
+                    <a:p>
+                      <a:pPr algn="ctr"/>
+                      <a:r>
+                        <a:rPr lang="ru-RU" dirty="0"/>
+                        <a:t>1</a:t>
+                      </a:r>
+                      <a:r>
+                        <a:rPr lang="en-US" dirty="0"/>
+                        <a:t>,5</a:t>
+                      </a:r>
+                      <a:endParaRPr lang="ru-RU" dirty="0"/>
+                    </a:p>
+                  </a:txBody>
+                  <a:tcPr/>
+                </a:tc>
+                <a:tc>
+                  <a:txBody>
+                    <a:bodyPr/>
+                    <a:lstStyle/>
+                    <a:p>
+                      <a:pPr algn="ctr"/>
+                      <a:r>
+                        <a:rPr lang="en-US" dirty="0"/>
+                        <a:t>11,26</a:t>
+                      </a:r>
+                      <a:endParaRPr lang="ru-RU" dirty="0"/>
+                    </a:p>
+                  </a:txBody>
+                  <a:tcPr/>
+                </a:tc>
+                <a:extLst>
+                  <a:ext uri="{0D108BD9-81ED-4DB2-BD59-A6C34878D82A}">
+                    <a16:rowId xmlns:a16="http://schemas.microsoft.com/office/drawing/2014/main" val="163194602"/>
+                  </a:ext>
+                </a:extLst>
+              </a:tr>
+              <a:tr h="370840">
+                <a:tc>
+                  <a:txBody>
+                    <a:bodyPr/>
+                    <a:lstStyle/>
+                    <a:p>
+                      <a:pPr algn="ctr"/>
+                      <a:r>
+                        <a:rPr lang="en-US" dirty="0"/>
+                        <a:t>2</a:t>
+                      </a:r>
+                      <a:endParaRPr lang="ru-RU" dirty="0"/>
+                    </a:p>
+                  </a:txBody>
+                  <a:tcPr/>
+                </a:tc>
+                <a:tc>
+                  <a:txBody>
+                    <a:bodyPr/>
+                    <a:lstStyle/>
+                    <a:p>
+                      <a:pPr algn="ctr"/>
+                      <a:r>
+                        <a:rPr lang="en-US" dirty="0"/>
+                        <a:t>8,45</a:t>
+                      </a:r>
+                      <a:endParaRPr lang="ru-RU" dirty="0"/>
+                    </a:p>
+                  </a:txBody>
+                  <a:tcPr/>
+                </a:tc>
+                <a:extLst>
+                  <a:ext uri="{0D108BD9-81ED-4DB2-BD59-A6C34878D82A}">
+                    <a16:rowId xmlns:a16="http://schemas.microsoft.com/office/drawing/2014/main" val="3065608010"/>
+                  </a:ext>
+                </a:extLst>
+              </a:tr>
+              <a:tr h="370840">
+                <a:tc>
+                  <a:txBody>
+                    <a:bodyPr/>
+                    <a:lstStyle/>
+                    <a:p>
+                      <a:pPr algn="ctr"/>
+                      <a:r>
+                        <a:rPr lang="en-US" dirty="0"/>
+                        <a:t>2,5</a:t>
+                      </a:r>
+                      <a:endParaRPr lang="ru-RU" dirty="0"/>
+                    </a:p>
+                  </a:txBody>
+                  <a:tcPr/>
+                </a:tc>
+                <a:tc>
+                  <a:txBody>
+                    <a:bodyPr/>
+                    <a:lstStyle/>
+                    <a:p>
+                      <a:pPr algn="ctr"/>
+                      <a:r>
+                        <a:rPr lang="en-US" dirty="0"/>
+                        <a:t>6,76</a:t>
+                      </a:r>
+                      <a:endParaRPr lang="ru-RU" dirty="0"/>
+                    </a:p>
+                  </a:txBody>
+                  <a:tcPr/>
+                </a:tc>
+                <a:extLst>
+                  <a:ext uri="{0D108BD9-81ED-4DB2-BD59-A6C34878D82A}">
+                    <a16:rowId xmlns:a16="http://schemas.microsoft.com/office/drawing/2014/main" val="4271286356"/>
+                  </a:ext>
+                </a:extLst>
+              </a:tr>
+              <a:tr h="370840">
+                <a:tc>
+                  <a:txBody>
+                    <a:bodyPr/>
+                    <a:lstStyle/>
+                    <a:p>
+                      <a:pPr algn="ctr"/>
+                      <a:r>
+                        <a:rPr lang="en-US" dirty="0"/>
+                        <a:t>3</a:t>
+                      </a:r>
+                      <a:endParaRPr lang="ru-RU" dirty="0"/>
+                    </a:p>
+                  </a:txBody>
+                  <a:tcPr/>
+                </a:tc>
+                <a:tc>
+                  <a:txBody>
+                    <a:bodyPr/>
+                    <a:lstStyle/>
+                    <a:p>
+                      <a:pPr algn="ctr"/>
+                      <a:r>
+                        <a:rPr lang="en-US" dirty="0"/>
+                        <a:t>5,63</a:t>
+                      </a:r>
+                      <a:endParaRPr lang="ru-RU" dirty="0"/>
+                    </a:p>
+                  </a:txBody>
+                  <a:tcPr/>
+                </a:tc>
+                <a:extLst>
+                  <a:ext uri="{0D108BD9-81ED-4DB2-BD59-A6C34878D82A}">
+                    <a16:rowId xmlns:a16="http://schemas.microsoft.com/office/drawing/2014/main" val="1872913296"/>
+                  </a:ext>
+                </a:extLst>
+              </a:tr>
+              <a:tr h="370840">
+                <a:tc>
+                  <a:txBody>
+                    <a:bodyPr/>
+                    <a:lstStyle/>
+                    <a:p>
+                      <a:pPr algn="ctr"/>
+                      <a:r>
+                        <a:rPr lang="en-US" dirty="0"/>
+                        <a:t>3,5</a:t>
+                      </a:r>
+                      <a:endParaRPr lang="ru-RU" dirty="0"/>
+                    </a:p>
+                  </a:txBody>
+                  <a:tcPr/>
+                </a:tc>
+                <a:tc>
+                  <a:txBody>
+                    <a:bodyPr/>
+                    <a:lstStyle/>
+                    <a:p>
+                      <a:pPr algn="ctr"/>
+                      <a:r>
+                        <a:rPr lang="en-US" dirty="0"/>
+                        <a:t>4,83</a:t>
+                      </a:r>
+                      <a:endParaRPr lang="ru-RU" dirty="0"/>
+                    </a:p>
+                  </a:txBody>
+                  <a:tcPr/>
+                </a:tc>
+                <a:extLst>
+                  <a:ext uri="{0D108BD9-81ED-4DB2-BD59-A6C34878D82A}">
+                    <a16:rowId xmlns:a16="http://schemas.microsoft.com/office/drawing/2014/main" val="2620825179"/>
+                  </a:ext>
+                </a:extLst>
+              </a:tr>
+            </a:tbl>
+          </a:graphicData>
+        </a:graphic>
+      </p:graphicFrame>
     </p:spTree>
     <p:extLst>
       <p:ext uri="{BB962C8B-B14F-4D97-AF65-F5344CB8AC3E}">
-        <p14:creationId xmlns:p14="http://schemas.microsoft.com/office/powerpoint/2010/main" val="1547816207"/>
+        <p14:creationId xmlns:p14="http://schemas.microsoft.com/office/powerpoint/2010/main" val="1220781123"/>
       </p:ext>
     </p:extLst>
   </p:cSld>
@@ -5308,6 +5715,89 @@
           <p:cNvPr id="2" name="Заголовок 1">
             <a:extLst>
               <a:ext uri="{FF2B5EF4-FFF2-40B4-BE49-F238E27FC236}">
+                <a16:creationId xmlns:a16="http://schemas.microsoft.com/office/drawing/2014/main" id="{77FCB7F1-1404-4554-8AAD-BE561D20B9B9}"/>
+              </a:ext>
+            </a:extLst>
+          </p:cNvPr>
+          <p:cNvSpPr>
+            <a:spLocks noGrp="1"/>
+          </p:cNvSpPr>
+          <p:nvPr>
+            <p:ph type="ctrTitle"/>
+          </p:nvPr>
+        </p:nvSpPr>
+        <p:spPr/>
+        <p:txBody>
+          <a:bodyPr/>
+          <a:lstStyle/>
+          <a:p>
+            <a:r>
+              <a:rPr lang="ru-RU" b="1" dirty="0"/>
+              <a:t>Выводы</a:t>
+            </a:r>
+          </a:p>
+        </p:txBody>
+      </p:sp>
+      <p:sp>
+        <p:nvSpPr>
+          <p:cNvPr id="4" name="Подзаголовок 3">
+            <a:extLst>
+              <a:ext uri="{FF2B5EF4-FFF2-40B4-BE49-F238E27FC236}">
+                <a16:creationId xmlns:a16="http://schemas.microsoft.com/office/drawing/2014/main" id="{63D7FCBF-F788-419C-A490-B3E113E5F3F5}"/>
+              </a:ext>
+            </a:extLst>
+          </p:cNvPr>
+          <p:cNvSpPr>
+            <a:spLocks noGrp="1"/>
+          </p:cNvSpPr>
+          <p:nvPr>
+            <p:ph type="subTitle" idx="1"/>
+          </p:nvPr>
+        </p:nvSpPr>
+        <p:spPr/>
+        <p:txBody>
+          <a:bodyPr/>
+          <a:lstStyle/>
+          <a:p>
+            <a:endParaRPr lang="ru-RU"/>
+          </a:p>
+        </p:txBody>
+      </p:sp>
+    </p:spTree>
+    <p:extLst>
+      <p:ext uri="{BB962C8B-B14F-4D97-AF65-F5344CB8AC3E}">
+        <p14:creationId xmlns:p14="http://schemas.microsoft.com/office/powerpoint/2010/main" val="1547816207"/>
+      </p:ext>
+    </p:extLst>
+  </p:cSld>
+  <p:clrMapOvr>
+    <a:masterClrMapping/>
+  </p:clrMapOvr>
+</p:sld>
+</file>
+
+<file path=ppt/slides/slide21.xml><?xml version="1.0" encoding="utf-8"?>
+<p:sld xmlns:a="http://schemas.openxmlformats.org/drawingml/2006/main" xmlns:r="http://schemas.openxmlformats.org/officeDocument/2006/relationships" xmlns:p="http://schemas.openxmlformats.org/presentationml/2006/main">
+  <p:cSld>
+    <p:spTree>
+      <p:nvGrpSpPr>
+        <p:cNvPr id="1" name=""/>
+        <p:cNvGrpSpPr/>
+        <p:nvPr/>
+      </p:nvGrpSpPr>
+      <p:grpSpPr>
+        <a:xfrm>
+          <a:off x="0" y="0"/>
+          <a:ext cx="0" cy="0"/>
+          <a:chOff x="0" y="0"/>
+          <a:chExt cx="0" cy="0"/>
+        </a:xfrm>
+      </p:grpSpPr>
+      <p:sp>
+        <p:nvSpPr>
+          <p:cNvPr id="2" name="Заголовок 1">
+            <a:extLst>
+              <a:ext uri="{FF2B5EF4-FFF2-40B4-BE49-F238E27FC236}">
                 <a16:creationId xmlns:a16="http://schemas.microsoft.com/office/drawing/2014/main" id="{A20EE0A9-9055-48DF-8507-9EDAB8BC925F}"/>
               </a:ext>
             </a:extLst>
@@ -5326,12 +5816,8 @@
           <a:p>
             <a:pPr algn="ctr"/>
             <a:r>
-              <a:rPr lang="ru-RU" b="1" dirty="0"/>
-              <a:t>Список </a:t>
-            </a:r>
-            <a:r>
-              <a:rPr lang="ru-RU" b="1" dirty="0" err="1"/>
-              <a:t>литератуы</a:t>
+              <a:rPr lang="ru-RU" b="1"/>
+              <a:t>Список литературы</a:t>
             </a:r>
             <a:endParaRPr lang="ru-RU" b="1" dirty="0"/>
           </a:p>
@@ -5544,7 +6030,7 @@
 </p:sld>
 </file>
 
-<file path=ppt/slides/slide21.xml><?xml version="1.0" encoding="utf-8"?>
+<file path=ppt/slides/slide22.xml><?xml version="1.0" encoding="utf-8"?>
 <p:sld xmlns:a="http://schemas.openxmlformats.org/drawingml/2006/main" xmlns:r="http://schemas.openxmlformats.org/officeDocument/2006/relationships" xmlns:p="http://schemas.openxmlformats.org/presentationml/2006/main">
   <p:cSld>
     <p:spTree>
